--- a/seminar/sufiksni.pptx
+++ b/seminar/sufiksni.pptx
@@ -20,9 +20,13 @@
     <p:sldId id="312" r:id="rId14"/>
     <p:sldId id="313" r:id="rId15"/>
     <p:sldId id="314" r:id="rId16"/>
-    <p:sldId id="307" r:id="rId17"/>
-    <p:sldId id="298" r:id="rId18"/>
-    <p:sldId id="261" r:id="rId19"/>
+    <p:sldId id="317" r:id="rId17"/>
+    <p:sldId id="316" r:id="rId18"/>
+    <p:sldId id="318" r:id="rId19"/>
+    <p:sldId id="319" r:id="rId20"/>
+    <p:sldId id="307" r:id="rId21"/>
+    <p:sldId id="298" r:id="rId22"/>
+    <p:sldId id="261" r:id="rId23"/>
   </p:sldIdLst>
   <p:sldSz cx="9144000" cy="6858000" type="screen4x3"/>
   <p:notesSz cx="6858000" cy="9144000"/>
@@ -306,7 +310,7 @@
             <a:fld id="{1D8BD707-D9CF-40AE-B4C6-C98DA3205C09}" type="datetimeFigureOut">
               <a:rPr lang="en-US" smtClean="0"/>
               <a:pPr/>
-              <a:t>9/8/2022</a:t>
+              <a:t>9/9/2022</a:t>
             </a:fld>
             <a:endParaRPr lang="en-US"/>
           </a:p>
@@ -473,7 +477,7 @@
             <a:fld id="{1D8BD707-D9CF-40AE-B4C6-C98DA3205C09}" type="datetimeFigureOut">
               <a:rPr lang="en-US" smtClean="0"/>
               <a:pPr/>
-              <a:t>9/8/2022</a:t>
+              <a:t>9/9/2022</a:t>
             </a:fld>
             <a:endParaRPr lang="en-US"/>
           </a:p>
@@ -650,7 +654,7 @@
             <a:fld id="{1D8BD707-D9CF-40AE-B4C6-C98DA3205C09}" type="datetimeFigureOut">
               <a:rPr lang="en-US" smtClean="0"/>
               <a:pPr/>
-              <a:t>9/8/2022</a:t>
+              <a:t>9/9/2022</a:t>
             </a:fld>
             <a:endParaRPr lang="en-US"/>
           </a:p>
@@ -817,7 +821,7 @@
             <a:fld id="{1D8BD707-D9CF-40AE-B4C6-C98DA3205C09}" type="datetimeFigureOut">
               <a:rPr lang="en-US" smtClean="0"/>
               <a:pPr/>
-              <a:t>9/8/2022</a:t>
+              <a:t>9/9/2022</a:t>
             </a:fld>
             <a:endParaRPr lang="en-US"/>
           </a:p>
@@ -1060,7 +1064,7 @@
             <a:fld id="{1D8BD707-D9CF-40AE-B4C6-C98DA3205C09}" type="datetimeFigureOut">
               <a:rPr lang="en-US" smtClean="0"/>
               <a:pPr/>
-              <a:t>9/8/2022</a:t>
+              <a:t>9/9/2022</a:t>
             </a:fld>
             <a:endParaRPr lang="en-US"/>
           </a:p>
@@ -1345,7 +1349,7 @@
             <a:fld id="{1D8BD707-D9CF-40AE-B4C6-C98DA3205C09}" type="datetimeFigureOut">
               <a:rPr lang="en-US" smtClean="0"/>
               <a:pPr/>
-              <a:t>9/8/2022</a:t>
+              <a:t>9/9/2022</a:t>
             </a:fld>
             <a:endParaRPr lang="en-US"/>
           </a:p>
@@ -1764,7 +1768,7 @@
             <a:fld id="{1D8BD707-D9CF-40AE-B4C6-C98DA3205C09}" type="datetimeFigureOut">
               <a:rPr lang="en-US" smtClean="0"/>
               <a:pPr/>
-              <a:t>9/8/2022</a:t>
+              <a:t>9/9/2022</a:t>
             </a:fld>
             <a:endParaRPr lang="en-US"/>
           </a:p>
@@ -1879,7 +1883,7 @@
             <a:fld id="{1D8BD707-D9CF-40AE-B4C6-C98DA3205C09}" type="datetimeFigureOut">
               <a:rPr lang="en-US" smtClean="0"/>
               <a:pPr/>
-              <a:t>9/8/2022</a:t>
+              <a:t>9/9/2022</a:t>
             </a:fld>
             <a:endParaRPr lang="en-US"/>
           </a:p>
@@ -1971,7 +1975,7 @@
             <a:fld id="{1D8BD707-D9CF-40AE-B4C6-C98DA3205C09}" type="datetimeFigureOut">
               <a:rPr lang="en-US" smtClean="0"/>
               <a:pPr/>
-              <a:t>9/8/2022</a:t>
+              <a:t>9/9/2022</a:t>
             </a:fld>
             <a:endParaRPr lang="en-US"/>
           </a:p>
@@ -2245,7 +2249,7 @@
             <a:fld id="{1D8BD707-D9CF-40AE-B4C6-C98DA3205C09}" type="datetimeFigureOut">
               <a:rPr lang="en-US" smtClean="0"/>
               <a:pPr/>
-              <a:t>9/8/2022</a:t>
+              <a:t>9/9/2022</a:t>
             </a:fld>
             <a:endParaRPr lang="en-US"/>
           </a:p>
@@ -2495,7 +2499,7 @@
             <a:fld id="{1D8BD707-D9CF-40AE-B4C6-C98DA3205C09}" type="datetimeFigureOut">
               <a:rPr lang="en-US" smtClean="0"/>
               <a:pPr/>
-              <a:t>9/8/2022</a:t>
+              <a:t>9/9/2022</a:t>
             </a:fld>
             <a:endParaRPr lang="en-US"/>
           </a:p>
@@ -2705,7 +2709,7 @@
             <a:fld id="{1D8BD707-D9CF-40AE-B4C6-C98DA3205C09}" type="datetimeFigureOut">
               <a:rPr lang="en-US" smtClean="0"/>
               <a:pPr/>
-              <a:t>9/8/2022</a:t>
+              <a:t>9/9/2022</a:t>
             </a:fld>
             <a:endParaRPr lang="en-US"/>
           </a:p>
@@ -3250,17 +3254,8 @@
           <a:p>
             <a:r>
               <a:rPr lang="sr-Latn-RS" smtClean="0"/>
-              <a:t>Prosto sortiranje indeksa </a:t>
-            </a:r>
-            <a:r>
-              <a:rPr lang="sr-Latn-RS" smtClean="0"/>
-              <a:t>prema </a:t>
-            </a:r>
-            <a:r>
-              <a:rPr lang="sr-Latn-RS" smtClean="0"/>
-              <a:t>sufiksima</a:t>
-            </a:r>
-            <a:endParaRPr lang="sr-Latn-RS" smtClean="0"/>
+              <a:t>Prosto sortiranje indeksa prema sufiksima</a:t>
+            </a:r>
           </a:p>
         </p:txBody>
       </p:sp>
@@ -3280,7 +3275,7 @@
           <a:graphicData uri="http://schemas.openxmlformats.org/drawingml/2006/table">
             <a:tbl>
               <a:tblPr firstCol="1" bandRow="1">
-                <a:tableStyleId>{5C22544A-7EE6-4342-B048-85BDC9FD1C3A}</a:tableStyleId>
+                <a:tableStyleId>{7DF18680-E054-41AD-8BC1-D1AEF772440D}</a:tableStyleId>
               </a:tblPr>
               <a:tblGrid>
                 <a:gridCol w="666750"/>
@@ -4135,7 +4130,6 @@
               <a:rPr lang="sr-Latn-RS" sz="3200" smtClean="0"/>
               <a:t>) zbog više karaktera</a:t>
             </a:r>
-            <a:endParaRPr lang="sr-Latn-RS" sz="3200" smtClean="0"/>
           </a:p>
           <a:p>
             <a:pPr marL="342900" lvl="0" indent="-342900">
@@ -4192,7 +4186,6 @@
               <a:rPr lang="sr-Latn-RS" sz="3200" smtClean="0"/>
               <a:t>Prostorna složenost – u mestu (jedini)</a:t>
             </a:r>
-            <a:endParaRPr lang="sr-Latn-RS" sz="3200" smtClean="0"/>
           </a:p>
         </p:txBody>
       </p:sp>
@@ -4275,7 +4268,11 @@
           <a:p>
             <a:r>
               <a:rPr lang="sr-Latn-RS" smtClean="0"/>
-              <a:t>Sufiksni nisu nezavisni – potiču iz iste niske</a:t>
+              <a:t>Sufiksi </a:t>
+            </a:r>
+            <a:r>
+              <a:rPr lang="sr-Latn-RS" smtClean="0"/>
+              <a:t>nisu nezavisni – potiču iz iste niske</a:t>
             </a:r>
           </a:p>
           <a:p>
@@ -4320,11 +4317,7 @@
             </a:r>
             <a:r>
               <a:rPr lang="en-US" smtClean="0"/>
-              <a:t>[i+k</a:t>
-            </a:r>
-            <a:r>
-              <a:rPr lang="en-US" smtClean="0"/>
-              <a:t>])</a:t>
+              <a:t>[i+k])</a:t>
             </a:r>
             <a:endParaRPr lang="sr-Latn-RS" smtClean="0"/>
           </a:p>
@@ -4349,7 +4342,6 @@
               <a:rPr lang="sr-Latn-RS" smtClean="0"/>
               <a:t> karaktera</a:t>
             </a:r>
-            <a:endParaRPr lang="sr-Latn-RS" smtClean="0"/>
           </a:p>
         </p:txBody>
       </p:sp>
@@ -4369,7 +4361,7 @@
           <a:graphicData uri="http://schemas.openxmlformats.org/drawingml/2006/table">
             <a:tbl>
               <a:tblPr firstCol="1" bandRow="1">
-                <a:tableStyleId>{5C22544A-7EE6-4342-B048-85BDC9FD1C3A}</a:tableStyleId>
+                <a:tableStyleId>{7DF18680-E054-41AD-8BC1-D1AEF772440D}</a:tableStyleId>
               </a:tblPr>
               <a:tblGrid>
                 <a:gridCol w="692150"/>
@@ -5523,11 +5515,7 @@
             </a:r>
             <a:r>
               <a:rPr lang="sr-Latn-RS" smtClean="0"/>
-              <a:t>) </a:t>
-            </a:r>
-            <a:r>
-              <a:rPr lang="sr-Latn-RS" smtClean="0"/>
-              <a:t>poređenja</a:t>
+              <a:t>) poređenja</a:t>
             </a:r>
           </a:p>
           <a:p>
@@ -5536,11 +5524,7 @@
             </a:pPr>
             <a:r>
               <a:rPr lang="sr-Latn-RS" smtClean="0"/>
-              <a:t>Sveukupna vremenska složenost </a:t>
-            </a:r>
-            <a:r>
-              <a:rPr lang="sr-Latn-RS" smtClean="0"/>
-              <a:t>– </a:t>
+              <a:t>Sveukupna vremenska složenost – </a:t>
             </a:r>
             <a:r>
               <a:rPr lang="sr-Latn-RS" i="1" smtClean="0"/>
@@ -5589,7 +5573,7 @@
           <a:graphicData uri="http://schemas.openxmlformats.org/drawingml/2006/table">
             <a:tbl>
               <a:tblPr firstCol="1" bandRow="1">
-                <a:tableStyleId>{5C22544A-7EE6-4342-B048-85BDC9FD1C3A}</a:tableStyleId>
+                <a:tableStyleId>{7DF18680-E054-41AD-8BC1-D1AEF772440D}</a:tableStyleId>
               </a:tblPr>
               <a:tblGrid>
                 <a:gridCol w="666750"/>
@@ -5618,7 +5602,7 @@
                       </a:r>
                       <a:r>
                         <a:rPr lang="sr-Latn-RS" baseline="-25000" smtClean="0"/>
-                        <a:t>0</a:t>
+                        <a:t>1</a:t>
                       </a:r>
                       <a:endParaRPr lang="en-US"/>
                     </a:p>
@@ -6006,7 +5990,7 @@
                       </a:r>
                       <a:r>
                         <a:rPr lang="sr-Latn-RS" baseline="-25000" smtClean="0"/>
-                        <a:t>1</a:t>
+                        <a:t>2</a:t>
                       </a:r>
                       <a:endParaRPr lang="en-US" smtClean="0"/>
                     </a:p>
@@ -6461,8 +6445,8 @@
                         <a:t>S</a:t>
                       </a:r>
                       <a:r>
-                        <a:rPr lang="en-US" baseline="-25000" smtClean="0"/>
-                        <a:t>2</a:t>
+                        <a:rPr lang="sr-Latn-RS" baseline="-25000" smtClean="0"/>
+                        <a:t>4</a:t>
                       </a:r>
                       <a:endParaRPr lang="en-US" smtClean="0"/>
                     </a:p>
@@ -6921,8 +6905,8 @@
                         <a:t>S</a:t>
                       </a:r>
                       <a:r>
-                        <a:rPr lang="en-US" baseline="-25000" smtClean="0"/>
-                        <a:t>4</a:t>
+                        <a:rPr lang="sr-Latn-RS" baseline="-25000" smtClean="0"/>
+                        <a:t>8</a:t>
                       </a:r>
                       <a:endParaRPr lang="en-US" smtClean="0"/>
                     </a:p>
@@ -7675,11 +7659,7 @@
             <a:pPr lvl="0"/>
             <a:r>
               <a:rPr lang="sr-Latn-RS" smtClean="0"/>
-              <a:t>Sveukupna vremenska složenost </a:t>
-            </a:r>
-            <a:r>
-              <a:rPr lang="sr-Latn-RS" smtClean="0"/>
-              <a:t>– </a:t>
+              <a:t>Sveukupna vremenska složenost – </a:t>
             </a:r>
             <a:r>
               <a:rPr lang="sr-Latn-RS" i="1" smtClean="0"/>
@@ -7705,7 +7685,6 @@
               <a:rPr lang="sr-Latn-RS" smtClean="0"/>
               <a:t>)</a:t>
             </a:r>
-            <a:endParaRPr lang="sr-Latn-RS" smtClean="0"/>
           </a:p>
         </p:txBody>
       </p:sp>
@@ -7947,11 +7926,7 @@
             </a:r>
             <a:r>
               <a:rPr lang="sr-Latn-RS" smtClean="0"/>
-              <a:t>(</a:t>
-            </a:r>
-            <a:r>
-              <a:rPr lang="sr-Latn-RS" smtClean="0"/>
-              <a:t>⅔</a:t>
+              <a:t>(⅔</a:t>
             </a:r>
             <a:r>
               <a:rPr lang="sr-Latn-RS" i="1" smtClean="0"/>
@@ -8032,17 +8007,8 @@
             </a:r>
             <a:r>
               <a:rPr lang="sr-Latn-RS" smtClean="0"/>
-              <a:t>) </a:t>
-            </a:r>
-            <a:r>
-              <a:rPr lang="sr-Latn-RS" smtClean="0"/>
-              <a:t>i </a:t>
-            </a:r>
-            <a:r>
-              <a:rPr lang="sr-Latn-RS" smtClean="0"/>
-              <a:t>Sanders</a:t>
-            </a:r>
-            <a:endParaRPr lang="sr-Latn-RS" smtClean="0"/>
+              <a:t>) i Sanders</a:t>
+            </a:r>
           </a:p>
           <a:p>
             <a:r>
@@ -8055,12 +8021,13 @@
             </a:r>
             <a:r>
               <a:rPr lang="sr-Latn-RS" smtClean="0"/>
-              <a:t>), zbog podele</a:t>
+              <a:t>), zbog </a:t>
+            </a:r>
+            <a:r>
+              <a:rPr lang="sr-Latn-RS" smtClean="0"/>
+              <a:t>podele</a:t>
             </a:r>
             <a:endParaRPr lang="sr-Latn-RS" smtClean="0"/>
-          </a:p>
-          <a:p>
-            <a:endParaRPr lang="en-US"/>
           </a:p>
         </p:txBody>
       </p:sp>
@@ -8106,6 +8073,2088 @@
             <p:ph type="title"/>
           </p:nvPr>
         </p:nvSpPr>
+        <p:spPr/>
+        <p:txBody>
+          <a:bodyPr/>
+          <a:lstStyle/>
+          <a:p>
+            <a:r>
+              <a:rPr lang="sr-Latn-RS" smtClean="0"/>
+              <a:t>Implementacije algoritama</a:t>
+            </a:r>
+            <a:endParaRPr lang="en-US"/>
+          </a:p>
+        </p:txBody>
+      </p:sp>
+      <p:sp>
+        <p:nvSpPr>
+          <p:cNvPr id="3" name="Content Placeholder 2"/>
+          <p:cNvSpPr>
+            <a:spLocks noGrp="1"/>
+          </p:cNvSpPr>
+          <p:nvPr>
+            <p:ph idx="1"/>
+          </p:nvPr>
+        </p:nvSpPr>
+        <p:spPr>
+          <a:xfrm>
+            <a:off x="457200" y="4114800"/>
+            <a:ext cx="8229600" cy="2209800"/>
+          </a:xfrm>
+        </p:spPr>
+        <p:txBody>
+          <a:bodyPr>
+            <a:normAutofit/>
+          </a:bodyPr>
+          <a:lstStyle/>
+          <a:p>
+            <a:r>
+              <a:rPr lang="sr-Latn-RS" smtClean="0"/>
+              <a:t>Korišćeno – programski jezik C++, grafikon vremena rada Qt, histogrami matplotli</a:t>
+            </a:r>
+            <a:r>
+              <a:rPr lang="sr-Latn-RS" smtClean="0"/>
+              <a:t>b</a:t>
+            </a:r>
+          </a:p>
+          <a:p>
+            <a:r>
+              <a:rPr lang="sr-Latn-RS" smtClean="0"/>
+              <a:t>Optimizacije – npr. LS niz je bitovski (unsigned char dužine n / 8 + 1 umesto char dužine n)</a:t>
+            </a:r>
+          </a:p>
+        </p:txBody>
+      </p:sp>
+      <p:pic>
+        <p:nvPicPr>
+          <p:cNvPr id="4" name="Picture 3" descr="matplotlib.png"/>
+          <p:cNvPicPr>
+            <a:picLocks noChangeAspect="1"/>
+          </p:cNvPicPr>
+          <p:nvPr/>
+        </p:nvPicPr>
+        <p:blipFill>
+          <a:blip r:embed="rId2" cstate="print"/>
+          <a:stretch>
+            <a:fillRect/>
+          </a:stretch>
+        </p:blipFill>
+        <p:spPr>
+          <a:xfrm>
+            <a:off x="6096000" y="1676400"/>
+            <a:ext cx="1943499" cy="1943499"/>
+          </a:xfrm>
+          <a:prstGeom prst="rect">
+            <a:avLst/>
+          </a:prstGeom>
+        </p:spPr>
+      </p:pic>
+      <p:pic>
+        <p:nvPicPr>
+          <p:cNvPr id="5" name="Picture 4" descr="c++.png"/>
+          <p:cNvPicPr>
+            <a:picLocks noChangeAspect="1"/>
+          </p:cNvPicPr>
+          <p:nvPr/>
+        </p:nvPicPr>
+        <p:blipFill>
+          <a:blip r:embed="rId3" cstate="print"/>
+          <a:stretch>
+            <a:fillRect/>
+          </a:stretch>
+        </p:blipFill>
+        <p:spPr>
+          <a:xfrm>
+            <a:off x="914400" y="1524000"/>
+            <a:ext cx="1965871" cy="2207293"/>
+          </a:xfrm>
+          <a:prstGeom prst="rect">
+            <a:avLst/>
+          </a:prstGeom>
+        </p:spPr>
+      </p:pic>
+      <p:pic>
+        <p:nvPicPr>
+          <p:cNvPr id="6" name="Picture 5" descr="qt.png"/>
+          <p:cNvPicPr>
+            <a:picLocks noChangeAspect="1"/>
+          </p:cNvPicPr>
+          <p:nvPr/>
+        </p:nvPicPr>
+        <p:blipFill>
+          <a:blip r:embed="rId4" cstate="print"/>
+          <a:stretch>
+            <a:fillRect/>
+          </a:stretch>
+        </p:blipFill>
+        <p:spPr>
+          <a:xfrm>
+            <a:off x="3429000" y="1752600"/>
+            <a:ext cx="2286811" cy="1677590"/>
+          </a:xfrm>
+          <a:prstGeom prst="rect">
+            <a:avLst/>
+          </a:prstGeom>
+        </p:spPr>
+      </p:pic>
+    </p:spTree>
+  </p:cSld>
+  <p:clrMapOvr>
+    <a:masterClrMapping/>
+  </p:clrMapOvr>
+  <p:timing>
+    <p:tnLst>
+      <p:par>
+        <p:cTn id="1" dur="indefinite" restart="never" nodeType="tmRoot"/>
+      </p:par>
+    </p:tnLst>
+  </p:timing>
+</p:sld>
+</file>
+
+<file path=ppt/slides/slide17.xml><?xml version="1.0" encoding="utf-8"?>
+<p:sld xmlns:a="http://schemas.openxmlformats.org/drawingml/2006/main" xmlns:r="http://schemas.openxmlformats.org/officeDocument/2006/relationships" xmlns:p="http://schemas.openxmlformats.org/presentationml/2006/main">
+  <p:cSld>
+    <p:spTree>
+      <p:nvGrpSpPr>
+        <p:cNvPr id="1" name=""/>
+        <p:cNvGrpSpPr/>
+        <p:nvPr/>
+      </p:nvGrpSpPr>
+      <p:grpSpPr>
+        <a:xfrm>
+          <a:off x="0" y="0"/>
+          <a:ext cx="0" cy="0"/>
+          <a:chOff x="0" y="0"/>
+          <a:chExt cx="0" cy="0"/>
+        </a:xfrm>
+      </p:grpSpPr>
+      <p:sp>
+        <p:nvSpPr>
+          <p:cNvPr id="2" name="Title 1"/>
+          <p:cNvSpPr>
+            <a:spLocks noGrp="1"/>
+          </p:cNvSpPr>
+          <p:nvPr>
+            <p:ph type="title"/>
+          </p:nvPr>
+        </p:nvSpPr>
+        <p:spPr/>
+        <p:txBody>
+          <a:bodyPr/>
+          <a:lstStyle/>
+          <a:p>
+            <a:r>
+              <a:rPr lang="sr-Latn-RS" smtClean="0"/>
+              <a:t>Grafikon vremena rada</a:t>
+            </a:r>
+            <a:endParaRPr lang="en-US"/>
+          </a:p>
+        </p:txBody>
+      </p:sp>
+      <p:pic>
+        <p:nvPicPr>
+          <p:cNvPr id="6" name="Picture 5" descr="1024px-Proline-from-xtal-3D-bs-17-view-B.png"/>
+          <p:cNvPicPr>
+            <a:picLocks noChangeAspect="1"/>
+          </p:cNvPicPr>
+          <p:nvPr/>
+        </p:nvPicPr>
+        <p:blipFill>
+          <a:blip r:embed="rId2" cstate="print"/>
+          <a:stretch>
+            <a:fillRect/>
+          </a:stretch>
+        </p:blipFill>
+        <p:spPr>
+          <a:xfrm>
+            <a:off x="457200" y="1371600"/>
+            <a:ext cx="8305800" cy="5047992"/>
+          </a:xfrm>
+          <a:prstGeom prst="rect">
+            <a:avLst/>
+          </a:prstGeom>
+        </p:spPr>
+      </p:pic>
+    </p:spTree>
+  </p:cSld>
+  <p:clrMapOvr>
+    <a:masterClrMapping/>
+  </p:clrMapOvr>
+  <p:timing>
+    <p:tnLst>
+      <p:par>
+        <p:cTn id="1" dur="indefinite" restart="never" nodeType="tmRoot"/>
+      </p:par>
+    </p:tnLst>
+  </p:timing>
+</p:sld>
+</file>
+
+<file path=ppt/slides/slide18.xml><?xml version="1.0" encoding="utf-8"?>
+<p:sld xmlns:a="http://schemas.openxmlformats.org/drawingml/2006/main" xmlns:r="http://schemas.openxmlformats.org/officeDocument/2006/relationships" xmlns:p="http://schemas.openxmlformats.org/presentationml/2006/main">
+  <p:cSld>
+    <p:spTree>
+      <p:nvGrpSpPr>
+        <p:cNvPr id="1" name=""/>
+        <p:cNvGrpSpPr/>
+        <p:nvPr/>
+      </p:nvGrpSpPr>
+      <p:grpSpPr>
+        <a:xfrm>
+          <a:off x="0" y="0"/>
+          <a:ext cx="0" cy="0"/>
+          <a:chOff x="0" y="0"/>
+          <a:chExt cx="0" cy="0"/>
+        </a:xfrm>
+      </p:grpSpPr>
+      <p:sp>
+        <p:nvSpPr>
+          <p:cNvPr id="2" name="Title 1"/>
+          <p:cNvSpPr>
+            <a:spLocks noGrp="1"/>
+          </p:cNvSpPr>
+          <p:nvPr>
+            <p:ph type="title"/>
+          </p:nvPr>
+        </p:nvSpPr>
+        <p:spPr/>
+        <p:txBody>
+          <a:bodyPr/>
+          <a:lstStyle/>
+          <a:p>
+            <a:r>
+              <a:rPr lang="sr-Latn-RS" smtClean="0"/>
+              <a:t>Tabela vremena rada</a:t>
+            </a:r>
+            <a:endParaRPr lang="en-US"/>
+          </a:p>
+        </p:txBody>
+      </p:sp>
+      <p:graphicFrame>
+        <p:nvGraphicFramePr>
+          <p:cNvPr id="5" name="Table 4"/>
+          <p:cNvGraphicFramePr>
+            <a:graphicFrameLocks noGrp="1"/>
+          </p:cNvGraphicFramePr>
+          <p:nvPr/>
+        </p:nvGraphicFramePr>
+        <p:xfrm>
+          <a:off x="609600" y="1371600"/>
+          <a:ext cx="7924798" cy="3708400"/>
+        </p:xfrm>
+        <a:graphic>
+          <a:graphicData uri="http://schemas.openxmlformats.org/drawingml/2006/table">
+            <a:tbl>
+              <a:tblPr firstRow="1" bandRow="1">
+                <a:tableStyleId>{7DF18680-E054-41AD-8BC1-D1AEF772440D}</a:tableStyleId>
+              </a:tblPr>
+              <a:tblGrid>
+                <a:gridCol w="838200"/>
+                <a:gridCol w="922867"/>
+                <a:gridCol w="880533"/>
+                <a:gridCol w="880533"/>
+                <a:gridCol w="880533"/>
+                <a:gridCol w="880533"/>
+                <a:gridCol w="880533"/>
+                <a:gridCol w="880533"/>
+                <a:gridCol w="880533"/>
+              </a:tblGrid>
+              <a:tr h="370840">
+                <a:tc rowSpan="2">
+                  <a:txBody>
+                    <a:bodyPr/>
+                    <a:lstStyle/>
+                    <a:p>
+                      <a:pPr algn="ctr"/>
+                      <a:r>
+                        <a:rPr lang="sr-Latn-RS" baseline="0" smtClean="0"/>
+                        <a:t>n</a:t>
+                      </a:r>
+                      <a:endParaRPr lang="en-US"/>
+                    </a:p>
+                  </a:txBody>
+                  <a:tcPr anchor="ctr" anchorCtr="1"/>
+                </a:tc>
+                <a:tc gridSpan="2">
+                  <a:txBody>
+                    <a:bodyPr/>
+                    <a:lstStyle/>
+                    <a:p>
+                      <a:pPr algn="ctr"/>
+                      <a:r>
+                        <a:rPr lang="sr-Latn-RS" smtClean="0"/>
+                        <a:t>Naivno</a:t>
+                      </a:r>
+                      <a:endParaRPr lang="en-US"/>
+                    </a:p>
+                  </a:txBody>
+                  <a:tcPr anchor="ctr" anchorCtr="1"/>
+                </a:tc>
+                <a:tc hMerge="1">
+                  <a:txBody>
+                    <a:bodyPr/>
+                    <a:lstStyle/>
+                    <a:p>
+                      <a:pPr algn="ctr"/>
+                      <a:endParaRPr lang="en-US"/>
+                    </a:p>
+                  </a:txBody>
+                  <a:tcPr anchor="ctr" anchorCtr="1"/>
+                </a:tc>
+                <a:tc gridSpan="2">
+                  <a:txBody>
+                    <a:bodyPr/>
+                    <a:lstStyle/>
+                    <a:p>
+                      <a:pPr algn="ctr"/>
+                      <a:r>
+                        <a:rPr lang="sr-Latn-RS" smtClean="0"/>
+                        <a:t>Dupliranje</a:t>
+                      </a:r>
+                      <a:endParaRPr lang="en-US"/>
+                    </a:p>
+                  </a:txBody>
+                  <a:tcPr anchor="ctr" anchorCtr="1"/>
+                </a:tc>
+                <a:tc hMerge="1">
+                  <a:txBody>
+                    <a:bodyPr/>
+                    <a:lstStyle/>
+                    <a:p>
+                      <a:pPr algn="ctr"/>
+                      <a:endParaRPr lang="en-US"/>
+                    </a:p>
+                  </a:txBody>
+                  <a:tcPr anchor="ctr" anchorCtr="1"/>
+                </a:tc>
+                <a:tc gridSpan="2">
+                  <a:txBody>
+                    <a:bodyPr/>
+                    <a:lstStyle/>
+                    <a:p>
+                      <a:pPr algn="ctr"/>
+                      <a:r>
+                        <a:rPr lang="sr-Latn-RS" smtClean="0"/>
+                        <a:t>DC3 / skew</a:t>
+                      </a:r>
+                      <a:endParaRPr lang="en-US"/>
+                    </a:p>
+                  </a:txBody>
+                  <a:tcPr anchor="ctr" anchorCtr="1"/>
+                </a:tc>
+                <a:tc hMerge="1">
+                  <a:txBody>
+                    <a:bodyPr/>
+                    <a:lstStyle/>
+                    <a:p>
+                      <a:pPr algn="ctr"/>
+                      <a:endParaRPr lang="en-US"/>
+                    </a:p>
+                  </a:txBody>
+                  <a:tcPr anchor="ctr" anchorCtr="1"/>
+                </a:tc>
+                <a:tc gridSpan="2">
+                  <a:txBody>
+                    <a:bodyPr/>
+                    <a:lstStyle/>
+                    <a:p>
+                      <a:pPr algn="ctr"/>
+                      <a:r>
+                        <a:rPr lang="sr-Latn-RS" smtClean="0"/>
+                        <a:t>SA-IS</a:t>
+                      </a:r>
+                      <a:endParaRPr lang="en-US"/>
+                    </a:p>
+                  </a:txBody>
+                  <a:tcPr anchor="ctr" anchorCtr="1"/>
+                </a:tc>
+                <a:tc hMerge="1">
+                  <a:txBody>
+                    <a:bodyPr/>
+                    <a:lstStyle/>
+                    <a:p>
+                      <a:pPr algn="ctr"/>
+                      <a:endParaRPr lang="en-US"/>
+                    </a:p>
+                  </a:txBody>
+                  <a:tcPr anchor="ctr" anchorCtr="1"/>
+                </a:tc>
+              </a:tr>
+              <a:tr h="370840">
+                <a:tc vMerge="1">
+                  <a:txBody>
+                    <a:bodyPr/>
+                    <a:lstStyle/>
+                    <a:p>
+                      <a:pPr algn="ctr"/>
+                      <a:endParaRPr lang="en-US"/>
+                    </a:p>
+                  </a:txBody>
+                  <a:tcPr anchor="ctr" anchorCtr="1"/>
+                </a:tc>
+                <a:tc>
+                  <a:txBody>
+                    <a:bodyPr/>
+                    <a:lstStyle/>
+                    <a:p>
+                      <a:pPr algn="ctr"/>
+                      <a:r>
+                        <a:rPr lang="sr-Latn-RS" smtClean="0"/>
+                        <a:t>mean</a:t>
+                      </a:r>
+                      <a:endParaRPr lang="en-US"/>
+                    </a:p>
+                  </a:txBody>
+                  <a:tcPr anchor="ctr" anchorCtr="1"/>
+                </a:tc>
+                <a:tc>
+                  <a:txBody>
+                    <a:bodyPr/>
+                    <a:lstStyle/>
+                    <a:p>
+                      <a:pPr algn="ctr"/>
+                      <a:r>
+                        <a:rPr lang="sr-Latn-RS" smtClean="0"/>
+                        <a:t>std</a:t>
+                      </a:r>
+                      <a:endParaRPr lang="en-US"/>
+                    </a:p>
+                  </a:txBody>
+                  <a:tcPr anchor="ctr" anchorCtr="1"/>
+                </a:tc>
+                <a:tc>
+                  <a:txBody>
+                    <a:bodyPr/>
+                    <a:lstStyle/>
+                    <a:p>
+                      <a:pPr marL="0" marR="0" indent="0" algn="ctr" defTabSz="914400" rtl="0" eaLnBrk="1" fontAlgn="auto" latinLnBrk="0" hangingPunct="1">
+                        <a:lnSpc>
+                          <a:spcPct val="100000"/>
+                        </a:lnSpc>
+                        <a:spcBef>
+                          <a:spcPts val="0"/>
+                        </a:spcBef>
+                        <a:spcAft>
+                          <a:spcPts val="0"/>
+                        </a:spcAft>
+                        <a:buClrTx/>
+                        <a:buSzTx/>
+                        <a:buFontTx/>
+                        <a:buNone/>
+                        <a:tabLst/>
+                        <a:defRPr/>
+                      </a:pPr>
+                      <a:r>
+                        <a:rPr lang="sr-Latn-RS" smtClean="0"/>
+                        <a:t>mean</a:t>
+                      </a:r>
+                      <a:endParaRPr lang="en-US" smtClean="0"/>
+                    </a:p>
+                  </a:txBody>
+                  <a:tcPr anchor="ctr" anchorCtr="1"/>
+                </a:tc>
+                <a:tc>
+                  <a:txBody>
+                    <a:bodyPr/>
+                    <a:lstStyle/>
+                    <a:p>
+                      <a:pPr marL="0" marR="0" indent="0" algn="ctr" defTabSz="914400" rtl="0" eaLnBrk="1" fontAlgn="auto" latinLnBrk="0" hangingPunct="1">
+                        <a:lnSpc>
+                          <a:spcPct val="100000"/>
+                        </a:lnSpc>
+                        <a:spcBef>
+                          <a:spcPts val="0"/>
+                        </a:spcBef>
+                        <a:spcAft>
+                          <a:spcPts val="0"/>
+                        </a:spcAft>
+                        <a:buClrTx/>
+                        <a:buSzTx/>
+                        <a:buFontTx/>
+                        <a:buNone/>
+                        <a:tabLst/>
+                        <a:defRPr/>
+                      </a:pPr>
+                      <a:r>
+                        <a:rPr lang="sr-Latn-RS" smtClean="0"/>
+                        <a:t>std</a:t>
+                      </a:r>
+                      <a:endParaRPr lang="en-US"/>
+                    </a:p>
+                  </a:txBody>
+                  <a:tcPr anchor="ctr" anchorCtr="1"/>
+                </a:tc>
+                <a:tc>
+                  <a:txBody>
+                    <a:bodyPr/>
+                    <a:lstStyle/>
+                    <a:p>
+                      <a:pPr marL="0" marR="0" indent="0" algn="ctr" defTabSz="914400" rtl="0" eaLnBrk="1" fontAlgn="auto" latinLnBrk="0" hangingPunct="1">
+                        <a:lnSpc>
+                          <a:spcPct val="100000"/>
+                        </a:lnSpc>
+                        <a:spcBef>
+                          <a:spcPts val="0"/>
+                        </a:spcBef>
+                        <a:spcAft>
+                          <a:spcPts val="0"/>
+                        </a:spcAft>
+                        <a:buClrTx/>
+                        <a:buSzTx/>
+                        <a:buFontTx/>
+                        <a:buNone/>
+                        <a:tabLst/>
+                        <a:defRPr/>
+                      </a:pPr>
+                      <a:r>
+                        <a:rPr lang="sr-Latn-RS" smtClean="0"/>
+                        <a:t>mean</a:t>
+                      </a:r>
+                      <a:endParaRPr lang="en-US"/>
+                    </a:p>
+                  </a:txBody>
+                  <a:tcPr anchor="ctr" anchorCtr="1"/>
+                </a:tc>
+                <a:tc>
+                  <a:txBody>
+                    <a:bodyPr/>
+                    <a:lstStyle/>
+                    <a:p>
+                      <a:pPr marL="0" marR="0" indent="0" algn="ctr" defTabSz="914400" rtl="0" eaLnBrk="1" fontAlgn="auto" latinLnBrk="0" hangingPunct="1">
+                        <a:lnSpc>
+                          <a:spcPct val="100000"/>
+                        </a:lnSpc>
+                        <a:spcBef>
+                          <a:spcPts val="0"/>
+                        </a:spcBef>
+                        <a:spcAft>
+                          <a:spcPts val="0"/>
+                        </a:spcAft>
+                        <a:buClrTx/>
+                        <a:buSzTx/>
+                        <a:buFontTx/>
+                        <a:buNone/>
+                        <a:tabLst/>
+                        <a:defRPr/>
+                      </a:pPr>
+                      <a:r>
+                        <a:rPr lang="sr-Latn-RS" smtClean="0"/>
+                        <a:t>std</a:t>
+                      </a:r>
+                      <a:endParaRPr lang="en-US"/>
+                    </a:p>
+                  </a:txBody>
+                  <a:tcPr anchor="ctr" anchorCtr="1"/>
+                </a:tc>
+                <a:tc>
+                  <a:txBody>
+                    <a:bodyPr/>
+                    <a:lstStyle/>
+                    <a:p>
+                      <a:pPr marL="0" marR="0" indent="0" algn="ctr" defTabSz="914400" rtl="0" eaLnBrk="1" fontAlgn="auto" latinLnBrk="0" hangingPunct="1">
+                        <a:lnSpc>
+                          <a:spcPct val="100000"/>
+                        </a:lnSpc>
+                        <a:spcBef>
+                          <a:spcPts val="0"/>
+                        </a:spcBef>
+                        <a:spcAft>
+                          <a:spcPts val="0"/>
+                        </a:spcAft>
+                        <a:buClrTx/>
+                        <a:buSzTx/>
+                        <a:buFontTx/>
+                        <a:buNone/>
+                        <a:tabLst/>
+                        <a:defRPr/>
+                      </a:pPr>
+                      <a:r>
+                        <a:rPr lang="sr-Latn-RS" smtClean="0"/>
+                        <a:t>mean</a:t>
+                      </a:r>
+                      <a:endParaRPr lang="en-US"/>
+                    </a:p>
+                  </a:txBody>
+                  <a:tcPr anchor="ctr" anchorCtr="1"/>
+                </a:tc>
+                <a:tc>
+                  <a:txBody>
+                    <a:bodyPr/>
+                    <a:lstStyle/>
+                    <a:p>
+                      <a:pPr marL="0" marR="0" indent="0" algn="ctr" defTabSz="914400" rtl="0" eaLnBrk="1" fontAlgn="auto" latinLnBrk="0" hangingPunct="1">
+                        <a:lnSpc>
+                          <a:spcPct val="100000"/>
+                        </a:lnSpc>
+                        <a:spcBef>
+                          <a:spcPts val="0"/>
+                        </a:spcBef>
+                        <a:spcAft>
+                          <a:spcPts val="0"/>
+                        </a:spcAft>
+                        <a:buClrTx/>
+                        <a:buSzTx/>
+                        <a:buFontTx/>
+                        <a:buNone/>
+                        <a:tabLst/>
+                        <a:defRPr/>
+                      </a:pPr>
+                      <a:r>
+                        <a:rPr lang="sr-Latn-RS" smtClean="0"/>
+                        <a:t>std</a:t>
+                      </a:r>
+                      <a:endParaRPr lang="en-US"/>
+                    </a:p>
+                  </a:txBody>
+                  <a:tcPr anchor="ctr" anchorCtr="1"/>
+                </a:tc>
+              </a:tr>
+              <a:tr h="370840">
+                <a:tc>
+                  <a:txBody>
+                    <a:bodyPr/>
+                    <a:lstStyle/>
+                    <a:p>
+                      <a:pPr algn="ctr"/>
+                      <a:r>
+                        <a:rPr lang="sr-Latn-RS" smtClean="0"/>
+                        <a:t>10</a:t>
+                      </a:r>
+                      <a:endParaRPr lang="en-US"/>
+                    </a:p>
+                  </a:txBody>
+                  <a:tcPr anchor="ctr" anchorCtr="1"/>
+                </a:tc>
+                <a:tc>
+                  <a:txBody>
+                    <a:bodyPr/>
+                    <a:lstStyle/>
+                    <a:p>
+                      <a:pPr algn="ctr"/>
+                      <a:r>
+                        <a:rPr lang="sr-Latn-RS" smtClean="0"/>
+                        <a:t>17,50</a:t>
+                      </a:r>
+                      <a:endParaRPr lang="en-US"/>
+                    </a:p>
+                  </a:txBody>
+                  <a:tcPr anchor="ctr" anchorCtr="1"/>
+                </a:tc>
+                <a:tc>
+                  <a:txBody>
+                    <a:bodyPr/>
+                    <a:lstStyle/>
+                    <a:p>
+                      <a:pPr algn="ctr"/>
+                      <a:r>
+                        <a:rPr lang="sr-Latn-RS" smtClean="0"/>
+                        <a:t>0,06</a:t>
+                      </a:r>
+                      <a:endParaRPr lang="en-US"/>
+                    </a:p>
+                  </a:txBody>
+                  <a:tcPr anchor="ctr" anchorCtr="1"/>
+                </a:tc>
+                <a:tc>
+                  <a:txBody>
+                    <a:bodyPr/>
+                    <a:lstStyle/>
+                    <a:p>
+                      <a:pPr algn="ctr"/>
+                      <a:r>
+                        <a:rPr lang="en-US" smtClean="0"/>
+                        <a:t>15,77</a:t>
+                      </a:r>
+                      <a:endParaRPr lang="en-US"/>
+                    </a:p>
+                  </a:txBody>
+                  <a:tcPr anchor="ctr" anchorCtr="1"/>
+                </a:tc>
+                <a:tc>
+                  <a:txBody>
+                    <a:bodyPr/>
+                    <a:lstStyle/>
+                    <a:p>
+                      <a:pPr algn="ctr"/>
+                      <a:r>
+                        <a:rPr lang="en-US" smtClean="0"/>
+                        <a:t>0,15</a:t>
+                      </a:r>
+                      <a:endParaRPr lang="en-US"/>
+                    </a:p>
+                  </a:txBody>
+                  <a:tcPr anchor="ctr" anchorCtr="1"/>
+                </a:tc>
+                <a:tc>
+                  <a:txBody>
+                    <a:bodyPr/>
+                    <a:lstStyle/>
+                    <a:p>
+                      <a:pPr algn="ctr"/>
+                      <a:r>
+                        <a:rPr lang="en-US" smtClean="0"/>
+                        <a:t>15,52</a:t>
+                      </a:r>
+                      <a:endParaRPr lang="en-US"/>
+                    </a:p>
+                  </a:txBody>
+                  <a:tcPr anchor="ctr" anchorCtr="1"/>
+                </a:tc>
+                <a:tc>
+                  <a:txBody>
+                    <a:bodyPr/>
+                    <a:lstStyle/>
+                    <a:p>
+                      <a:pPr algn="ctr"/>
+                      <a:r>
+                        <a:rPr lang="en-US" smtClean="0"/>
+                        <a:t>0,12</a:t>
+                      </a:r>
+                      <a:endParaRPr lang="en-US"/>
+                    </a:p>
+                  </a:txBody>
+                  <a:tcPr anchor="ctr" anchorCtr="1"/>
+                </a:tc>
+                <a:tc>
+                  <a:txBody>
+                    <a:bodyPr/>
+                    <a:lstStyle/>
+                    <a:p>
+                      <a:pPr algn="ctr"/>
+                      <a:r>
+                        <a:rPr lang="en-US" smtClean="0"/>
+                        <a:t>15,08</a:t>
+                      </a:r>
+                      <a:endParaRPr lang="en-US"/>
+                    </a:p>
+                  </a:txBody>
+                  <a:tcPr anchor="ctr" anchorCtr="1"/>
+                </a:tc>
+                <a:tc>
+                  <a:txBody>
+                    <a:bodyPr/>
+                    <a:lstStyle/>
+                    <a:p>
+                      <a:pPr algn="ctr"/>
+                      <a:r>
+                        <a:rPr lang="en-US" smtClean="0"/>
+                        <a:t>0,09</a:t>
+                      </a:r>
+                      <a:endParaRPr lang="en-US"/>
+                    </a:p>
+                  </a:txBody>
+                  <a:tcPr anchor="ctr" anchorCtr="1"/>
+                </a:tc>
+              </a:tr>
+              <a:tr h="370840">
+                <a:tc>
+                  <a:txBody>
+                    <a:bodyPr/>
+                    <a:lstStyle/>
+                    <a:p>
+                      <a:pPr algn="ctr"/>
+                      <a:r>
+                        <a:rPr lang="sr-Latn-RS" smtClean="0"/>
+                        <a:t>11</a:t>
+                      </a:r>
+                      <a:endParaRPr lang="en-US"/>
+                    </a:p>
+                  </a:txBody>
+                  <a:tcPr anchor="ctr" anchorCtr="1"/>
+                </a:tc>
+                <a:tc>
+                  <a:txBody>
+                    <a:bodyPr/>
+                    <a:lstStyle/>
+                    <a:p>
+                      <a:pPr algn="ctr"/>
+                      <a:r>
+                        <a:rPr lang="sr-Latn-RS" smtClean="0"/>
+                        <a:t>19,88</a:t>
+                      </a:r>
+                      <a:endParaRPr lang="en-US"/>
+                    </a:p>
+                  </a:txBody>
+                  <a:tcPr anchor="ctr" anchorCtr="1"/>
+                </a:tc>
+                <a:tc>
+                  <a:txBody>
+                    <a:bodyPr/>
+                    <a:lstStyle/>
+                    <a:p>
+                      <a:pPr algn="ctr"/>
+                      <a:r>
+                        <a:rPr lang="sr-Latn-RS" smtClean="0"/>
+                        <a:t>0,15</a:t>
+                      </a:r>
+                      <a:endParaRPr lang="en-US"/>
+                    </a:p>
+                  </a:txBody>
+                  <a:tcPr anchor="ctr" anchorCtr="1"/>
+                </a:tc>
+                <a:tc>
+                  <a:txBody>
+                    <a:bodyPr/>
+                    <a:lstStyle/>
+                    <a:p>
+                      <a:pPr algn="ctr"/>
+                      <a:r>
+                        <a:rPr lang="en-US" smtClean="0"/>
+                        <a:t>16,86</a:t>
+                      </a:r>
+                      <a:endParaRPr lang="en-US"/>
+                    </a:p>
+                  </a:txBody>
+                  <a:tcPr anchor="ctr" anchorCtr="1"/>
+                </a:tc>
+                <a:tc>
+                  <a:txBody>
+                    <a:bodyPr/>
+                    <a:lstStyle/>
+                    <a:p>
+                      <a:pPr algn="ctr"/>
+                      <a:r>
+                        <a:rPr lang="en-US" smtClean="0"/>
+                        <a:t>0,10</a:t>
+                      </a:r>
+                      <a:endParaRPr lang="en-US"/>
+                    </a:p>
+                  </a:txBody>
+                  <a:tcPr anchor="ctr" anchorCtr="1"/>
+                </a:tc>
+                <a:tc>
+                  <a:txBody>
+                    <a:bodyPr/>
+                    <a:lstStyle/>
+                    <a:p>
+                      <a:pPr algn="ctr"/>
+                      <a:r>
+                        <a:rPr lang="en-US" smtClean="0"/>
+                        <a:t>16,50</a:t>
+                      </a:r>
+                      <a:endParaRPr lang="en-US"/>
+                    </a:p>
+                  </a:txBody>
+                  <a:tcPr anchor="ctr" anchorCtr="1"/>
+                </a:tc>
+                <a:tc>
+                  <a:txBody>
+                    <a:bodyPr/>
+                    <a:lstStyle/>
+                    <a:p>
+                      <a:pPr algn="ctr"/>
+                      <a:r>
+                        <a:rPr lang="en-US" smtClean="0"/>
+                        <a:t>0,12</a:t>
+                      </a:r>
+                      <a:endParaRPr lang="en-US"/>
+                    </a:p>
+                  </a:txBody>
+                  <a:tcPr anchor="ctr" anchorCtr="1"/>
+                </a:tc>
+                <a:tc>
+                  <a:txBody>
+                    <a:bodyPr/>
+                    <a:lstStyle/>
+                    <a:p>
+                      <a:pPr algn="ctr"/>
+                      <a:r>
+                        <a:rPr lang="en-US" smtClean="0"/>
+                        <a:t>16,07</a:t>
+                      </a:r>
+                      <a:endParaRPr lang="en-US"/>
+                    </a:p>
+                  </a:txBody>
+                  <a:tcPr anchor="ctr" anchorCtr="1"/>
+                </a:tc>
+                <a:tc>
+                  <a:txBody>
+                    <a:bodyPr/>
+                    <a:lstStyle/>
+                    <a:p>
+                      <a:pPr algn="ctr"/>
+                      <a:r>
+                        <a:rPr lang="en-US" smtClean="0"/>
+                        <a:t>0,07</a:t>
+                      </a:r>
+                      <a:endParaRPr lang="en-US"/>
+                    </a:p>
+                  </a:txBody>
+                  <a:tcPr anchor="ctr" anchorCtr="1"/>
+                </a:tc>
+              </a:tr>
+              <a:tr h="370840">
+                <a:tc>
+                  <a:txBody>
+                    <a:bodyPr/>
+                    <a:lstStyle/>
+                    <a:p>
+                      <a:pPr algn="ctr"/>
+                      <a:r>
+                        <a:rPr lang="sr-Latn-RS" smtClean="0"/>
+                        <a:t>12</a:t>
+                      </a:r>
+                      <a:endParaRPr lang="en-US"/>
+                    </a:p>
+                  </a:txBody>
+                  <a:tcPr anchor="ctr" anchorCtr="1"/>
+                </a:tc>
+                <a:tc>
+                  <a:txBody>
+                    <a:bodyPr/>
+                    <a:lstStyle/>
+                    <a:p>
+                      <a:pPr algn="ctr"/>
+                      <a:r>
+                        <a:rPr lang="sr-Latn-RS" smtClean="0"/>
+                        <a:t>21,42</a:t>
+                      </a:r>
+                      <a:endParaRPr lang="en-US"/>
+                    </a:p>
+                  </a:txBody>
+                  <a:tcPr anchor="ctr" anchorCtr="1"/>
+                </a:tc>
+                <a:tc>
+                  <a:txBody>
+                    <a:bodyPr/>
+                    <a:lstStyle/>
+                    <a:p>
+                      <a:pPr algn="ctr"/>
+                      <a:r>
+                        <a:rPr lang="sr-Latn-RS" smtClean="0"/>
+                        <a:t>0,11</a:t>
+                      </a:r>
+                      <a:endParaRPr lang="en-US"/>
+                    </a:p>
+                  </a:txBody>
+                  <a:tcPr anchor="ctr" anchorCtr="1"/>
+                </a:tc>
+                <a:tc>
+                  <a:txBody>
+                    <a:bodyPr/>
+                    <a:lstStyle/>
+                    <a:p>
+                      <a:pPr algn="ctr"/>
+                      <a:r>
+                        <a:rPr lang="en-US" smtClean="0"/>
+                        <a:t>17,96</a:t>
+                      </a:r>
+                      <a:endParaRPr lang="en-US"/>
+                    </a:p>
+                  </a:txBody>
+                  <a:tcPr anchor="ctr" anchorCtr="1"/>
+                </a:tc>
+                <a:tc>
+                  <a:txBody>
+                    <a:bodyPr/>
+                    <a:lstStyle/>
+                    <a:p>
+                      <a:pPr algn="ctr"/>
+                      <a:r>
+                        <a:rPr lang="en-US" smtClean="0"/>
+                        <a:t>0,06</a:t>
+                      </a:r>
+                      <a:endParaRPr lang="en-US"/>
+                    </a:p>
+                  </a:txBody>
+                  <a:tcPr anchor="ctr" anchorCtr="1"/>
+                </a:tc>
+                <a:tc>
+                  <a:txBody>
+                    <a:bodyPr/>
+                    <a:lstStyle/>
+                    <a:p>
+                      <a:pPr algn="ctr"/>
+                      <a:r>
+                        <a:rPr lang="en-US" smtClean="0"/>
+                        <a:t>17,57</a:t>
+                      </a:r>
+                      <a:endParaRPr lang="en-US"/>
+                    </a:p>
+                  </a:txBody>
+                  <a:tcPr anchor="ctr" anchorCtr="1"/>
+                </a:tc>
+                <a:tc>
+                  <a:txBody>
+                    <a:bodyPr/>
+                    <a:lstStyle/>
+                    <a:p>
+                      <a:pPr algn="ctr"/>
+                      <a:r>
+                        <a:rPr lang="en-US" smtClean="0"/>
+                        <a:t>0,40</a:t>
+                      </a:r>
+                      <a:endParaRPr lang="en-US"/>
+                    </a:p>
+                  </a:txBody>
+                  <a:tcPr anchor="ctr" anchorCtr="1"/>
+                </a:tc>
+                <a:tc>
+                  <a:txBody>
+                    <a:bodyPr/>
+                    <a:lstStyle/>
+                    <a:p>
+                      <a:pPr algn="ctr"/>
+                      <a:r>
+                        <a:rPr lang="en-US" smtClean="0"/>
+                        <a:t>17,07</a:t>
+                      </a:r>
+                      <a:endParaRPr lang="en-US"/>
+                    </a:p>
+                  </a:txBody>
+                  <a:tcPr anchor="ctr" anchorCtr="1"/>
+                </a:tc>
+                <a:tc>
+                  <a:txBody>
+                    <a:bodyPr/>
+                    <a:lstStyle/>
+                    <a:p>
+                      <a:pPr algn="ctr"/>
+                      <a:r>
+                        <a:rPr lang="en-US" smtClean="0"/>
+                        <a:t>0,09</a:t>
+                      </a:r>
+                      <a:endParaRPr lang="en-US"/>
+                    </a:p>
+                  </a:txBody>
+                  <a:tcPr anchor="ctr" anchorCtr="1"/>
+                </a:tc>
+              </a:tr>
+              <a:tr h="370840">
+                <a:tc>
+                  <a:txBody>
+                    <a:bodyPr/>
+                    <a:lstStyle/>
+                    <a:p>
+                      <a:pPr algn="ctr"/>
+                      <a:r>
+                        <a:rPr lang="sr-Latn-RS" smtClean="0"/>
+                        <a:t>13</a:t>
+                      </a:r>
+                      <a:endParaRPr lang="en-US"/>
+                    </a:p>
+                  </a:txBody>
+                  <a:tcPr anchor="ctr" anchorCtr="1"/>
+                </a:tc>
+                <a:tc>
+                  <a:txBody>
+                    <a:bodyPr/>
+                    <a:lstStyle/>
+                    <a:p>
+                      <a:pPr algn="ctr"/>
+                      <a:r>
+                        <a:rPr lang="en-US" smtClean="0"/>
+                        <a:t>23</a:t>
+                      </a:r>
+                      <a:r>
+                        <a:rPr lang="sr-Latn-RS" smtClean="0"/>
+                        <a:t>,</a:t>
+                      </a:r>
+                      <a:r>
+                        <a:rPr lang="en-US" smtClean="0"/>
+                        <a:t>35</a:t>
+                      </a:r>
+                      <a:endParaRPr lang="en-US"/>
+                    </a:p>
+                  </a:txBody>
+                  <a:tcPr anchor="ctr" anchorCtr="1"/>
+                </a:tc>
+                <a:tc>
+                  <a:txBody>
+                    <a:bodyPr/>
+                    <a:lstStyle/>
+                    <a:p>
+                      <a:pPr algn="ctr"/>
+                      <a:r>
+                        <a:rPr lang="sr-Latn-RS" smtClean="0"/>
+                        <a:t>0,15</a:t>
+                      </a:r>
+                      <a:endParaRPr lang="en-US"/>
+                    </a:p>
+                  </a:txBody>
+                  <a:tcPr anchor="ctr" anchorCtr="1"/>
+                </a:tc>
+                <a:tc>
+                  <a:txBody>
+                    <a:bodyPr/>
+                    <a:lstStyle/>
+                    <a:p>
+                      <a:pPr algn="ctr"/>
+                      <a:r>
+                        <a:rPr lang="en-US" smtClean="0"/>
+                        <a:t>19,90</a:t>
+                      </a:r>
+                      <a:endParaRPr lang="en-US"/>
+                    </a:p>
+                  </a:txBody>
+                  <a:tcPr anchor="ctr" anchorCtr="1"/>
+                </a:tc>
+                <a:tc>
+                  <a:txBody>
+                    <a:bodyPr/>
+                    <a:lstStyle/>
+                    <a:p>
+                      <a:pPr algn="ctr"/>
+                      <a:r>
+                        <a:rPr lang="en-US" smtClean="0"/>
+                        <a:t>1,76</a:t>
+                      </a:r>
+                      <a:endParaRPr lang="en-US"/>
+                    </a:p>
+                  </a:txBody>
+                  <a:tcPr anchor="ctr" anchorCtr="1"/>
+                </a:tc>
+                <a:tc>
+                  <a:txBody>
+                    <a:bodyPr/>
+                    <a:lstStyle/>
+                    <a:p>
+                      <a:pPr algn="ctr"/>
+                      <a:r>
+                        <a:rPr lang="en-US" smtClean="0"/>
+                        <a:t>18,53</a:t>
+                      </a:r>
+                      <a:endParaRPr lang="en-US"/>
+                    </a:p>
+                  </a:txBody>
+                  <a:tcPr anchor="ctr" anchorCtr="1"/>
+                </a:tc>
+                <a:tc>
+                  <a:txBody>
+                    <a:bodyPr/>
+                    <a:lstStyle/>
+                    <a:p>
+                      <a:pPr algn="ctr"/>
+                      <a:r>
+                        <a:rPr lang="en-US" smtClean="0"/>
+                        <a:t>0,06</a:t>
+                      </a:r>
+                      <a:endParaRPr lang="en-US"/>
+                    </a:p>
+                  </a:txBody>
+                  <a:tcPr anchor="ctr" anchorCtr="1"/>
+                </a:tc>
+                <a:tc>
+                  <a:txBody>
+                    <a:bodyPr/>
+                    <a:lstStyle/>
+                    <a:p>
+                      <a:pPr algn="ctr"/>
+                      <a:r>
+                        <a:rPr lang="en-US" smtClean="0"/>
+                        <a:t>18,07</a:t>
+                      </a:r>
+                      <a:endParaRPr lang="en-US"/>
+                    </a:p>
+                  </a:txBody>
+                  <a:tcPr anchor="ctr" anchorCtr="1"/>
+                </a:tc>
+                <a:tc>
+                  <a:txBody>
+                    <a:bodyPr/>
+                    <a:lstStyle/>
+                    <a:p>
+                      <a:pPr algn="ctr"/>
+                      <a:r>
+                        <a:rPr lang="en-US" smtClean="0"/>
+                        <a:t>0,04</a:t>
+                      </a:r>
+                      <a:endParaRPr lang="en-US"/>
+                    </a:p>
+                  </a:txBody>
+                  <a:tcPr anchor="ctr" anchorCtr="1"/>
+                </a:tc>
+              </a:tr>
+              <a:tr h="370840">
+                <a:tc>
+                  <a:txBody>
+                    <a:bodyPr/>
+                    <a:lstStyle/>
+                    <a:p>
+                      <a:pPr algn="ctr"/>
+                      <a:r>
+                        <a:rPr lang="sr-Latn-RS" smtClean="0"/>
+                        <a:t>1</a:t>
+                      </a:r>
+                      <a:r>
+                        <a:rPr lang="en-US" smtClean="0"/>
+                        <a:t>4</a:t>
+                      </a:r>
+                      <a:endParaRPr lang="en-US"/>
+                    </a:p>
+                  </a:txBody>
+                  <a:tcPr anchor="ctr" anchorCtr="1"/>
+                </a:tc>
+                <a:tc>
+                  <a:txBody>
+                    <a:bodyPr/>
+                    <a:lstStyle/>
+                    <a:p>
+                      <a:pPr algn="ctr"/>
+                      <a:r>
+                        <a:rPr lang="en-US" smtClean="0"/>
+                        <a:t>25</a:t>
+                      </a:r>
+                      <a:r>
+                        <a:rPr lang="sr-Latn-RS" smtClean="0"/>
+                        <a:t>,</a:t>
+                      </a:r>
+                      <a:r>
+                        <a:rPr lang="en-US" smtClean="0"/>
+                        <a:t>3</a:t>
+                      </a:r>
+                      <a:r>
+                        <a:rPr lang="sr-Latn-RS" smtClean="0"/>
+                        <a:t>9</a:t>
+                      </a:r>
+                      <a:endParaRPr lang="en-US"/>
+                    </a:p>
+                  </a:txBody>
+                  <a:tcPr anchor="ctr" anchorCtr="1"/>
+                </a:tc>
+                <a:tc>
+                  <a:txBody>
+                    <a:bodyPr/>
+                    <a:lstStyle/>
+                    <a:p>
+                      <a:pPr algn="ctr"/>
+                      <a:r>
+                        <a:rPr lang="sr-Latn-RS" smtClean="0"/>
+                        <a:t>0,28</a:t>
+                      </a:r>
+                      <a:endParaRPr lang="en-US"/>
+                    </a:p>
+                  </a:txBody>
+                  <a:tcPr anchor="ctr" anchorCtr="1"/>
+                </a:tc>
+                <a:tc>
+                  <a:txBody>
+                    <a:bodyPr/>
+                    <a:lstStyle/>
+                    <a:p>
+                      <a:pPr algn="ctr"/>
+                      <a:r>
+                        <a:rPr lang="en-US" smtClean="0"/>
+                        <a:t>21,10</a:t>
+                      </a:r>
+                      <a:endParaRPr lang="en-US"/>
+                    </a:p>
+                  </a:txBody>
+                  <a:tcPr anchor="ctr" anchorCtr="1"/>
+                </a:tc>
+                <a:tc>
+                  <a:txBody>
+                    <a:bodyPr/>
+                    <a:lstStyle/>
+                    <a:p>
+                      <a:pPr algn="ctr"/>
+                      <a:r>
+                        <a:rPr lang="en-US" smtClean="0"/>
+                        <a:t>0,63</a:t>
+                      </a:r>
+                      <a:endParaRPr lang="en-US"/>
+                    </a:p>
+                  </a:txBody>
+                  <a:tcPr anchor="ctr" anchorCtr="1"/>
+                </a:tc>
+                <a:tc>
+                  <a:txBody>
+                    <a:bodyPr/>
+                    <a:lstStyle/>
+                    <a:p>
+                      <a:pPr algn="ctr"/>
+                      <a:r>
+                        <a:rPr lang="en-US" smtClean="0"/>
+                        <a:t>19,53</a:t>
+                      </a:r>
+                      <a:endParaRPr lang="en-US"/>
+                    </a:p>
+                  </a:txBody>
+                  <a:tcPr anchor="ctr" anchorCtr="1"/>
+                </a:tc>
+                <a:tc>
+                  <a:txBody>
+                    <a:bodyPr/>
+                    <a:lstStyle/>
+                    <a:p>
+                      <a:pPr algn="ctr"/>
+                      <a:r>
+                        <a:rPr lang="en-US" smtClean="0"/>
+                        <a:t>0,06</a:t>
+                      </a:r>
+                      <a:endParaRPr lang="en-US"/>
+                    </a:p>
+                  </a:txBody>
+                  <a:tcPr anchor="ctr" anchorCtr="1"/>
+                </a:tc>
+                <a:tc>
+                  <a:txBody>
+                    <a:bodyPr/>
+                    <a:lstStyle/>
+                    <a:p>
+                      <a:pPr algn="ctr"/>
+                      <a:r>
+                        <a:rPr lang="en-US" smtClean="0"/>
+                        <a:t>19,22</a:t>
+                      </a:r>
+                      <a:endParaRPr lang="en-US"/>
+                    </a:p>
+                  </a:txBody>
+                  <a:tcPr anchor="ctr" anchorCtr="1"/>
+                </a:tc>
+                <a:tc>
+                  <a:txBody>
+                    <a:bodyPr/>
+                    <a:lstStyle/>
+                    <a:p>
+                      <a:pPr algn="ctr"/>
+                      <a:r>
+                        <a:rPr lang="en-US" smtClean="0"/>
+                        <a:t>0,66</a:t>
+                      </a:r>
+                      <a:endParaRPr lang="en-US"/>
+                    </a:p>
+                  </a:txBody>
+                  <a:tcPr anchor="ctr" anchorCtr="1"/>
+                </a:tc>
+              </a:tr>
+              <a:tr h="370840">
+                <a:tc>
+                  <a:txBody>
+                    <a:bodyPr/>
+                    <a:lstStyle/>
+                    <a:p>
+                      <a:pPr algn="ctr"/>
+                      <a:r>
+                        <a:rPr lang="sr-Latn-RS" smtClean="0"/>
+                        <a:t>15</a:t>
+                      </a:r>
+                      <a:endParaRPr lang="en-US"/>
+                    </a:p>
+                  </a:txBody>
+                  <a:tcPr anchor="ctr" anchorCtr="1"/>
+                </a:tc>
+                <a:tc>
+                  <a:txBody>
+                    <a:bodyPr/>
+                    <a:lstStyle/>
+                    <a:p>
+                      <a:pPr algn="ctr"/>
+                      <a:r>
+                        <a:rPr lang="en-US" smtClean="0"/>
+                        <a:t>27</a:t>
+                      </a:r>
+                      <a:r>
+                        <a:rPr lang="sr-Latn-RS" smtClean="0"/>
+                        <a:t>,40</a:t>
+                      </a:r>
+                      <a:endParaRPr lang="en-US"/>
+                    </a:p>
+                  </a:txBody>
+                  <a:tcPr anchor="ctr" anchorCtr="1"/>
+                </a:tc>
+                <a:tc>
+                  <a:txBody>
+                    <a:bodyPr/>
+                    <a:lstStyle/>
+                    <a:p>
+                      <a:pPr algn="ctr"/>
+                      <a:r>
+                        <a:rPr lang="sr-Latn-RS" smtClean="0"/>
+                        <a:t>0,05</a:t>
+                      </a:r>
+                      <a:endParaRPr lang="en-US"/>
+                    </a:p>
+                  </a:txBody>
+                  <a:tcPr anchor="ctr" anchorCtr="1"/>
+                </a:tc>
+                <a:tc>
+                  <a:txBody>
+                    <a:bodyPr/>
+                    <a:lstStyle/>
+                    <a:p>
+                      <a:pPr algn="ctr"/>
+                      <a:r>
+                        <a:rPr lang="en-US" smtClean="0"/>
+                        <a:t>21,40</a:t>
+                      </a:r>
+                      <a:endParaRPr lang="en-US"/>
+                    </a:p>
+                  </a:txBody>
+                  <a:tcPr anchor="ctr" anchorCtr="1"/>
+                </a:tc>
+                <a:tc>
+                  <a:txBody>
+                    <a:bodyPr/>
+                    <a:lstStyle/>
+                    <a:p>
+                      <a:pPr algn="ctr"/>
+                      <a:r>
+                        <a:rPr lang="en-US" smtClean="0"/>
+                        <a:t>0,48</a:t>
+                      </a:r>
+                      <a:endParaRPr lang="en-US"/>
+                    </a:p>
+                  </a:txBody>
+                  <a:tcPr anchor="ctr" anchorCtr="1"/>
+                </a:tc>
+                <a:tc>
+                  <a:txBody>
+                    <a:bodyPr/>
+                    <a:lstStyle/>
+                    <a:p>
+                      <a:pPr algn="ctr"/>
+                      <a:r>
+                        <a:rPr lang="en-US" smtClean="0"/>
+                        <a:t>20,56</a:t>
+                      </a:r>
+                      <a:endParaRPr lang="en-US"/>
+                    </a:p>
+                  </a:txBody>
+                  <a:tcPr anchor="ctr" anchorCtr="1"/>
+                </a:tc>
+                <a:tc>
+                  <a:txBody>
+                    <a:bodyPr/>
+                    <a:lstStyle/>
+                    <a:p>
+                      <a:pPr algn="ctr"/>
+                      <a:r>
+                        <a:rPr lang="en-US" smtClean="0"/>
+                        <a:t>0,10</a:t>
+                      </a:r>
+                      <a:endParaRPr lang="en-US"/>
+                    </a:p>
+                  </a:txBody>
+                  <a:tcPr anchor="ctr" anchorCtr="1"/>
+                </a:tc>
+                <a:tc>
+                  <a:txBody>
+                    <a:bodyPr/>
+                    <a:lstStyle/>
+                    <a:p>
+                      <a:pPr algn="ctr"/>
+                      <a:r>
+                        <a:rPr lang="en-US" smtClean="0"/>
+                        <a:t>20,07</a:t>
+                      </a:r>
+                      <a:endParaRPr lang="en-US"/>
+                    </a:p>
+                  </a:txBody>
+                  <a:tcPr anchor="ctr" anchorCtr="1"/>
+                </a:tc>
+                <a:tc>
+                  <a:txBody>
+                    <a:bodyPr/>
+                    <a:lstStyle/>
+                    <a:p>
+                      <a:pPr algn="ctr"/>
+                      <a:r>
+                        <a:rPr lang="en-US" smtClean="0"/>
+                        <a:t>0,04</a:t>
+                      </a:r>
+                      <a:endParaRPr lang="en-US"/>
+                    </a:p>
+                  </a:txBody>
+                  <a:tcPr anchor="ctr" anchorCtr="1"/>
+                </a:tc>
+              </a:tr>
+              <a:tr h="370840">
+                <a:tc>
+                  <a:txBody>
+                    <a:bodyPr/>
+                    <a:lstStyle/>
+                    <a:p>
+                      <a:pPr algn="ctr"/>
+                      <a:r>
+                        <a:rPr lang="sr-Latn-RS" smtClean="0"/>
+                        <a:t>16</a:t>
+                      </a:r>
+                      <a:endParaRPr lang="en-US"/>
+                    </a:p>
+                  </a:txBody>
+                  <a:tcPr anchor="ctr" anchorCtr="1"/>
+                </a:tc>
+                <a:tc>
+                  <a:txBody>
+                    <a:bodyPr/>
+                    <a:lstStyle/>
+                    <a:p>
+                      <a:pPr algn="ctr"/>
+                      <a:r>
+                        <a:rPr lang="en-US" smtClean="0"/>
+                        <a:t>29</a:t>
+                      </a:r>
+                      <a:r>
+                        <a:rPr lang="sr-Latn-RS" smtClean="0"/>
+                        <a:t>,</a:t>
+                      </a:r>
+                      <a:r>
+                        <a:rPr lang="en-US" smtClean="0"/>
+                        <a:t>58</a:t>
+                      </a:r>
+                      <a:endParaRPr lang="en-US"/>
+                    </a:p>
+                  </a:txBody>
+                  <a:tcPr anchor="ctr" anchorCtr="1"/>
+                </a:tc>
+                <a:tc>
+                  <a:txBody>
+                    <a:bodyPr/>
+                    <a:lstStyle/>
+                    <a:p>
+                      <a:pPr algn="ctr"/>
+                      <a:r>
+                        <a:rPr lang="sr-Latn-RS" smtClean="0"/>
+                        <a:t>0,04</a:t>
+                      </a:r>
+                      <a:endParaRPr lang="en-US"/>
+                    </a:p>
+                  </a:txBody>
+                  <a:tcPr anchor="ctr" anchorCtr="1"/>
+                </a:tc>
+                <a:tc>
+                  <a:txBody>
+                    <a:bodyPr/>
+                    <a:lstStyle/>
+                    <a:p>
+                      <a:pPr algn="ctr"/>
+                      <a:r>
+                        <a:rPr lang="en-US" smtClean="0"/>
+                        <a:t>23,21</a:t>
+                      </a:r>
+                      <a:endParaRPr lang="en-US"/>
+                    </a:p>
+                  </a:txBody>
+                  <a:tcPr anchor="ctr" anchorCtr="1"/>
+                </a:tc>
+                <a:tc>
+                  <a:txBody>
+                    <a:bodyPr/>
+                    <a:lstStyle/>
+                    <a:p>
+                      <a:pPr algn="ctr"/>
+                      <a:r>
+                        <a:rPr lang="en-US" smtClean="0"/>
+                        <a:t>0,15</a:t>
+                      </a:r>
+                      <a:endParaRPr lang="en-US"/>
+                    </a:p>
+                  </a:txBody>
+                  <a:tcPr anchor="ctr" anchorCtr="1"/>
+                </a:tc>
+                <a:tc>
+                  <a:txBody>
+                    <a:bodyPr/>
+                    <a:lstStyle/>
+                    <a:p>
+                      <a:pPr algn="ctr"/>
+                      <a:r>
+                        <a:rPr lang="en-US" smtClean="0"/>
+                        <a:t>21,89</a:t>
+                      </a:r>
+                      <a:endParaRPr lang="en-US"/>
+                    </a:p>
+                  </a:txBody>
+                  <a:tcPr anchor="ctr" anchorCtr="1"/>
+                </a:tc>
+                <a:tc>
+                  <a:txBody>
+                    <a:bodyPr/>
+                    <a:lstStyle/>
+                    <a:p>
+                      <a:pPr algn="ctr"/>
+                      <a:r>
+                        <a:rPr lang="en-US" smtClean="0"/>
+                        <a:t>0,11</a:t>
+                      </a:r>
+                      <a:endParaRPr lang="en-US"/>
+                    </a:p>
+                  </a:txBody>
+                  <a:tcPr anchor="ctr" anchorCtr="1"/>
+                </a:tc>
+                <a:tc>
+                  <a:txBody>
+                    <a:bodyPr/>
+                    <a:lstStyle/>
+                    <a:p>
+                      <a:pPr algn="ctr"/>
+                      <a:r>
+                        <a:rPr lang="en-US" smtClean="0"/>
+                        <a:t>21,08</a:t>
+                      </a:r>
+                      <a:endParaRPr lang="en-US"/>
+                    </a:p>
+                  </a:txBody>
+                  <a:tcPr anchor="ctr" anchorCtr="1"/>
+                </a:tc>
+                <a:tc>
+                  <a:txBody>
+                    <a:bodyPr/>
+                    <a:lstStyle/>
+                    <a:p>
+                      <a:pPr algn="ctr"/>
+                      <a:r>
+                        <a:rPr lang="en-US" smtClean="0"/>
+                        <a:t>0,10</a:t>
+                      </a:r>
+                      <a:endParaRPr lang="en-US"/>
+                    </a:p>
+                  </a:txBody>
+                  <a:tcPr anchor="ctr" anchorCtr="1"/>
+                </a:tc>
+              </a:tr>
+              <a:tr h="370840">
+                <a:tc>
+                  <a:txBody>
+                    <a:bodyPr/>
+                    <a:lstStyle/>
+                    <a:p>
+                      <a:pPr algn="ctr"/>
+                      <a:r>
+                        <a:rPr lang="sr-Latn-RS" smtClean="0"/>
+                        <a:t>17</a:t>
+                      </a:r>
+                      <a:endParaRPr lang="en-US"/>
+                    </a:p>
+                  </a:txBody>
+                  <a:tcPr anchor="ctr" anchorCtr="1"/>
+                </a:tc>
+                <a:tc>
+                  <a:txBody>
+                    <a:bodyPr/>
+                    <a:lstStyle/>
+                    <a:p>
+                      <a:pPr algn="ctr"/>
+                      <a:r>
+                        <a:rPr lang="en-US" smtClean="0"/>
+                        <a:t>31</a:t>
+                      </a:r>
+                      <a:r>
+                        <a:rPr lang="sr-Latn-RS" smtClean="0"/>
+                        <a:t>,</a:t>
+                      </a:r>
+                      <a:r>
+                        <a:rPr lang="en-US" smtClean="0"/>
+                        <a:t>69</a:t>
+                      </a:r>
+                      <a:endParaRPr lang="en-US"/>
+                    </a:p>
+                  </a:txBody>
+                  <a:tcPr anchor="ctr" anchorCtr="1"/>
+                </a:tc>
+                <a:tc>
+                  <a:txBody>
+                    <a:bodyPr/>
+                    <a:lstStyle/>
+                    <a:p>
+                      <a:pPr algn="ctr"/>
+                      <a:r>
+                        <a:rPr lang="sr-Latn-RS" smtClean="0"/>
+                        <a:t>0,05</a:t>
+                      </a:r>
+                      <a:endParaRPr lang="en-US"/>
+                    </a:p>
+                  </a:txBody>
+                  <a:tcPr anchor="ctr" anchorCtr="1"/>
+                </a:tc>
+                <a:tc>
+                  <a:txBody>
+                    <a:bodyPr/>
+                    <a:lstStyle/>
+                    <a:p>
+                      <a:pPr algn="ctr"/>
+                      <a:r>
+                        <a:rPr lang="en-US" smtClean="0"/>
+                        <a:t>25,00</a:t>
+                      </a:r>
+                      <a:endParaRPr lang="en-US"/>
+                    </a:p>
+                  </a:txBody>
+                  <a:tcPr anchor="ctr" anchorCtr="1"/>
+                </a:tc>
+                <a:tc>
+                  <a:txBody>
+                    <a:bodyPr/>
+                    <a:lstStyle/>
+                    <a:p>
+                      <a:pPr algn="ctr"/>
+                      <a:r>
+                        <a:rPr lang="en-US" smtClean="0"/>
+                        <a:t>0,28</a:t>
+                      </a:r>
+                      <a:endParaRPr lang="en-US"/>
+                    </a:p>
+                  </a:txBody>
+                  <a:tcPr anchor="ctr" anchorCtr="1"/>
+                </a:tc>
+                <a:tc>
+                  <a:txBody>
+                    <a:bodyPr/>
+                    <a:lstStyle/>
+                    <a:p>
+                      <a:pPr algn="ctr"/>
+                      <a:r>
+                        <a:rPr lang="en-US" smtClean="0"/>
+                        <a:t>23,00</a:t>
+                      </a:r>
+                      <a:endParaRPr lang="en-US"/>
+                    </a:p>
+                  </a:txBody>
+                  <a:tcPr anchor="ctr" anchorCtr="1"/>
+                </a:tc>
+                <a:tc>
+                  <a:txBody>
+                    <a:bodyPr/>
+                    <a:lstStyle/>
+                    <a:p>
+                      <a:pPr algn="ctr"/>
+                      <a:r>
+                        <a:rPr lang="en-US" smtClean="0"/>
+                        <a:t>0,05</a:t>
+                      </a:r>
+                      <a:endParaRPr lang="en-US"/>
+                    </a:p>
+                  </a:txBody>
+                  <a:tcPr anchor="ctr" anchorCtr="1"/>
+                </a:tc>
+                <a:tc>
+                  <a:txBody>
+                    <a:bodyPr/>
+                    <a:lstStyle/>
+                    <a:p>
+                      <a:pPr algn="ctr"/>
+                      <a:r>
+                        <a:rPr lang="en-US" smtClean="0"/>
+                        <a:t>22,08</a:t>
+                      </a:r>
+                      <a:endParaRPr lang="en-US"/>
+                    </a:p>
+                  </a:txBody>
+                  <a:tcPr anchor="ctr" anchorCtr="1"/>
+                </a:tc>
+                <a:tc>
+                  <a:txBody>
+                    <a:bodyPr/>
+                    <a:lstStyle/>
+                    <a:p>
+                      <a:pPr algn="ctr"/>
+                      <a:r>
+                        <a:rPr lang="en-US" smtClean="0"/>
+                        <a:t>0,02</a:t>
+                      </a:r>
+                      <a:endParaRPr lang="en-US"/>
+                    </a:p>
+                  </a:txBody>
+                  <a:tcPr anchor="ctr" anchorCtr="1"/>
+                </a:tc>
+              </a:tr>
+            </a:tbl>
+          </a:graphicData>
+        </a:graphic>
+      </p:graphicFrame>
+      <p:sp>
+        <p:nvSpPr>
+          <p:cNvPr id="7" name="Content Placeholder 2"/>
+          <p:cNvSpPr>
+            <a:spLocks noGrp="1"/>
+          </p:cNvSpPr>
+          <p:nvPr>
+            <p:ph idx="1"/>
+          </p:nvPr>
+        </p:nvSpPr>
+        <p:spPr>
+          <a:xfrm>
+            <a:off x="1219200" y="5334000"/>
+            <a:ext cx="7010400" cy="1143000"/>
+          </a:xfrm>
+        </p:spPr>
+        <p:txBody>
+          <a:bodyPr>
+            <a:normAutofit lnSpcReduction="10000"/>
+          </a:bodyPr>
+          <a:lstStyle/>
+          <a:p>
+            <a:r>
+              <a:rPr lang="sr-Latn-RS" smtClean="0"/>
+              <a:t>Svugde logaritam – npr. log</a:t>
+            </a:r>
+            <a:r>
+              <a:rPr lang="sr-Latn-RS" baseline="-25000" smtClean="0"/>
+              <a:t>2</a:t>
+            </a:r>
+            <a:r>
+              <a:rPr lang="sr-Latn-RS" smtClean="0"/>
+              <a:t>n umesto n</a:t>
+            </a:r>
+          </a:p>
+          <a:p>
+            <a:r>
+              <a:rPr lang="sr-Latn-RS" smtClean="0"/>
+              <a:t>Svaki eksperiment ponovljen sto puta</a:t>
+            </a:r>
+          </a:p>
+        </p:txBody>
+      </p:sp>
+    </p:spTree>
+  </p:cSld>
+  <p:clrMapOvr>
+    <a:masterClrMapping/>
+  </p:clrMapOvr>
+  <p:timing>
+    <p:tnLst>
+      <p:par>
+        <p:cTn id="1" dur="indefinite" restart="never" nodeType="tmRoot"/>
+      </p:par>
+    </p:tnLst>
+  </p:timing>
+</p:sld>
+</file>
+
+<file path=ppt/slides/slide19.xml><?xml version="1.0" encoding="utf-8"?>
+<p:sld xmlns:a="http://schemas.openxmlformats.org/drawingml/2006/main" xmlns:r="http://schemas.openxmlformats.org/officeDocument/2006/relationships" xmlns:p="http://schemas.openxmlformats.org/presentationml/2006/main">
+  <p:cSld>
+    <p:spTree>
+      <p:nvGrpSpPr>
+        <p:cNvPr id="1" name=""/>
+        <p:cNvGrpSpPr/>
+        <p:nvPr/>
+      </p:nvGrpSpPr>
+      <p:grpSpPr>
+        <a:xfrm>
+          <a:off x="0" y="0"/>
+          <a:ext cx="0" cy="0"/>
+          <a:chOff x="0" y="0"/>
+          <a:chExt cx="0" cy="0"/>
+        </a:xfrm>
+      </p:grpSpPr>
+      <p:sp>
+        <p:nvSpPr>
+          <p:cNvPr id="2" name="Title 1"/>
+          <p:cNvSpPr>
+            <a:spLocks noGrp="1"/>
+          </p:cNvSpPr>
+          <p:nvPr>
+            <p:ph type="title"/>
+          </p:nvPr>
+        </p:nvSpPr>
+        <p:spPr/>
+        <p:txBody>
+          <a:bodyPr/>
+          <a:lstStyle/>
+          <a:p>
+            <a:r>
+              <a:rPr lang="en-US" smtClean="0"/>
+              <a:t>Histogram </a:t>
+            </a:r>
+            <a:r>
+              <a:rPr lang="sr-Latn-RS" smtClean="0"/>
+              <a:t>najvećeg ulaza</a:t>
+            </a:r>
+            <a:endParaRPr lang="en-US"/>
+          </a:p>
+        </p:txBody>
+      </p:sp>
+      <p:pic>
+        <p:nvPicPr>
+          <p:cNvPr id="6" name="Picture 5" descr="1024px-Proline-from-xtal-3D-bs-17-view-B.png"/>
+          <p:cNvPicPr>
+            <a:picLocks noChangeAspect="1"/>
+          </p:cNvPicPr>
+          <p:nvPr/>
+        </p:nvPicPr>
+        <p:blipFill>
+          <a:blip r:embed="rId2" cstate="print"/>
+          <a:stretch>
+            <a:fillRect/>
+          </a:stretch>
+        </p:blipFill>
+        <p:spPr>
+          <a:xfrm>
+            <a:off x="1218220" y="1371600"/>
+            <a:ext cx="6783762" cy="5047992"/>
+          </a:xfrm>
+          <a:prstGeom prst="rect">
+            <a:avLst/>
+          </a:prstGeom>
+        </p:spPr>
+      </p:pic>
+    </p:spTree>
+  </p:cSld>
+  <p:clrMapOvr>
+    <a:masterClrMapping/>
+  </p:clrMapOvr>
+  <p:timing>
+    <p:tnLst>
+      <p:par>
+        <p:cTn id="1" dur="indefinite" restart="never" nodeType="tmRoot"/>
+      </p:par>
+    </p:tnLst>
+  </p:timing>
+</p:sld>
+</file>
+
+<file path=ppt/slides/slide2.xml><?xml version="1.0" encoding="utf-8"?>
+<p:sld xmlns:a="http://schemas.openxmlformats.org/drawingml/2006/main" xmlns:r="http://schemas.openxmlformats.org/officeDocument/2006/relationships" xmlns:p="http://schemas.openxmlformats.org/presentationml/2006/main">
+  <p:cSld>
+    <p:spTree>
+      <p:nvGrpSpPr>
+        <p:cNvPr id="1" name=""/>
+        <p:cNvGrpSpPr/>
+        <p:nvPr/>
+      </p:nvGrpSpPr>
+      <p:grpSpPr>
+        <a:xfrm>
+          <a:off x="0" y="0"/>
+          <a:ext cx="0" cy="0"/>
+          <a:chOff x="0" y="0"/>
+          <a:chExt cx="0" cy="0"/>
+        </a:xfrm>
+      </p:grpSpPr>
+      <p:sp>
+        <p:nvSpPr>
+          <p:cNvPr id="2" name="Title 1"/>
+          <p:cNvSpPr>
+            <a:spLocks noGrp="1"/>
+          </p:cNvSpPr>
+          <p:nvPr>
+            <p:ph type="title"/>
+          </p:nvPr>
+        </p:nvSpPr>
+        <p:spPr/>
+        <p:txBody>
+          <a:bodyPr/>
+          <a:lstStyle/>
+          <a:p>
+            <a:r>
+              <a:rPr lang="sr-Latn-RS" smtClean="0"/>
+              <a:t>Pretraživanje niske</a:t>
+            </a:r>
+            <a:endParaRPr lang="en-US"/>
+          </a:p>
+        </p:txBody>
+      </p:sp>
+      <p:sp>
+        <p:nvSpPr>
+          <p:cNvPr id="3" name="Content Placeholder 2"/>
+          <p:cNvSpPr>
+            <a:spLocks noGrp="1"/>
+          </p:cNvSpPr>
+          <p:nvPr>
+            <p:ph idx="1"/>
+          </p:nvPr>
+        </p:nvSpPr>
+        <p:spPr>
+          <a:xfrm>
+            <a:off x="304800" y="5486400"/>
+            <a:ext cx="8305800" cy="838200"/>
+          </a:xfrm>
+        </p:spPr>
+        <p:txBody>
+          <a:bodyPr>
+            <a:normAutofit fontScale="92500" lnSpcReduction="20000"/>
+          </a:bodyPr>
+          <a:lstStyle/>
+          <a:p>
+            <a:r>
+              <a:rPr lang="pl-PL" smtClean="0"/>
+              <a:t>Traženje jedne niske (šablona) u drugoj (bazi) – osnovni problem koji rešavaju algoritmi teksta</a:t>
+            </a:r>
+            <a:endParaRPr lang="en-US"/>
+          </a:p>
+        </p:txBody>
+      </p:sp>
+      <p:pic>
+        <p:nvPicPr>
+          <p:cNvPr id="6" name="Picture 5" descr="1024px-Proline-from-xtal-3D-bs-17-view-B.png"/>
+          <p:cNvPicPr>
+            <a:picLocks noChangeAspect="1"/>
+          </p:cNvPicPr>
+          <p:nvPr/>
+        </p:nvPicPr>
+        <p:blipFill>
+          <a:blip r:embed="rId2" cstate="print"/>
+          <a:stretch>
+            <a:fillRect/>
+          </a:stretch>
+        </p:blipFill>
+        <p:spPr>
+          <a:xfrm>
+            <a:off x="1168929" y="1219200"/>
+            <a:ext cx="6806142" cy="4100770"/>
+          </a:xfrm>
+          <a:prstGeom prst="rect">
+            <a:avLst/>
+          </a:prstGeom>
+        </p:spPr>
+      </p:pic>
+      <p:pic>
+        <p:nvPicPr>
+          <p:cNvPr id="7" name="Picture 6" descr="thinking-face_1f914.png"/>
+          <p:cNvPicPr>
+            <a:picLocks noChangeAspect="1"/>
+          </p:cNvPicPr>
+          <p:nvPr/>
+        </p:nvPicPr>
+        <p:blipFill>
+          <a:blip r:embed="rId3" cstate="print"/>
+          <a:stretch>
+            <a:fillRect/>
+          </a:stretch>
+        </p:blipFill>
+        <p:spPr>
+          <a:xfrm>
+            <a:off x="7924800" y="5791200"/>
+            <a:ext cx="533400" cy="533400"/>
+          </a:xfrm>
+          <a:prstGeom prst="rect">
+            <a:avLst/>
+          </a:prstGeom>
+        </p:spPr>
+      </p:pic>
+    </p:spTree>
+  </p:cSld>
+  <p:clrMapOvr>
+    <a:masterClrMapping/>
+  </p:clrMapOvr>
+  <p:timing>
+    <p:tnLst>
+      <p:par>
+        <p:cTn id="1" dur="indefinite" restart="never" nodeType="tmRoot"/>
+      </p:par>
+    </p:tnLst>
+  </p:timing>
+</p:sld>
+</file>
+
+<file path=ppt/slides/slide20.xml><?xml version="1.0" encoding="utf-8"?>
+<p:sld xmlns:a="http://schemas.openxmlformats.org/drawingml/2006/main" xmlns:r="http://schemas.openxmlformats.org/officeDocument/2006/relationships" xmlns:p="http://schemas.openxmlformats.org/presentationml/2006/main">
+  <p:cSld>
+    <p:spTree>
+      <p:nvGrpSpPr>
+        <p:cNvPr id="1" name=""/>
+        <p:cNvGrpSpPr/>
+        <p:nvPr/>
+      </p:nvGrpSpPr>
+      <p:grpSpPr>
+        <a:xfrm>
+          <a:off x="0" y="0"/>
+          <a:ext cx="0" cy="0"/>
+          <a:chOff x="0" y="0"/>
+          <a:chExt cx="0" cy="0"/>
+        </a:xfrm>
+      </p:grpSpPr>
+      <p:sp>
+        <p:nvSpPr>
+          <p:cNvPr id="2" name="Title 1"/>
+          <p:cNvSpPr>
+            <a:spLocks noGrp="1"/>
+          </p:cNvSpPr>
+          <p:nvPr>
+            <p:ph type="title"/>
+          </p:nvPr>
+        </p:nvSpPr>
         <p:spPr>
           <a:xfrm>
             <a:off x="457200" y="274638"/>
@@ -8155,11 +10204,7 @@
           <a:p>
             <a:r>
               <a:rPr lang="sr-Latn-RS" smtClean="0"/>
-              <a:t>Implementacije – napisana svita </a:t>
-            </a:r>
-            <a:r>
-              <a:rPr lang="sr-Latn-RS" smtClean="0"/>
-              <a:t>testova</a:t>
+              <a:t>Implementacije – napisana svita testova</a:t>
             </a:r>
             <a:endParaRPr lang="en-US" smtClean="0"/>
           </a:p>
@@ -8191,11 +10236,7 @@
           <a:p>
             <a:r>
               <a:rPr lang="sr-Latn-RS" smtClean="0"/>
-              <a:t>Slučajne </a:t>
-            </a:r>
-            <a:r>
-              <a:rPr lang="sr-Latn-RS" smtClean="0"/>
-              <a:t>niske – poređenje sa naivnim</a:t>
+              <a:t>Slučajne niske – poređenje sa naivnim</a:t>
             </a:r>
           </a:p>
           <a:p>
@@ -8294,7 +10335,7 @@
 </p:sld>
 </file>
 
-<file path=ppt/slides/slide17.xml><?xml version="1.0" encoding="utf-8"?>
+<file path=ppt/slides/slide21.xml><?xml version="1.0" encoding="utf-8"?>
 <p:sld xmlns:a="http://schemas.openxmlformats.org/drawingml/2006/main" xmlns:r="http://schemas.openxmlformats.org/officeDocument/2006/relationships" xmlns:p="http://schemas.openxmlformats.org/presentationml/2006/main">
   <p:cSld>
     <p:spTree>
@@ -8344,9 +10385,16 @@
             <p:ph idx="1"/>
           </p:nvPr>
         </p:nvSpPr>
-        <p:spPr/>
+        <p:spPr>
+          <a:xfrm>
+            <a:off x="381000" y="1828800"/>
+            <a:ext cx="8458200" cy="2209800"/>
+          </a:xfrm>
+        </p:spPr>
         <p:txBody>
-          <a:bodyPr/>
+          <a:bodyPr>
+            <a:normAutofit/>
+          </a:bodyPr>
           <a:lstStyle/>
           <a:p>
             <a:r>
@@ -8357,11 +10405,99 @@
           <a:p>
             <a:r>
               <a:rPr lang="sr-Latn-RS" smtClean="0"/>
-              <a:t>Rezultati – ...</a:t>
-            </a:r>
-          </a:p>
-          <a:p>
-            <a:endParaRPr lang="en-US"/>
+              <a:t>Rezultati – </a:t>
+            </a:r>
+            <a:r>
+              <a:rPr lang="sr-Latn-RS" smtClean="0"/>
+              <a:t>očekivano ponašanje implementacija na osnovu teorijske analize, najbolji </a:t>
+            </a:r>
+            <a:r>
+              <a:rPr lang="sr-Latn-RS" i="1" smtClean="0"/>
+              <a:t>SA</a:t>
+            </a:r>
+            <a:r>
+              <a:rPr lang="sr-Latn-RS" i="1" smtClean="0"/>
+              <a:t>–</a:t>
+            </a:r>
+            <a:r>
+              <a:rPr lang="sr-Latn-RS" i="1" smtClean="0"/>
+              <a:t>IS</a:t>
+            </a:r>
+            <a:endParaRPr lang="sr-Latn-RS" i="1" smtClean="0"/>
+          </a:p>
+        </p:txBody>
+      </p:sp>
+      <p:sp>
+        <p:nvSpPr>
+          <p:cNvPr id="5" name="Title 1"/>
+          <p:cNvSpPr txBox="1">
+            <a:spLocks/>
+          </p:cNvSpPr>
+          <p:nvPr/>
+        </p:nvSpPr>
+        <p:spPr>
+          <a:xfrm>
+            <a:off x="457200" y="4572000"/>
+            <a:ext cx="8229600" cy="1143000"/>
+          </a:xfrm>
+          <a:prstGeom prst="rect">
+            <a:avLst/>
+          </a:prstGeom>
+        </p:spPr>
+        <p:txBody>
+          <a:bodyPr vert="horz" lIns="91440" tIns="45720" rIns="91440" bIns="45720" rtlCol="0" anchor="ctr">
+            <a:normAutofit/>
+          </a:bodyPr>
+          <a:lstStyle/>
+          <a:p>
+            <a:pPr marL="0" marR="0" lvl="0" indent="0" algn="ctr" defTabSz="914400" rtl="0" eaLnBrk="1" fontAlgn="auto" latinLnBrk="0" hangingPunct="1">
+              <a:lnSpc>
+                <a:spcPct val="100000"/>
+              </a:lnSpc>
+              <a:spcBef>
+                <a:spcPct val="0"/>
+              </a:spcBef>
+              <a:spcAft>
+                <a:spcPts val="0"/>
+              </a:spcAft>
+              <a:buClrTx/>
+              <a:buSzTx/>
+              <a:buFontTx/>
+              <a:buNone/>
+              <a:tabLst/>
+              <a:defRPr/>
+            </a:pPr>
+            <a:r>
+              <a:rPr kumimoji="0" lang="sr-Latn-RS" sz="4400" b="0" i="0" u="none" strike="noStrike" kern="1200" cap="none" spc="0" normalizeH="0" baseline="0" noProof="0" smtClean="0">
+                <a:ln>
+                  <a:noFill/>
+                </a:ln>
+                <a:solidFill>
+                  <a:schemeClr val="tx1"/>
+                </a:solidFill>
+                <a:effectLst/>
+                <a:uLnTx/>
+                <a:uFillTx/>
+                <a:latin typeface="+mj-lt"/>
+                <a:ea typeface="+mj-ea"/>
+                <a:cs typeface="+mj-cs"/>
+              </a:rPr>
+              <a:t>HVALA NA PAŽNJI!</a:t>
+            </a:r>
+            <a:endParaRPr kumimoji="0" lang="en-US" sz="4400" b="0" i="0" u="none" strike="noStrike" kern="1200" cap="none" spc="0" normalizeH="0" baseline="0" noProof="0">
+              <a:ln>
+                <a:noFill/>
+              </a:ln>
+              <a:solidFill>
+                <a:schemeClr val="tx1"/>
+              </a:solidFill>
+              <a:effectLst/>
+              <a:uLnTx/>
+              <a:uFillTx/>
+              <a:latin typeface="+mj-lt"/>
+              <a:ea typeface="+mj-ea"/>
+              <a:cs typeface="+mj-cs"/>
+            </a:endParaRPr>
           </a:p>
         </p:txBody>
       </p:sp>
@@ -8380,7 +10516,7 @@
 </p:sld>
 </file>
 
-<file path=ppt/slides/slide18.xml><?xml version="1.0" encoding="utf-8"?>
+<file path=ppt/slides/slide22.xml><?xml version="1.0" encoding="utf-8"?>
 <p:sld xmlns:a="http://schemas.openxmlformats.org/drawingml/2006/main" xmlns:r="http://schemas.openxmlformats.org/officeDocument/2006/relationships" xmlns:p="http://schemas.openxmlformats.org/presentationml/2006/main">
   <p:cSld>
     <p:spTree>
@@ -8484,139 +10620,6 @@
           </a:p>
         </p:txBody>
       </p:sp>
-    </p:spTree>
-  </p:cSld>
-  <p:clrMapOvr>
-    <a:masterClrMapping/>
-  </p:clrMapOvr>
-  <p:timing>
-    <p:tnLst>
-      <p:par>
-        <p:cTn id="1" dur="indefinite" restart="never" nodeType="tmRoot"/>
-      </p:par>
-    </p:tnLst>
-  </p:timing>
-</p:sld>
-</file>
-
-<file path=ppt/slides/slide2.xml><?xml version="1.0" encoding="utf-8"?>
-<p:sld xmlns:a="http://schemas.openxmlformats.org/drawingml/2006/main" xmlns:r="http://schemas.openxmlformats.org/officeDocument/2006/relationships" xmlns:p="http://schemas.openxmlformats.org/presentationml/2006/main">
-  <p:cSld>
-    <p:spTree>
-      <p:nvGrpSpPr>
-        <p:cNvPr id="1" name=""/>
-        <p:cNvGrpSpPr/>
-        <p:nvPr/>
-      </p:nvGrpSpPr>
-      <p:grpSpPr>
-        <a:xfrm>
-          <a:off x="0" y="0"/>
-          <a:ext cx="0" cy="0"/>
-          <a:chOff x="0" y="0"/>
-          <a:chExt cx="0" cy="0"/>
-        </a:xfrm>
-      </p:grpSpPr>
-      <p:sp>
-        <p:nvSpPr>
-          <p:cNvPr id="2" name="Title 1"/>
-          <p:cNvSpPr>
-            <a:spLocks noGrp="1"/>
-          </p:cNvSpPr>
-          <p:nvPr>
-            <p:ph type="title"/>
-          </p:nvPr>
-        </p:nvSpPr>
-        <p:spPr/>
-        <p:txBody>
-          <a:bodyPr/>
-          <a:lstStyle/>
-          <a:p>
-            <a:r>
-              <a:rPr lang="sr-Latn-RS" smtClean="0"/>
-              <a:t>Pretraživanje niske</a:t>
-            </a:r>
-            <a:endParaRPr lang="en-US"/>
-          </a:p>
-        </p:txBody>
-      </p:sp>
-      <p:sp>
-        <p:nvSpPr>
-          <p:cNvPr id="3" name="Content Placeholder 2"/>
-          <p:cNvSpPr>
-            <a:spLocks noGrp="1"/>
-          </p:cNvSpPr>
-          <p:nvPr>
-            <p:ph idx="1"/>
-          </p:nvPr>
-        </p:nvSpPr>
-        <p:spPr>
-          <a:xfrm>
-            <a:off x="304800" y="5486400"/>
-            <a:ext cx="8305800" cy="838200"/>
-          </a:xfrm>
-        </p:spPr>
-        <p:txBody>
-          <a:bodyPr>
-            <a:normAutofit fontScale="92500" lnSpcReduction="20000"/>
-          </a:bodyPr>
-          <a:lstStyle/>
-          <a:p>
-            <a:r>
-              <a:rPr lang="pl-PL" smtClean="0"/>
-              <a:t>Traženje jedne niske (šablona) u drugoj (bazi) – osnovni problem koji rešavaju algoritmi teksta</a:t>
-            </a:r>
-            <a:endParaRPr lang="en-US"/>
-          </a:p>
-        </p:txBody>
-      </p:sp>
-      <p:pic>
-        <p:nvPicPr>
-          <p:cNvPr id="6" name="Picture 5" descr="1024px-Proline-from-xtal-3D-bs-17-view-B.png"/>
-          <p:cNvPicPr>
-            <a:picLocks noChangeAspect="1"/>
-          </p:cNvPicPr>
-          <p:nvPr/>
-        </p:nvPicPr>
-        <p:blipFill>
-          <a:blip r:embed="rId2" cstate="print"/>
-          <a:stretch>
-            <a:fillRect/>
-          </a:stretch>
-        </p:blipFill>
-        <p:spPr>
-          <a:xfrm>
-            <a:off x="1168929" y="1219200"/>
-            <a:ext cx="6806142" cy="4100770"/>
-          </a:xfrm>
-          <a:prstGeom prst="rect">
-            <a:avLst/>
-          </a:prstGeom>
-        </p:spPr>
-      </p:pic>
-      <p:pic>
-        <p:nvPicPr>
-          <p:cNvPr id="7" name="Picture 6" descr="thinking-face_1f914.png"/>
-          <p:cNvPicPr>
-            <a:picLocks noChangeAspect="1"/>
-          </p:cNvPicPr>
-          <p:nvPr/>
-        </p:nvPicPr>
-        <p:blipFill>
-          <a:blip r:embed="rId3" cstate="print"/>
-          <a:stretch>
-            <a:fillRect/>
-          </a:stretch>
-        </p:blipFill>
-        <p:spPr>
-          <a:xfrm>
-            <a:off x="7924800" y="5791200"/>
-            <a:ext cx="533400" cy="533400"/>
-          </a:xfrm>
-          <a:prstGeom prst="rect">
-            <a:avLst/>
-          </a:prstGeom>
-        </p:spPr>
-      </p:pic>
     </p:spTree>
   </p:cSld>
   <p:clrMapOvr>
@@ -9420,8 +11423,8 @@
         </p:nvSpPr>
         <p:spPr>
           <a:xfrm>
-            <a:off x="152400" y="5486400"/>
-            <a:ext cx="8915400" cy="838200"/>
+            <a:off x="381000" y="5486400"/>
+            <a:ext cx="8305800" cy="838200"/>
           </a:xfrm>
         </p:spPr>
         <p:txBody>
@@ -9432,14 +11435,27 @@
           <a:p>
             <a:r>
               <a:rPr lang="pl-PL" smtClean="0"/>
-              <a:t>Prost obilazak sufiksnog stabla leksikografskim poretkom</a:t>
-            </a:r>
-          </a:p>
-          <a:p>
+              <a:t>Prost obilazak </a:t>
+            </a:r>
             <a:r>
               <a:rPr lang="pl-PL" smtClean="0"/>
-              <a:t>Vremenski efikasno, ali suštinski ne rešava problem prostora</a:t>
-            </a:r>
+              <a:t>stabla u dubinu leksikografskim </a:t>
+            </a:r>
+            <a:r>
+              <a:rPr lang="pl-PL" smtClean="0"/>
+              <a:t>poretkom</a:t>
+            </a:r>
+          </a:p>
+          <a:p>
+            <a:r>
+              <a:rPr lang="pl-PL" smtClean="0"/>
+              <a:t>Vremenski efikasno, ali suštinski ne </a:t>
+            </a:r>
+            <a:r>
+              <a:rPr lang="pl-PL" smtClean="0"/>
+              <a:t>popravlja prostor</a:t>
+            </a:r>
+            <a:endParaRPr lang="pl-PL" smtClean="0"/>
           </a:p>
         </p:txBody>
       </p:sp>

--- a/seminar/sufiksni.pptx
+++ b/seminar/sufiksni.pptx
@@ -20,13 +20,15 @@
     <p:sldId id="312" r:id="rId14"/>
     <p:sldId id="313" r:id="rId15"/>
     <p:sldId id="314" r:id="rId16"/>
-    <p:sldId id="317" r:id="rId17"/>
-    <p:sldId id="316" r:id="rId18"/>
-    <p:sldId id="318" r:id="rId19"/>
-    <p:sldId id="319" r:id="rId20"/>
-    <p:sldId id="307" r:id="rId21"/>
-    <p:sldId id="298" r:id="rId22"/>
-    <p:sldId id="261" r:id="rId23"/>
+    <p:sldId id="320" r:id="rId17"/>
+    <p:sldId id="321" r:id="rId18"/>
+    <p:sldId id="317" r:id="rId19"/>
+    <p:sldId id="316" r:id="rId20"/>
+    <p:sldId id="318" r:id="rId21"/>
+    <p:sldId id="319" r:id="rId22"/>
+    <p:sldId id="307" r:id="rId23"/>
+    <p:sldId id="298" r:id="rId24"/>
+    <p:sldId id="261" r:id="rId25"/>
   </p:sldIdLst>
   <p:sldSz cx="9144000" cy="6858000" type="screen4x3"/>
   <p:notesSz cx="6858000" cy="9144000"/>
@@ -310,7 +312,7 @@
             <a:fld id="{1D8BD707-D9CF-40AE-B4C6-C98DA3205C09}" type="datetimeFigureOut">
               <a:rPr lang="en-US" smtClean="0"/>
               <a:pPr/>
-              <a:t>9/9/2022</a:t>
+              <a:t>9/11/2022</a:t>
             </a:fld>
             <a:endParaRPr lang="en-US"/>
           </a:p>
@@ -477,7 +479,7 @@
             <a:fld id="{1D8BD707-D9CF-40AE-B4C6-C98DA3205C09}" type="datetimeFigureOut">
               <a:rPr lang="en-US" smtClean="0"/>
               <a:pPr/>
-              <a:t>9/9/2022</a:t>
+              <a:t>9/11/2022</a:t>
             </a:fld>
             <a:endParaRPr lang="en-US"/>
           </a:p>
@@ -654,7 +656,7 @@
             <a:fld id="{1D8BD707-D9CF-40AE-B4C6-C98DA3205C09}" type="datetimeFigureOut">
               <a:rPr lang="en-US" smtClean="0"/>
               <a:pPr/>
-              <a:t>9/9/2022</a:t>
+              <a:t>9/11/2022</a:t>
             </a:fld>
             <a:endParaRPr lang="en-US"/>
           </a:p>
@@ -821,7 +823,7 @@
             <a:fld id="{1D8BD707-D9CF-40AE-B4C6-C98DA3205C09}" type="datetimeFigureOut">
               <a:rPr lang="en-US" smtClean="0"/>
               <a:pPr/>
-              <a:t>9/9/2022</a:t>
+              <a:t>9/11/2022</a:t>
             </a:fld>
             <a:endParaRPr lang="en-US"/>
           </a:p>
@@ -1064,7 +1066,7 @@
             <a:fld id="{1D8BD707-D9CF-40AE-B4C6-C98DA3205C09}" type="datetimeFigureOut">
               <a:rPr lang="en-US" smtClean="0"/>
               <a:pPr/>
-              <a:t>9/9/2022</a:t>
+              <a:t>9/11/2022</a:t>
             </a:fld>
             <a:endParaRPr lang="en-US"/>
           </a:p>
@@ -1349,7 +1351,7 @@
             <a:fld id="{1D8BD707-D9CF-40AE-B4C6-C98DA3205C09}" type="datetimeFigureOut">
               <a:rPr lang="en-US" smtClean="0"/>
               <a:pPr/>
-              <a:t>9/9/2022</a:t>
+              <a:t>9/11/2022</a:t>
             </a:fld>
             <a:endParaRPr lang="en-US"/>
           </a:p>
@@ -1768,7 +1770,7 @@
             <a:fld id="{1D8BD707-D9CF-40AE-B4C6-C98DA3205C09}" type="datetimeFigureOut">
               <a:rPr lang="en-US" smtClean="0"/>
               <a:pPr/>
-              <a:t>9/9/2022</a:t>
+              <a:t>9/11/2022</a:t>
             </a:fld>
             <a:endParaRPr lang="en-US"/>
           </a:p>
@@ -1883,7 +1885,7 @@
             <a:fld id="{1D8BD707-D9CF-40AE-B4C6-C98DA3205C09}" type="datetimeFigureOut">
               <a:rPr lang="en-US" smtClean="0"/>
               <a:pPr/>
-              <a:t>9/9/2022</a:t>
+              <a:t>9/11/2022</a:t>
             </a:fld>
             <a:endParaRPr lang="en-US"/>
           </a:p>
@@ -1975,7 +1977,7 @@
             <a:fld id="{1D8BD707-D9CF-40AE-B4C6-C98DA3205C09}" type="datetimeFigureOut">
               <a:rPr lang="en-US" smtClean="0"/>
               <a:pPr/>
-              <a:t>9/9/2022</a:t>
+              <a:t>9/11/2022</a:t>
             </a:fld>
             <a:endParaRPr lang="en-US"/>
           </a:p>
@@ -2249,7 +2251,7 @@
             <a:fld id="{1D8BD707-D9CF-40AE-B4C6-C98DA3205C09}" type="datetimeFigureOut">
               <a:rPr lang="en-US" smtClean="0"/>
               <a:pPr/>
-              <a:t>9/9/2022</a:t>
+              <a:t>9/11/2022</a:t>
             </a:fld>
             <a:endParaRPr lang="en-US"/>
           </a:p>
@@ -2499,7 +2501,7 @@
             <a:fld id="{1D8BD707-D9CF-40AE-B4C6-C98DA3205C09}" type="datetimeFigureOut">
               <a:rPr lang="en-US" smtClean="0"/>
               <a:pPr/>
-              <a:t>9/9/2022</a:t>
+              <a:t>9/11/2022</a:t>
             </a:fld>
             <a:endParaRPr lang="en-US"/>
           </a:p>
@@ -2709,7 +2711,7 @@
             <a:fld id="{1D8BD707-D9CF-40AE-B4C6-C98DA3205C09}" type="datetimeFigureOut">
               <a:rPr lang="en-US" smtClean="0"/>
               <a:pPr/>
-              <a:t>9/9/2022</a:t>
+              <a:t>9/11/2022</a:t>
             </a:fld>
             <a:endParaRPr lang="en-US"/>
           </a:p>
@@ -3299,8 +3301,8 @@
                     <a:p>
                       <a:pPr algn="ctr"/>
                       <a:r>
-                        <a:rPr lang="en-US" smtClean="0"/>
-                        <a:t>Str</a:t>
+                        <a:rPr lang="sr-Latn-RS" smtClean="0"/>
+                        <a:t>S</a:t>
                       </a:r>
                       <a:endParaRPr lang="en-US"/>
                     </a:p>
@@ -3481,8 +3483,8 @@
                     <a:p>
                       <a:pPr algn="ctr"/>
                       <a:r>
-                        <a:rPr lang="en-US" smtClean="0"/>
-                        <a:t>Idx</a:t>
+                        <a:rPr lang="sr-Latn-RS" smtClean="0"/>
+                        <a:t>i</a:t>
                       </a:r>
                       <a:endParaRPr lang="en-US"/>
                     </a:p>
@@ -3663,8 +3665,8 @@
                     <a:p>
                       <a:pPr algn="ctr"/>
                       <a:r>
-                        <a:rPr lang="en-US" smtClean="0"/>
-                        <a:t>Niz</a:t>
+                        <a:rPr lang="sr-Latn-RS" smtClean="0"/>
+                        <a:t>SA</a:t>
                       </a:r>
                       <a:endParaRPr lang="en-US"/>
                     </a:p>
@@ -3845,8 +3847,8 @@
                     <a:p>
                       <a:pPr algn="ctr"/>
                       <a:r>
-                        <a:rPr lang="en-US" smtClean="0"/>
-                        <a:t>Rang</a:t>
+                        <a:rPr lang="sr-Latn-RS" smtClean="0"/>
+                        <a:t>R</a:t>
                       </a:r>
                       <a:endParaRPr lang="en-US"/>
                     </a:p>
@@ -4268,11 +4270,7 @@
           <a:p>
             <a:r>
               <a:rPr lang="sr-Latn-RS" smtClean="0"/>
-              <a:t>Sufiksi </a:t>
-            </a:r>
-            <a:r>
-              <a:rPr lang="sr-Latn-RS" smtClean="0"/>
-              <a:t>nisu nezavisni – potiču iz iste niske</a:t>
+              <a:t>Sufiksi nisu nezavisni – potiču iz iste niske</a:t>
             </a:r>
           </a:p>
           <a:p>
@@ -7349,8 +7347,8 @@
                     <a:p>
                       <a:pPr algn="ctr"/>
                       <a:r>
-                        <a:rPr lang="en-US" smtClean="0"/>
-                        <a:t>Niz</a:t>
+                        <a:rPr lang="sr-Latn-RS" smtClean="0"/>
+                        <a:t>SA</a:t>
                       </a:r>
                       <a:endParaRPr lang="en-US"/>
                     </a:p>
@@ -7934,7 +7932,11 @@
             </a:r>
             <a:r>
               <a:rPr lang="sr-Latn-RS" smtClean="0"/>
-              <a:t>) + </a:t>
+              <a:t>) </a:t>
+            </a:r>
+            <a:r>
+              <a:rPr lang="sr-Latn-RS" smtClean="0"/>
+              <a:t>+ </a:t>
             </a:r>
             <a:r>
               <a:rPr lang="sr-Latn-RS" i="1" smtClean="0"/>
@@ -7950,27 +7952,15 @@
             </a:r>
             <a:r>
               <a:rPr lang="sr-Latn-RS" smtClean="0"/>
-              <a:t>), </a:t>
-            </a:r>
-            <a:r>
-              <a:rPr lang="sr-Latn-RS" i="1" smtClean="0"/>
-              <a:t>T</a:t>
-            </a:r>
-            <a:r>
-              <a:rPr lang="sr-Latn-RS" smtClean="0"/>
-              <a:t>(</a:t>
-            </a:r>
-            <a:r>
-              <a:rPr lang="sr-Latn-RS" i="1" smtClean="0"/>
-              <a:t>n</a:t>
-            </a:r>
-            <a:r>
-              <a:rPr lang="sr-Latn-RS" smtClean="0"/>
               <a:t>)</a:t>
             </a:r>
             <a:r>
               <a:rPr lang="en-US" smtClean="0"/>
-              <a:t> = </a:t>
+              <a:t> </a:t>
+            </a:r>
+            <a:r>
+              <a:rPr lang="en-US" smtClean="0"/>
+              <a:t>= </a:t>
             </a:r>
             <a:r>
               <a:rPr lang="en-US" i="1" smtClean="0"/>
@@ -8021,11 +8011,23 @@
             </a:r>
             <a:r>
               <a:rPr lang="sr-Latn-RS" smtClean="0"/>
-              <a:t>), zbog </a:t>
+              <a:t>), </a:t>
             </a:r>
             <a:r>
               <a:rPr lang="sr-Latn-RS" smtClean="0"/>
-              <a:t>podele</a:t>
+              <a:t>može</a:t>
+            </a:r>
+            <a:r>
+              <a:rPr lang="en-US" smtClean="0"/>
+              <a:t> i</a:t>
+            </a:r>
+            <a:r>
+              <a:rPr lang="sr-Latn-RS" smtClean="0"/>
+              <a:t> </a:t>
+            </a:r>
+            <a:r>
+              <a:rPr lang="sr-Latn-RS" i="1" smtClean="0"/>
+              <a:t>DC</a:t>
             </a:r>
             <a:endParaRPr lang="sr-Latn-RS" smtClean="0"/>
           </a:p>
@@ -8080,7 +8082,2033 @@
           <a:p>
             <a:r>
               <a:rPr lang="sr-Latn-RS" smtClean="0"/>
-              <a:t>Implementacije algoritama</a:t>
+              <a:t>Algoritam </a:t>
+            </a:r>
+            <a:r>
+              <a:rPr lang="sr-Latn-RS" i="1" smtClean="0"/>
+              <a:t>SA–IS</a:t>
+            </a:r>
+            <a:endParaRPr lang="en-US"/>
+          </a:p>
+        </p:txBody>
+      </p:sp>
+      <p:graphicFrame>
+        <p:nvGraphicFramePr>
+          <p:cNvPr id="4" name="Table 3"/>
+          <p:cNvGraphicFramePr>
+            <a:graphicFrameLocks noGrp="1"/>
+          </p:cNvGraphicFramePr>
+          <p:nvPr/>
+        </p:nvGraphicFramePr>
+        <p:xfrm>
+          <a:off x="609600" y="2819400"/>
+          <a:ext cx="8001000" cy="741680"/>
+        </p:xfrm>
+        <a:graphic>
+          <a:graphicData uri="http://schemas.openxmlformats.org/drawingml/2006/table">
+            <a:tbl>
+              <a:tblPr firstCol="1" bandRow="1">
+                <a:tableStyleId>{7DF18680-E054-41AD-8BC1-D1AEF772440D}</a:tableStyleId>
+              </a:tblPr>
+              <a:tblGrid>
+                <a:gridCol w="666750"/>
+                <a:gridCol w="666750"/>
+                <a:gridCol w="666750"/>
+                <a:gridCol w="666750"/>
+                <a:gridCol w="666750"/>
+                <a:gridCol w="666750"/>
+                <a:gridCol w="666750"/>
+                <a:gridCol w="666750"/>
+                <a:gridCol w="666750"/>
+                <a:gridCol w="666750"/>
+                <a:gridCol w="666750"/>
+                <a:gridCol w="666750"/>
+              </a:tblGrid>
+              <a:tr h="370840">
+                <a:tc>
+                  <a:txBody>
+                    <a:bodyPr/>
+                    <a:lstStyle/>
+                    <a:p>
+                      <a:pPr algn="ctr"/>
+                      <a:r>
+                        <a:rPr lang="sr-Latn-RS" smtClean="0"/>
+                        <a:t>LS</a:t>
+                      </a:r>
+                      <a:endParaRPr lang="en-US"/>
+                    </a:p>
+                  </a:txBody>
+                  <a:tcPr anchor="ctr" anchorCtr="1"/>
+                </a:tc>
+                <a:tc>
+                  <a:txBody>
+                    <a:bodyPr/>
+                    <a:lstStyle/>
+                    <a:p>
+                      <a:pPr algn="ctr"/>
+                      <a:r>
+                        <a:rPr lang="sr-Latn-RS" smtClean="0"/>
+                        <a:t>L</a:t>
+                      </a:r>
+                      <a:endParaRPr lang="en-US"/>
+                    </a:p>
+                  </a:txBody>
+                  <a:tcPr anchor="ctr" anchorCtr="1"/>
+                </a:tc>
+                <a:tc>
+                  <a:txBody>
+                    <a:bodyPr/>
+                    <a:lstStyle/>
+                    <a:p>
+                      <a:pPr algn="ctr"/>
+                      <a:r>
+                        <a:rPr lang="sr-Latn-RS" smtClean="0"/>
+                        <a:t>S</a:t>
+                      </a:r>
+                      <a:endParaRPr lang="en-US"/>
+                    </a:p>
+                  </a:txBody>
+                  <a:tcPr anchor="ctr" anchorCtr="1"/>
+                </a:tc>
+                <a:tc>
+                  <a:txBody>
+                    <a:bodyPr/>
+                    <a:lstStyle/>
+                    <a:p>
+                      <a:pPr algn="ctr"/>
+                      <a:r>
+                        <a:rPr lang="sr-Latn-RS" smtClean="0"/>
+                        <a:t>L</a:t>
+                      </a:r>
+                      <a:endParaRPr lang="en-US"/>
+                    </a:p>
+                  </a:txBody>
+                  <a:tcPr anchor="ctr" anchorCtr="1"/>
+                </a:tc>
+                <a:tc>
+                  <a:txBody>
+                    <a:bodyPr/>
+                    <a:lstStyle/>
+                    <a:p>
+                      <a:pPr algn="ctr"/>
+                      <a:r>
+                        <a:rPr lang="sr-Latn-RS" smtClean="0"/>
+                        <a:t>L</a:t>
+                      </a:r>
+                      <a:endParaRPr lang="en-US"/>
+                    </a:p>
+                  </a:txBody>
+                  <a:tcPr anchor="ctr" anchorCtr="1"/>
+                </a:tc>
+                <a:tc>
+                  <a:txBody>
+                    <a:bodyPr/>
+                    <a:lstStyle/>
+                    <a:p>
+                      <a:pPr algn="ctr"/>
+                      <a:r>
+                        <a:rPr lang="sr-Latn-RS" smtClean="0"/>
+                        <a:t>S</a:t>
+                      </a:r>
+                      <a:endParaRPr lang="en-US"/>
+                    </a:p>
+                  </a:txBody>
+                  <a:tcPr anchor="ctr" anchorCtr="1"/>
+                </a:tc>
+                <a:tc>
+                  <a:txBody>
+                    <a:bodyPr/>
+                    <a:lstStyle/>
+                    <a:p>
+                      <a:pPr algn="ctr"/>
+                      <a:r>
+                        <a:rPr lang="sr-Latn-RS" smtClean="0"/>
+                        <a:t>L</a:t>
+                      </a:r>
+                      <a:endParaRPr lang="en-US"/>
+                    </a:p>
+                  </a:txBody>
+                  <a:tcPr anchor="ctr" anchorCtr="1"/>
+                </a:tc>
+                <a:tc>
+                  <a:txBody>
+                    <a:bodyPr/>
+                    <a:lstStyle/>
+                    <a:p>
+                      <a:pPr algn="ctr"/>
+                      <a:r>
+                        <a:rPr lang="sr-Latn-RS" smtClean="0"/>
+                        <a:t>L</a:t>
+                      </a:r>
+                      <a:endParaRPr lang="en-US"/>
+                    </a:p>
+                  </a:txBody>
+                  <a:tcPr anchor="ctr" anchorCtr="1"/>
+                </a:tc>
+                <a:tc>
+                  <a:txBody>
+                    <a:bodyPr/>
+                    <a:lstStyle/>
+                    <a:p>
+                      <a:pPr algn="ctr"/>
+                      <a:r>
+                        <a:rPr lang="sr-Latn-RS" smtClean="0"/>
+                        <a:t>S</a:t>
+                      </a:r>
+                      <a:endParaRPr lang="en-US"/>
+                    </a:p>
+                  </a:txBody>
+                  <a:tcPr anchor="ctr" anchorCtr="1"/>
+                </a:tc>
+                <a:tc>
+                  <a:txBody>
+                    <a:bodyPr/>
+                    <a:lstStyle/>
+                    <a:p>
+                      <a:pPr algn="ctr"/>
+                      <a:r>
+                        <a:rPr lang="sr-Latn-RS" smtClean="0"/>
+                        <a:t>L</a:t>
+                      </a:r>
+                      <a:endParaRPr lang="en-US"/>
+                    </a:p>
+                  </a:txBody>
+                  <a:tcPr anchor="ctr" anchorCtr="1"/>
+                </a:tc>
+                <a:tc>
+                  <a:txBody>
+                    <a:bodyPr/>
+                    <a:lstStyle/>
+                    <a:p>
+                      <a:pPr algn="ctr"/>
+                      <a:r>
+                        <a:rPr lang="sr-Latn-RS" smtClean="0"/>
+                        <a:t>L</a:t>
+                      </a:r>
+                      <a:endParaRPr lang="en-US"/>
+                    </a:p>
+                  </a:txBody>
+                  <a:tcPr anchor="ctr" anchorCtr="1"/>
+                </a:tc>
+                <a:tc>
+                  <a:txBody>
+                    <a:bodyPr/>
+                    <a:lstStyle/>
+                    <a:p>
+                      <a:pPr algn="ctr"/>
+                      <a:r>
+                        <a:rPr lang="sr-Latn-RS" smtClean="0"/>
+                        <a:t>L</a:t>
+                      </a:r>
+                      <a:endParaRPr lang="en-US"/>
+                    </a:p>
+                  </a:txBody>
+                  <a:tcPr anchor="ctr" anchorCtr="1"/>
+                </a:tc>
+              </a:tr>
+              <a:tr h="370840">
+                <a:tc>
+                  <a:txBody>
+                    <a:bodyPr/>
+                    <a:lstStyle/>
+                    <a:p>
+                      <a:pPr algn="ctr"/>
+                      <a:r>
+                        <a:rPr lang="sr-Latn-RS" smtClean="0"/>
+                        <a:t>LMS</a:t>
+                      </a:r>
+                      <a:endParaRPr lang="en-US"/>
+                    </a:p>
+                  </a:txBody>
+                  <a:tcPr anchor="ctr" anchorCtr="1"/>
+                </a:tc>
+                <a:tc>
+                  <a:txBody>
+                    <a:bodyPr/>
+                    <a:lstStyle/>
+                    <a:p>
+                      <a:pPr algn="ctr"/>
+                      <a:endParaRPr lang="en-US"/>
+                    </a:p>
+                  </a:txBody>
+                  <a:tcPr anchor="ctr" anchorCtr="1"/>
+                </a:tc>
+                <a:tc>
+                  <a:txBody>
+                    <a:bodyPr/>
+                    <a:lstStyle/>
+                    <a:p>
+                      <a:pPr algn="ctr"/>
+                      <a:r>
+                        <a:rPr lang="sr-Latn-RS" smtClean="0"/>
+                        <a:t>*</a:t>
+                      </a:r>
+                      <a:endParaRPr lang="en-US"/>
+                    </a:p>
+                  </a:txBody>
+                  <a:tcPr anchor="ctr" anchorCtr="1"/>
+                </a:tc>
+                <a:tc>
+                  <a:txBody>
+                    <a:bodyPr/>
+                    <a:lstStyle/>
+                    <a:p>
+                      <a:pPr algn="ctr"/>
+                      <a:endParaRPr lang="en-US"/>
+                    </a:p>
+                  </a:txBody>
+                  <a:tcPr anchor="ctr" anchorCtr="1"/>
+                </a:tc>
+                <a:tc>
+                  <a:txBody>
+                    <a:bodyPr/>
+                    <a:lstStyle/>
+                    <a:p>
+                      <a:pPr algn="ctr"/>
+                      <a:endParaRPr lang="en-US"/>
+                    </a:p>
+                  </a:txBody>
+                  <a:tcPr anchor="ctr" anchorCtr="1"/>
+                </a:tc>
+                <a:tc>
+                  <a:txBody>
+                    <a:bodyPr/>
+                    <a:lstStyle/>
+                    <a:p>
+                      <a:pPr algn="ctr"/>
+                      <a:r>
+                        <a:rPr lang="sr-Latn-RS" smtClean="0"/>
+                        <a:t>*</a:t>
+                      </a:r>
+                      <a:endParaRPr lang="en-US"/>
+                    </a:p>
+                  </a:txBody>
+                  <a:tcPr anchor="ctr" anchorCtr="1"/>
+                </a:tc>
+                <a:tc>
+                  <a:txBody>
+                    <a:bodyPr/>
+                    <a:lstStyle/>
+                    <a:p>
+                      <a:pPr algn="ctr"/>
+                      <a:endParaRPr lang="en-US"/>
+                    </a:p>
+                  </a:txBody>
+                  <a:tcPr anchor="ctr" anchorCtr="1"/>
+                </a:tc>
+                <a:tc>
+                  <a:txBody>
+                    <a:bodyPr/>
+                    <a:lstStyle/>
+                    <a:p>
+                      <a:pPr algn="ctr"/>
+                      <a:endParaRPr lang="en-US"/>
+                    </a:p>
+                  </a:txBody>
+                  <a:tcPr anchor="ctr" anchorCtr="1"/>
+                </a:tc>
+                <a:tc>
+                  <a:txBody>
+                    <a:bodyPr/>
+                    <a:lstStyle/>
+                    <a:p>
+                      <a:pPr algn="ctr"/>
+                      <a:r>
+                        <a:rPr lang="sr-Latn-RS" smtClean="0"/>
+                        <a:t>*</a:t>
+                      </a:r>
+                      <a:endParaRPr lang="en-US"/>
+                    </a:p>
+                  </a:txBody>
+                  <a:tcPr anchor="ctr" anchorCtr="1"/>
+                </a:tc>
+                <a:tc>
+                  <a:txBody>
+                    <a:bodyPr/>
+                    <a:lstStyle/>
+                    <a:p>
+                      <a:pPr algn="ctr"/>
+                      <a:endParaRPr lang="en-US"/>
+                    </a:p>
+                  </a:txBody>
+                  <a:tcPr anchor="ctr" anchorCtr="1"/>
+                </a:tc>
+                <a:tc>
+                  <a:txBody>
+                    <a:bodyPr/>
+                    <a:lstStyle/>
+                    <a:p>
+                      <a:pPr algn="ctr"/>
+                      <a:endParaRPr lang="en-US"/>
+                    </a:p>
+                  </a:txBody>
+                  <a:tcPr anchor="ctr" anchorCtr="1"/>
+                </a:tc>
+                <a:tc>
+                  <a:txBody>
+                    <a:bodyPr/>
+                    <a:lstStyle/>
+                    <a:p>
+                      <a:pPr algn="ctr"/>
+                      <a:endParaRPr lang="en-US"/>
+                    </a:p>
+                  </a:txBody>
+                  <a:tcPr anchor="ctr" anchorCtr="1"/>
+                </a:tc>
+              </a:tr>
+            </a:tbl>
+          </a:graphicData>
+        </a:graphic>
+      </p:graphicFrame>
+      <p:graphicFrame>
+        <p:nvGraphicFramePr>
+          <p:cNvPr id="5" name="Table 4"/>
+          <p:cNvGraphicFramePr>
+            <a:graphicFrameLocks noGrp="1"/>
+          </p:cNvGraphicFramePr>
+          <p:nvPr/>
+        </p:nvGraphicFramePr>
+        <p:xfrm>
+          <a:off x="609600" y="4267200"/>
+          <a:ext cx="8001000" cy="741680"/>
+        </p:xfrm>
+        <a:graphic>
+          <a:graphicData uri="http://schemas.openxmlformats.org/drawingml/2006/table">
+            <a:tbl>
+              <a:tblPr firstCol="1" bandRow="1">
+                <a:tableStyleId>{7DF18680-E054-41AD-8BC1-D1AEF772440D}</a:tableStyleId>
+              </a:tblPr>
+              <a:tblGrid>
+                <a:gridCol w="666750"/>
+                <a:gridCol w="666750"/>
+                <a:gridCol w="666750"/>
+                <a:gridCol w="666750"/>
+                <a:gridCol w="666750"/>
+                <a:gridCol w="666750"/>
+                <a:gridCol w="666750"/>
+                <a:gridCol w="666750"/>
+                <a:gridCol w="666750"/>
+                <a:gridCol w="666750"/>
+                <a:gridCol w="666750"/>
+                <a:gridCol w="666750"/>
+              </a:tblGrid>
+              <a:tr h="370840">
+                <a:tc>
+                  <a:txBody>
+                    <a:bodyPr/>
+                    <a:lstStyle/>
+                    <a:p>
+                      <a:pPr algn="ctr"/>
+                      <a:r>
+                        <a:rPr lang="sr-Latn-RS" smtClean="0"/>
+                        <a:t>R</a:t>
+                      </a:r>
+                      <a:endParaRPr lang="en-US"/>
+                    </a:p>
+                  </a:txBody>
+                  <a:tcPr anchor="ctr" anchorCtr="1"/>
+                </a:tc>
+                <a:tc>
+                  <a:txBody>
+                    <a:bodyPr/>
+                    <a:lstStyle/>
+                    <a:p>
+                      <a:pPr algn="ctr"/>
+                      <a:endParaRPr lang="en-US"/>
+                    </a:p>
+                  </a:txBody>
+                  <a:tcPr anchor="ctr" anchorCtr="1"/>
+                </a:tc>
+                <a:tc>
+                  <a:txBody>
+                    <a:bodyPr/>
+                    <a:lstStyle/>
+                    <a:p>
+                      <a:pPr algn="ctr"/>
+                      <a:r>
+                        <a:rPr lang="sr-Latn-RS" smtClean="0"/>
+                        <a:t>2</a:t>
+                      </a:r>
+                      <a:endParaRPr lang="en-US"/>
+                    </a:p>
+                  </a:txBody>
+                  <a:tcPr anchor="ctr" anchorCtr="1"/>
+                </a:tc>
+                <a:tc>
+                  <a:txBody>
+                    <a:bodyPr/>
+                    <a:lstStyle/>
+                    <a:p>
+                      <a:pPr algn="ctr"/>
+                      <a:endParaRPr lang="en-US"/>
+                    </a:p>
+                  </a:txBody>
+                  <a:tcPr anchor="ctr" anchorCtr="1"/>
+                </a:tc>
+                <a:tc>
+                  <a:txBody>
+                    <a:bodyPr/>
+                    <a:lstStyle/>
+                    <a:p>
+                      <a:pPr algn="ctr"/>
+                      <a:endParaRPr lang="en-US"/>
+                    </a:p>
+                  </a:txBody>
+                  <a:tcPr anchor="ctr" anchorCtr="1"/>
+                </a:tc>
+                <a:tc>
+                  <a:txBody>
+                    <a:bodyPr/>
+                    <a:lstStyle/>
+                    <a:p>
+                      <a:pPr algn="ctr"/>
+                      <a:r>
+                        <a:rPr lang="sr-Latn-RS" smtClean="0"/>
+                        <a:t>2</a:t>
+                      </a:r>
+                      <a:endParaRPr lang="en-US"/>
+                    </a:p>
+                  </a:txBody>
+                  <a:tcPr anchor="ctr" anchorCtr="1"/>
+                </a:tc>
+                <a:tc>
+                  <a:txBody>
+                    <a:bodyPr/>
+                    <a:lstStyle/>
+                    <a:p>
+                      <a:pPr algn="ctr"/>
+                      <a:endParaRPr lang="en-US"/>
+                    </a:p>
+                  </a:txBody>
+                  <a:tcPr anchor="ctr" anchorCtr="1"/>
+                </a:tc>
+                <a:tc>
+                  <a:txBody>
+                    <a:bodyPr/>
+                    <a:lstStyle/>
+                    <a:p>
+                      <a:pPr algn="ctr"/>
+                      <a:endParaRPr lang="en-US"/>
+                    </a:p>
+                  </a:txBody>
+                  <a:tcPr anchor="ctr" anchorCtr="1"/>
+                </a:tc>
+                <a:tc>
+                  <a:txBody>
+                    <a:bodyPr/>
+                    <a:lstStyle/>
+                    <a:p>
+                      <a:pPr algn="ctr"/>
+                      <a:r>
+                        <a:rPr lang="sr-Latn-RS" smtClean="0"/>
+                        <a:t>1</a:t>
+                      </a:r>
+                      <a:endParaRPr lang="en-US"/>
+                    </a:p>
+                  </a:txBody>
+                  <a:tcPr anchor="ctr" anchorCtr="1"/>
+                </a:tc>
+                <a:tc>
+                  <a:txBody>
+                    <a:bodyPr/>
+                    <a:lstStyle/>
+                    <a:p>
+                      <a:pPr algn="ctr"/>
+                      <a:endParaRPr lang="en-US"/>
+                    </a:p>
+                  </a:txBody>
+                  <a:tcPr anchor="ctr" anchorCtr="1"/>
+                </a:tc>
+                <a:tc>
+                  <a:txBody>
+                    <a:bodyPr/>
+                    <a:lstStyle/>
+                    <a:p>
+                      <a:pPr algn="ctr"/>
+                      <a:endParaRPr lang="en-US"/>
+                    </a:p>
+                  </a:txBody>
+                  <a:tcPr anchor="ctr" anchorCtr="1"/>
+                </a:tc>
+                <a:tc>
+                  <a:txBody>
+                    <a:bodyPr/>
+                    <a:lstStyle/>
+                    <a:p>
+                      <a:pPr algn="ctr"/>
+                      <a:endParaRPr lang="en-US"/>
+                    </a:p>
+                  </a:txBody>
+                  <a:tcPr anchor="ctr" anchorCtr="1"/>
+                </a:tc>
+              </a:tr>
+              <a:tr h="370840">
+                <a:tc>
+                  <a:txBody>
+                    <a:bodyPr/>
+                    <a:lstStyle/>
+                    <a:p>
+                      <a:pPr algn="ctr"/>
+                      <a:r>
+                        <a:rPr lang="sr-Latn-RS" smtClean="0"/>
+                        <a:t>SA</a:t>
+                      </a:r>
+                      <a:r>
+                        <a:rPr lang="sr-Latn-RS" baseline="-25000" smtClean="0"/>
+                        <a:t>R</a:t>
+                      </a:r>
+                      <a:endParaRPr lang="en-US"/>
+                    </a:p>
+                  </a:txBody>
+                  <a:tcPr anchor="ctr" anchorCtr="1"/>
+                </a:tc>
+                <a:tc>
+                  <a:txBody>
+                    <a:bodyPr/>
+                    <a:lstStyle/>
+                    <a:p>
+                      <a:pPr algn="ctr"/>
+                      <a:endParaRPr lang="en-US"/>
+                    </a:p>
+                  </a:txBody>
+                  <a:tcPr anchor="ctr" anchorCtr="1"/>
+                </a:tc>
+                <a:tc>
+                  <a:txBody>
+                    <a:bodyPr/>
+                    <a:lstStyle/>
+                    <a:p>
+                      <a:pPr algn="ctr"/>
+                      <a:r>
+                        <a:rPr lang="sr-Latn-RS" smtClean="0"/>
+                        <a:t>2</a:t>
+                      </a:r>
+                      <a:endParaRPr lang="en-US"/>
+                    </a:p>
+                  </a:txBody>
+                  <a:tcPr anchor="ctr" anchorCtr="1"/>
+                </a:tc>
+                <a:tc>
+                  <a:txBody>
+                    <a:bodyPr/>
+                    <a:lstStyle/>
+                    <a:p>
+                      <a:pPr algn="ctr"/>
+                      <a:endParaRPr lang="en-US"/>
+                    </a:p>
+                  </a:txBody>
+                  <a:tcPr anchor="ctr" anchorCtr="1"/>
+                </a:tc>
+                <a:tc>
+                  <a:txBody>
+                    <a:bodyPr/>
+                    <a:lstStyle/>
+                    <a:p>
+                      <a:pPr algn="ctr"/>
+                      <a:endParaRPr lang="en-US"/>
+                    </a:p>
+                  </a:txBody>
+                  <a:tcPr anchor="ctr" anchorCtr="1"/>
+                </a:tc>
+                <a:tc>
+                  <a:txBody>
+                    <a:bodyPr/>
+                    <a:lstStyle/>
+                    <a:p>
+                      <a:pPr algn="ctr"/>
+                      <a:r>
+                        <a:rPr lang="sr-Latn-RS" smtClean="0"/>
+                        <a:t>1</a:t>
+                      </a:r>
+                      <a:endParaRPr lang="en-US"/>
+                    </a:p>
+                  </a:txBody>
+                  <a:tcPr anchor="ctr" anchorCtr="1"/>
+                </a:tc>
+                <a:tc>
+                  <a:txBody>
+                    <a:bodyPr/>
+                    <a:lstStyle/>
+                    <a:p>
+                      <a:pPr algn="ctr"/>
+                      <a:endParaRPr lang="en-US"/>
+                    </a:p>
+                  </a:txBody>
+                  <a:tcPr anchor="ctr" anchorCtr="1"/>
+                </a:tc>
+                <a:tc>
+                  <a:txBody>
+                    <a:bodyPr/>
+                    <a:lstStyle/>
+                    <a:p>
+                      <a:pPr algn="ctr"/>
+                      <a:endParaRPr lang="en-US"/>
+                    </a:p>
+                  </a:txBody>
+                  <a:tcPr anchor="ctr" anchorCtr="1"/>
+                </a:tc>
+                <a:tc>
+                  <a:txBody>
+                    <a:bodyPr/>
+                    <a:lstStyle/>
+                    <a:p>
+                      <a:pPr algn="ctr"/>
+                      <a:r>
+                        <a:rPr lang="sr-Latn-RS" smtClean="0"/>
+                        <a:t>0</a:t>
+                      </a:r>
+                      <a:endParaRPr lang="en-US"/>
+                    </a:p>
+                  </a:txBody>
+                  <a:tcPr anchor="ctr" anchorCtr="1"/>
+                </a:tc>
+                <a:tc>
+                  <a:txBody>
+                    <a:bodyPr/>
+                    <a:lstStyle/>
+                    <a:p>
+                      <a:pPr algn="ctr"/>
+                      <a:endParaRPr lang="en-US"/>
+                    </a:p>
+                  </a:txBody>
+                  <a:tcPr anchor="ctr" anchorCtr="1"/>
+                </a:tc>
+                <a:tc>
+                  <a:txBody>
+                    <a:bodyPr/>
+                    <a:lstStyle/>
+                    <a:p>
+                      <a:pPr algn="ctr"/>
+                      <a:endParaRPr lang="en-US"/>
+                    </a:p>
+                  </a:txBody>
+                  <a:tcPr anchor="ctr" anchorCtr="1"/>
+                </a:tc>
+                <a:tc>
+                  <a:txBody>
+                    <a:bodyPr/>
+                    <a:lstStyle/>
+                    <a:p>
+                      <a:pPr algn="ctr"/>
+                      <a:endParaRPr lang="en-US"/>
+                    </a:p>
+                  </a:txBody>
+                  <a:tcPr anchor="ctr" anchorCtr="1"/>
+                </a:tc>
+              </a:tr>
+            </a:tbl>
+          </a:graphicData>
+        </a:graphic>
+      </p:graphicFrame>
+      <p:sp>
+        <p:nvSpPr>
+          <p:cNvPr id="7" name="Content Placeholder 2"/>
+          <p:cNvSpPr>
+            <a:spLocks noGrp="1"/>
+          </p:cNvSpPr>
+          <p:nvPr>
+            <p:ph idx="1"/>
+          </p:nvPr>
+        </p:nvSpPr>
+        <p:spPr>
+          <a:xfrm>
+            <a:off x="609600" y="2209800"/>
+            <a:ext cx="8001000" cy="533400"/>
+          </a:xfrm>
+        </p:spPr>
+        <p:txBody>
+          <a:bodyPr>
+            <a:normAutofit fontScale="92500" lnSpcReduction="10000"/>
+          </a:bodyPr>
+          <a:lstStyle/>
+          <a:p>
+            <a:r>
+              <a:rPr lang="pl-PL" smtClean="0"/>
+              <a:t>Priprema za redukciju – određivanje </a:t>
+            </a:r>
+            <a:r>
+              <a:rPr lang="pl-PL" i="1" smtClean="0"/>
+              <a:t>LMS</a:t>
+            </a:r>
+            <a:r>
+              <a:rPr lang="pl-PL" smtClean="0"/>
+              <a:t> sufiksa</a:t>
+            </a:r>
+            <a:endParaRPr lang="en-US"/>
+          </a:p>
+        </p:txBody>
+      </p:sp>
+      <p:sp>
+        <p:nvSpPr>
+          <p:cNvPr id="8" name="Content Placeholder 2"/>
+          <p:cNvSpPr txBox="1">
+            <a:spLocks/>
+          </p:cNvSpPr>
+          <p:nvPr/>
+        </p:nvSpPr>
+        <p:spPr>
+          <a:xfrm>
+            <a:off x="609600" y="3657600"/>
+            <a:ext cx="8001000" cy="533400"/>
+          </a:xfrm>
+          <a:prstGeom prst="rect">
+            <a:avLst/>
+          </a:prstGeom>
+        </p:spPr>
+        <p:txBody>
+          <a:bodyPr vert="horz" lIns="91440" tIns="45720" rIns="91440" bIns="45720" rtlCol="0">
+            <a:normAutofit fontScale="92500" lnSpcReduction="10000"/>
+          </a:bodyPr>
+          <a:lstStyle/>
+          <a:p>
+            <a:pPr marL="342900" marR="0" lvl="0" indent="-342900" algn="l" defTabSz="914400" rtl="0" eaLnBrk="1" fontAlgn="auto" latinLnBrk="0" hangingPunct="1">
+              <a:lnSpc>
+                <a:spcPct val="100000"/>
+              </a:lnSpc>
+              <a:spcBef>
+                <a:spcPct val="20000"/>
+              </a:spcBef>
+              <a:spcAft>
+                <a:spcPts val="0"/>
+              </a:spcAft>
+              <a:buClrTx/>
+              <a:buSzTx/>
+              <a:buFont typeface="Arial" pitchFamily="34" charset="0"/>
+              <a:buChar char="•"/>
+              <a:tabLst/>
+              <a:defRPr/>
+            </a:pPr>
+            <a:r>
+              <a:rPr kumimoji="0" lang="pl-PL" sz="3200" b="0" i="0" u="none" strike="noStrike" kern="1200" cap="none" spc="0" normalizeH="0" baseline="0" noProof="0" smtClean="0">
+                <a:ln>
+                  <a:noFill/>
+                </a:ln>
+                <a:solidFill>
+                  <a:schemeClr val="tx1"/>
+                </a:solidFill>
+                <a:effectLst/>
+                <a:uLnTx/>
+                <a:uFillTx/>
+                <a:latin typeface="+mn-lt"/>
+                <a:ea typeface="+mn-ea"/>
+                <a:cs typeface="+mn-cs"/>
+              </a:rPr>
+              <a:t>Redukcija – indukovano </a:t>
+            </a:r>
+            <a:r>
+              <a:rPr kumimoji="0" lang="en-US" sz="3200" b="0" i="0" u="none" strike="noStrike" kern="1200" cap="none" spc="0" normalizeH="0" baseline="0" noProof="0" smtClean="0">
+                <a:ln>
+                  <a:noFill/>
+                </a:ln>
+                <a:solidFill>
+                  <a:schemeClr val="tx1"/>
+                </a:solidFill>
+                <a:effectLst/>
+                <a:uLnTx/>
+                <a:uFillTx/>
+                <a:latin typeface="+mn-lt"/>
+                <a:ea typeface="+mn-ea"/>
+                <a:cs typeface="+mn-cs"/>
+              </a:rPr>
+              <a:t>sortiranje</a:t>
+            </a:r>
+            <a:r>
+              <a:rPr kumimoji="0" lang="pl-PL" sz="3200" b="0" i="0" u="none" strike="noStrike" kern="1200" cap="none" spc="0" normalizeH="0" baseline="0" noProof="0" smtClean="0">
+                <a:ln>
+                  <a:noFill/>
+                </a:ln>
+                <a:solidFill>
+                  <a:schemeClr val="tx1"/>
+                </a:solidFill>
+                <a:effectLst/>
+                <a:uLnTx/>
+                <a:uFillTx/>
+                <a:latin typeface="+mn-lt"/>
+                <a:ea typeface="+mn-ea"/>
+                <a:cs typeface="+mn-cs"/>
+              </a:rPr>
+              <a:t> </a:t>
+            </a:r>
+            <a:r>
+              <a:rPr kumimoji="0" lang="pl-PL" sz="3200" b="0" i="1" u="none" strike="noStrike" kern="1200" cap="none" spc="0" normalizeH="0" baseline="0" noProof="0" smtClean="0">
+                <a:ln>
+                  <a:noFill/>
+                </a:ln>
+                <a:solidFill>
+                  <a:schemeClr val="tx1"/>
+                </a:solidFill>
+                <a:effectLst/>
+                <a:uLnTx/>
+                <a:uFillTx/>
+                <a:latin typeface="+mn-lt"/>
+                <a:ea typeface="+mn-ea"/>
+                <a:cs typeface="+mn-cs"/>
+              </a:rPr>
+              <a:t>LMS</a:t>
+            </a:r>
+            <a:r>
+              <a:rPr kumimoji="0" lang="pl-PL" sz="3200" b="0" i="0" u="none" strike="noStrike" kern="1200" cap="none" spc="0" normalizeH="0" baseline="0" noProof="0" smtClean="0">
+                <a:ln>
+                  <a:noFill/>
+                </a:ln>
+                <a:solidFill>
+                  <a:schemeClr val="tx1"/>
+                </a:solidFill>
+                <a:effectLst/>
+                <a:uLnTx/>
+                <a:uFillTx/>
+                <a:latin typeface="+mn-lt"/>
+                <a:ea typeface="+mn-ea"/>
+                <a:cs typeface="+mn-cs"/>
+              </a:rPr>
+              <a:t> podniski</a:t>
+            </a:r>
+            <a:endParaRPr kumimoji="0" lang="en-US" sz="3200" b="0" i="0" u="none" strike="noStrike" kern="1200" cap="none" spc="0" normalizeH="0" baseline="0" noProof="0">
+              <a:ln>
+                <a:noFill/>
+              </a:ln>
+              <a:solidFill>
+                <a:schemeClr val="tx1"/>
+              </a:solidFill>
+              <a:effectLst/>
+              <a:uLnTx/>
+              <a:uFillTx/>
+              <a:latin typeface="+mn-lt"/>
+              <a:ea typeface="+mn-ea"/>
+              <a:cs typeface="+mn-cs"/>
+            </a:endParaRPr>
+          </a:p>
+        </p:txBody>
+      </p:sp>
+      <p:graphicFrame>
+        <p:nvGraphicFramePr>
+          <p:cNvPr id="9" name="Table 8"/>
+          <p:cNvGraphicFramePr>
+            <a:graphicFrameLocks noGrp="1"/>
+          </p:cNvGraphicFramePr>
+          <p:nvPr/>
+        </p:nvGraphicFramePr>
+        <p:xfrm>
+          <a:off x="609600" y="1371600"/>
+          <a:ext cx="8001000" cy="741680"/>
+        </p:xfrm>
+        <a:graphic>
+          <a:graphicData uri="http://schemas.openxmlformats.org/drawingml/2006/table">
+            <a:tbl>
+              <a:tblPr firstCol="1" bandRow="1">
+                <a:tableStyleId>{7DF18680-E054-41AD-8BC1-D1AEF772440D}</a:tableStyleId>
+              </a:tblPr>
+              <a:tblGrid>
+                <a:gridCol w="666750"/>
+                <a:gridCol w="666750"/>
+                <a:gridCol w="666750"/>
+                <a:gridCol w="666750"/>
+                <a:gridCol w="666750"/>
+                <a:gridCol w="666750"/>
+                <a:gridCol w="666750"/>
+                <a:gridCol w="666750"/>
+                <a:gridCol w="666750"/>
+                <a:gridCol w="666750"/>
+                <a:gridCol w="666750"/>
+                <a:gridCol w="666750"/>
+              </a:tblGrid>
+              <a:tr h="370840">
+                <a:tc>
+                  <a:txBody>
+                    <a:bodyPr/>
+                    <a:lstStyle/>
+                    <a:p>
+                      <a:pPr algn="ctr"/>
+                      <a:r>
+                        <a:rPr lang="sr-Latn-RS" smtClean="0"/>
+                        <a:t>i</a:t>
+                      </a:r>
+                      <a:endParaRPr lang="en-US"/>
+                    </a:p>
+                  </a:txBody>
+                  <a:tcPr anchor="ctr" anchorCtr="1"/>
+                </a:tc>
+                <a:tc>
+                  <a:txBody>
+                    <a:bodyPr/>
+                    <a:lstStyle/>
+                    <a:p>
+                      <a:pPr algn="ctr"/>
+                      <a:r>
+                        <a:rPr lang="en-US" smtClean="0"/>
+                        <a:t>0</a:t>
+                      </a:r>
+                      <a:endParaRPr lang="en-US"/>
+                    </a:p>
+                  </a:txBody>
+                  <a:tcPr anchor="ctr" anchorCtr="1"/>
+                </a:tc>
+                <a:tc>
+                  <a:txBody>
+                    <a:bodyPr/>
+                    <a:lstStyle/>
+                    <a:p>
+                      <a:pPr algn="ctr"/>
+                      <a:r>
+                        <a:rPr lang="en-US" smtClean="0"/>
+                        <a:t>1</a:t>
+                      </a:r>
+                      <a:endParaRPr lang="en-US"/>
+                    </a:p>
+                  </a:txBody>
+                  <a:tcPr anchor="ctr" anchorCtr="1"/>
+                </a:tc>
+                <a:tc>
+                  <a:txBody>
+                    <a:bodyPr/>
+                    <a:lstStyle/>
+                    <a:p>
+                      <a:pPr algn="ctr"/>
+                      <a:r>
+                        <a:rPr lang="en-US" smtClean="0"/>
+                        <a:t>2</a:t>
+                      </a:r>
+                      <a:endParaRPr lang="en-US"/>
+                    </a:p>
+                  </a:txBody>
+                  <a:tcPr anchor="ctr" anchorCtr="1"/>
+                </a:tc>
+                <a:tc>
+                  <a:txBody>
+                    <a:bodyPr/>
+                    <a:lstStyle/>
+                    <a:p>
+                      <a:pPr algn="ctr"/>
+                      <a:r>
+                        <a:rPr lang="en-US" smtClean="0"/>
+                        <a:t>3</a:t>
+                      </a:r>
+                      <a:endParaRPr lang="en-US"/>
+                    </a:p>
+                  </a:txBody>
+                  <a:tcPr anchor="ctr" anchorCtr="1"/>
+                </a:tc>
+                <a:tc>
+                  <a:txBody>
+                    <a:bodyPr/>
+                    <a:lstStyle/>
+                    <a:p>
+                      <a:pPr algn="ctr"/>
+                      <a:r>
+                        <a:rPr lang="en-US" smtClean="0"/>
+                        <a:t>4</a:t>
+                      </a:r>
+                      <a:endParaRPr lang="en-US"/>
+                    </a:p>
+                  </a:txBody>
+                  <a:tcPr anchor="ctr" anchorCtr="1"/>
+                </a:tc>
+                <a:tc>
+                  <a:txBody>
+                    <a:bodyPr/>
+                    <a:lstStyle/>
+                    <a:p>
+                      <a:pPr algn="ctr"/>
+                      <a:r>
+                        <a:rPr lang="en-US" smtClean="0"/>
+                        <a:t>5</a:t>
+                      </a:r>
+                      <a:endParaRPr lang="en-US"/>
+                    </a:p>
+                  </a:txBody>
+                  <a:tcPr anchor="ctr" anchorCtr="1"/>
+                </a:tc>
+                <a:tc>
+                  <a:txBody>
+                    <a:bodyPr/>
+                    <a:lstStyle/>
+                    <a:p>
+                      <a:pPr algn="ctr"/>
+                      <a:r>
+                        <a:rPr lang="en-US" smtClean="0"/>
+                        <a:t>6</a:t>
+                      </a:r>
+                      <a:endParaRPr lang="en-US"/>
+                    </a:p>
+                  </a:txBody>
+                  <a:tcPr anchor="ctr" anchorCtr="1"/>
+                </a:tc>
+                <a:tc>
+                  <a:txBody>
+                    <a:bodyPr/>
+                    <a:lstStyle/>
+                    <a:p>
+                      <a:pPr algn="ctr"/>
+                      <a:r>
+                        <a:rPr lang="en-US" smtClean="0"/>
+                        <a:t>7</a:t>
+                      </a:r>
+                      <a:endParaRPr lang="en-US"/>
+                    </a:p>
+                  </a:txBody>
+                  <a:tcPr anchor="ctr" anchorCtr="1"/>
+                </a:tc>
+                <a:tc>
+                  <a:txBody>
+                    <a:bodyPr/>
+                    <a:lstStyle/>
+                    <a:p>
+                      <a:pPr algn="ctr"/>
+                      <a:r>
+                        <a:rPr lang="en-US" smtClean="0"/>
+                        <a:t>8</a:t>
+                      </a:r>
+                      <a:endParaRPr lang="en-US"/>
+                    </a:p>
+                  </a:txBody>
+                  <a:tcPr anchor="ctr" anchorCtr="1"/>
+                </a:tc>
+                <a:tc>
+                  <a:txBody>
+                    <a:bodyPr/>
+                    <a:lstStyle/>
+                    <a:p>
+                      <a:pPr algn="ctr"/>
+                      <a:r>
+                        <a:rPr lang="en-US" smtClean="0"/>
+                        <a:t>9</a:t>
+                      </a:r>
+                      <a:endParaRPr lang="en-US"/>
+                    </a:p>
+                  </a:txBody>
+                  <a:tcPr anchor="ctr" anchorCtr="1"/>
+                </a:tc>
+                <a:tc>
+                  <a:txBody>
+                    <a:bodyPr/>
+                    <a:lstStyle/>
+                    <a:p>
+                      <a:pPr algn="ctr"/>
+                      <a:r>
+                        <a:rPr lang="en-US" smtClean="0"/>
+                        <a:t>10</a:t>
+                      </a:r>
+                      <a:endParaRPr lang="en-US"/>
+                    </a:p>
+                  </a:txBody>
+                  <a:tcPr anchor="ctr" anchorCtr="1"/>
+                </a:tc>
+              </a:tr>
+              <a:tr h="370840">
+                <a:tc>
+                  <a:txBody>
+                    <a:bodyPr/>
+                    <a:lstStyle/>
+                    <a:p>
+                      <a:pPr algn="ctr"/>
+                      <a:r>
+                        <a:rPr lang="sr-Latn-RS" smtClean="0"/>
+                        <a:t>S</a:t>
+                      </a:r>
+                      <a:endParaRPr lang="en-US"/>
+                    </a:p>
+                  </a:txBody>
+                  <a:tcPr anchor="ctr" anchorCtr="1"/>
+                </a:tc>
+                <a:tc>
+                  <a:txBody>
+                    <a:bodyPr/>
+                    <a:lstStyle/>
+                    <a:p>
+                      <a:pPr algn="ctr"/>
+                      <a:r>
+                        <a:rPr lang="en-US" smtClean="0"/>
+                        <a:t>m</a:t>
+                      </a:r>
+                      <a:endParaRPr lang="en-US"/>
+                    </a:p>
+                  </a:txBody>
+                  <a:tcPr anchor="ctr" anchorCtr="1"/>
+                </a:tc>
+                <a:tc>
+                  <a:txBody>
+                    <a:bodyPr/>
+                    <a:lstStyle/>
+                    <a:p>
+                      <a:pPr algn="ctr"/>
+                      <a:r>
+                        <a:rPr lang="en-US" smtClean="0"/>
+                        <a:t>i</a:t>
+                      </a:r>
+                      <a:endParaRPr lang="en-US"/>
+                    </a:p>
+                  </a:txBody>
+                  <a:tcPr anchor="ctr" anchorCtr="1"/>
+                </a:tc>
+                <a:tc>
+                  <a:txBody>
+                    <a:bodyPr/>
+                    <a:lstStyle/>
+                    <a:p>
+                      <a:pPr algn="ctr"/>
+                      <a:r>
+                        <a:rPr lang="en-US" smtClean="0"/>
+                        <a:t>s</a:t>
+                      </a:r>
+                      <a:endParaRPr lang="en-US"/>
+                    </a:p>
+                  </a:txBody>
+                  <a:tcPr anchor="ctr" anchorCtr="1"/>
+                </a:tc>
+                <a:tc>
+                  <a:txBody>
+                    <a:bodyPr/>
+                    <a:lstStyle/>
+                    <a:p>
+                      <a:pPr algn="ctr"/>
+                      <a:r>
+                        <a:rPr lang="en-US" smtClean="0"/>
+                        <a:t>s</a:t>
+                      </a:r>
+                      <a:endParaRPr lang="en-US"/>
+                    </a:p>
+                  </a:txBody>
+                  <a:tcPr anchor="ctr" anchorCtr="1"/>
+                </a:tc>
+                <a:tc>
+                  <a:txBody>
+                    <a:bodyPr/>
+                    <a:lstStyle/>
+                    <a:p>
+                      <a:pPr algn="ctr"/>
+                      <a:r>
+                        <a:rPr lang="en-US" smtClean="0"/>
+                        <a:t>i</a:t>
+                      </a:r>
+                      <a:endParaRPr lang="en-US"/>
+                    </a:p>
+                  </a:txBody>
+                  <a:tcPr anchor="ctr" anchorCtr="1"/>
+                </a:tc>
+                <a:tc>
+                  <a:txBody>
+                    <a:bodyPr/>
+                    <a:lstStyle/>
+                    <a:p>
+                      <a:pPr algn="ctr"/>
+                      <a:r>
+                        <a:rPr lang="en-US" smtClean="0"/>
+                        <a:t>s</a:t>
+                      </a:r>
+                      <a:endParaRPr lang="en-US"/>
+                    </a:p>
+                  </a:txBody>
+                  <a:tcPr anchor="ctr" anchorCtr="1"/>
+                </a:tc>
+                <a:tc>
+                  <a:txBody>
+                    <a:bodyPr/>
+                    <a:lstStyle/>
+                    <a:p>
+                      <a:pPr algn="ctr"/>
+                      <a:r>
+                        <a:rPr lang="en-US" smtClean="0"/>
+                        <a:t>s</a:t>
+                      </a:r>
+                      <a:endParaRPr lang="en-US"/>
+                    </a:p>
+                  </a:txBody>
+                  <a:tcPr anchor="ctr" anchorCtr="1"/>
+                </a:tc>
+                <a:tc>
+                  <a:txBody>
+                    <a:bodyPr/>
+                    <a:lstStyle/>
+                    <a:p>
+                      <a:pPr algn="ctr"/>
+                      <a:r>
+                        <a:rPr lang="en-US" smtClean="0"/>
+                        <a:t>i</a:t>
+                      </a:r>
+                      <a:endParaRPr lang="en-US"/>
+                    </a:p>
+                  </a:txBody>
+                  <a:tcPr anchor="ctr" anchorCtr="1"/>
+                </a:tc>
+                <a:tc>
+                  <a:txBody>
+                    <a:bodyPr/>
+                    <a:lstStyle/>
+                    <a:p>
+                      <a:pPr algn="ctr"/>
+                      <a:r>
+                        <a:rPr lang="en-US" smtClean="0"/>
+                        <a:t>p</a:t>
+                      </a:r>
+                      <a:endParaRPr lang="en-US"/>
+                    </a:p>
+                  </a:txBody>
+                  <a:tcPr anchor="ctr" anchorCtr="1"/>
+                </a:tc>
+                <a:tc>
+                  <a:txBody>
+                    <a:bodyPr/>
+                    <a:lstStyle/>
+                    <a:p>
+                      <a:pPr algn="ctr"/>
+                      <a:r>
+                        <a:rPr lang="en-US" smtClean="0"/>
+                        <a:t>p</a:t>
+                      </a:r>
+                      <a:endParaRPr lang="en-US"/>
+                    </a:p>
+                  </a:txBody>
+                  <a:tcPr anchor="ctr" anchorCtr="1"/>
+                </a:tc>
+                <a:tc>
+                  <a:txBody>
+                    <a:bodyPr/>
+                    <a:lstStyle/>
+                    <a:p>
+                      <a:pPr algn="ctr"/>
+                      <a:r>
+                        <a:rPr lang="en-US" smtClean="0"/>
+                        <a:t>i</a:t>
+                      </a:r>
+                      <a:endParaRPr lang="en-US"/>
+                    </a:p>
+                  </a:txBody>
+                  <a:tcPr anchor="ctr" anchorCtr="1"/>
+                </a:tc>
+              </a:tr>
+            </a:tbl>
+          </a:graphicData>
+        </a:graphic>
+      </p:graphicFrame>
+      <p:graphicFrame>
+        <p:nvGraphicFramePr>
+          <p:cNvPr id="10" name="Table 9"/>
+          <p:cNvGraphicFramePr>
+            <a:graphicFrameLocks noGrp="1"/>
+          </p:cNvGraphicFramePr>
+          <p:nvPr/>
+        </p:nvGraphicFramePr>
+        <p:xfrm>
+          <a:off x="609600" y="5715000"/>
+          <a:ext cx="8001000" cy="370840"/>
+        </p:xfrm>
+        <a:graphic>
+          <a:graphicData uri="http://schemas.openxmlformats.org/drawingml/2006/table">
+            <a:tbl>
+              <a:tblPr firstCol="1" bandRow="1">
+                <a:tableStyleId>{7DF18680-E054-41AD-8BC1-D1AEF772440D}</a:tableStyleId>
+              </a:tblPr>
+              <a:tblGrid>
+                <a:gridCol w="666750"/>
+                <a:gridCol w="666750"/>
+                <a:gridCol w="666750"/>
+                <a:gridCol w="666750"/>
+                <a:gridCol w="666750"/>
+                <a:gridCol w="666750"/>
+                <a:gridCol w="666750"/>
+                <a:gridCol w="666750"/>
+                <a:gridCol w="666750"/>
+                <a:gridCol w="666750"/>
+                <a:gridCol w="666750"/>
+                <a:gridCol w="666750"/>
+              </a:tblGrid>
+              <a:tr h="370840">
+                <a:tc>
+                  <a:txBody>
+                    <a:bodyPr/>
+                    <a:lstStyle/>
+                    <a:p>
+                      <a:pPr algn="ctr"/>
+                      <a:r>
+                        <a:rPr lang="sr-Latn-RS" smtClean="0"/>
+                        <a:t>SA</a:t>
+                      </a:r>
+                      <a:endParaRPr lang="en-US"/>
+                    </a:p>
+                  </a:txBody>
+                  <a:tcPr anchor="ctr" anchorCtr="1"/>
+                </a:tc>
+                <a:tc>
+                  <a:txBody>
+                    <a:bodyPr/>
+                    <a:lstStyle/>
+                    <a:p>
+                      <a:pPr algn="ctr"/>
+                      <a:r>
+                        <a:rPr lang="en-US" smtClean="0"/>
+                        <a:t>{10,</a:t>
+                      </a:r>
+                      <a:endParaRPr lang="en-US"/>
+                    </a:p>
+                  </a:txBody>
+                  <a:tcPr anchor="ctr" anchorCtr="1"/>
+                </a:tc>
+                <a:tc>
+                  <a:txBody>
+                    <a:bodyPr/>
+                    <a:lstStyle/>
+                    <a:p>
+                      <a:pPr algn="ctr"/>
+                      <a:r>
+                        <a:rPr lang="en-US" smtClean="0"/>
+                        <a:t>7,</a:t>
+                      </a:r>
+                      <a:endParaRPr lang="en-US"/>
+                    </a:p>
+                  </a:txBody>
+                  <a:tcPr anchor="ctr" anchorCtr="1"/>
+                </a:tc>
+                <a:tc>
+                  <a:txBody>
+                    <a:bodyPr/>
+                    <a:lstStyle/>
+                    <a:p>
+                      <a:pPr algn="ctr"/>
+                      <a:r>
+                        <a:rPr lang="en-US" smtClean="0"/>
+                        <a:t>4,</a:t>
+                      </a:r>
+                      <a:endParaRPr lang="en-US"/>
+                    </a:p>
+                  </a:txBody>
+                  <a:tcPr anchor="ctr" anchorCtr="1"/>
+                </a:tc>
+                <a:tc>
+                  <a:txBody>
+                    <a:bodyPr/>
+                    <a:lstStyle/>
+                    <a:p>
+                      <a:pPr algn="ctr"/>
+                      <a:r>
+                        <a:rPr lang="en-US" smtClean="0"/>
+                        <a:t>1}</a:t>
+                      </a:r>
+                      <a:endParaRPr lang="en-US"/>
+                    </a:p>
+                  </a:txBody>
+                  <a:tcPr anchor="ctr" anchorCtr="1"/>
+                </a:tc>
+                <a:tc>
+                  <a:txBody>
+                    <a:bodyPr/>
+                    <a:lstStyle/>
+                    <a:p>
+                      <a:pPr algn="ctr"/>
+                      <a:r>
+                        <a:rPr lang="en-US" smtClean="0"/>
+                        <a:t>{0}</a:t>
+                      </a:r>
+                      <a:endParaRPr lang="en-US"/>
+                    </a:p>
+                  </a:txBody>
+                  <a:tcPr anchor="ctr" anchorCtr="1"/>
+                </a:tc>
+                <a:tc>
+                  <a:txBody>
+                    <a:bodyPr/>
+                    <a:lstStyle/>
+                    <a:p>
+                      <a:pPr algn="ctr"/>
+                      <a:r>
+                        <a:rPr lang="en-US" smtClean="0"/>
+                        <a:t>{9,</a:t>
+                      </a:r>
+                      <a:endParaRPr lang="en-US"/>
+                    </a:p>
+                  </a:txBody>
+                  <a:tcPr anchor="ctr" anchorCtr="1"/>
+                </a:tc>
+                <a:tc>
+                  <a:txBody>
+                    <a:bodyPr/>
+                    <a:lstStyle/>
+                    <a:p>
+                      <a:pPr algn="ctr"/>
+                      <a:r>
+                        <a:rPr lang="en-US" smtClean="0"/>
+                        <a:t>8}</a:t>
+                      </a:r>
+                      <a:endParaRPr lang="en-US"/>
+                    </a:p>
+                  </a:txBody>
+                  <a:tcPr anchor="ctr" anchorCtr="1"/>
+                </a:tc>
+                <a:tc>
+                  <a:txBody>
+                    <a:bodyPr/>
+                    <a:lstStyle/>
+                    <a:p>
+                      <a:pPr algn="ctr"/>
+                      <a:r>
+                        <a:rPr lang="en-US" smtClean="0"/>
+                        <a:t>{6,</a:t>
+                      </a:r>
+                      <a:endParaRPr lang="en-US"/>
+                    </a:p>
+                  </a:txBody>
+                  <a:tcPr anchor="ctr" anchorCtr="1"/>
+                </a:tc>
+                <a:tc>
+                  <a:txBody>
+                    <a:bodyPr/>
+                    <a:lstStyle/>
+                    <a:p>
+                      <a:pPr algn="ctr"/>
+                      <a:r>
+                        <a:rPr lang="en-US" smtClean="0"/>
+                        <a:t>3,</a:t>
+                      </a:r>
+                      <a:endParaRPr lang="en-US"/>
+                    </a:p>
+                  </a:txBody>
+                  <a:tcPr anchor="ctr" anchorCtr="1"/>
+                </a:tc>
+                <a:tc>
+                  <a:txBody>
+                    <a:bodyPr/>
+                    <a:lstStyle/>
+                    <a:p>
+                      <a:pPr algn="ctr"/>
+                      <a:r>
+                        <a:rPr lang="en-US" smtClean="0"/>
+                        <a:t>5,</a:t>
+                      </a:r>
+                      <a:endParaRPr lang="en-US"/>
+                    </a:p>
+                  </a:txBody>
+                  <a:tcPr anchor="ctr" anchorCtr="1"/>
+                </a:tc>
+                <a:tc>
+                  <a:txBody>
+                    <a:bodyPr/>
+                    <a:lstStyle/>
+                    <a:p>
+                      <a:pPr algn="ctr"/>
+                      <a:r>
+                        <a:rPr lang="en-US" smtClean="0"/>
+                        <a:t>2}</a:t>
+                      </a:r>
+                      <a:endParaRPr lang="en-US"/>
+                    </a:p>
+                  </a:txBody>
+                  <a:tcPr anchor="ctr" anchorCtr="1"/>
+                </a:tc>
+              </a:tr>
+            </a:tbl>
+          </a:graphicData>
+        </a:graphic>
+      </p:graphicFrame>
+      <p:sp>
+        <p:nvSpPr>
+          <p:cNvPr id="11" name="Content Placeholder 2"/>
+          <p:cNvSpPr txBox="1">
+            <a:spLocks/>
+          </p:cNvSpPr>
+          <p:nvPr/>
+        </p:nvSpPr>
+        <p:spPr>
+          <a:xfrm>
+            <a:off x="609600" y="5105400"/>
+            <a:ext cx="8001000" cy="533400"/>
+          </a:xfrm>
+          <a:prstGeom prst="rect">
+            <a:avLst/>
+          </a:prstGeom>
+        </p:spPr>
+        <p:txBody>
+          <a:bodyPr vert="horz" lIns="91440" tIns="45720" rIns="91440" bIns="45720" rtlCol="0">
+            <a:normAutofit fontScale="92500" lnSpcReduction="10000"/>
+          </a:bodyPr>
+          <a:lstStyle/>
+          <a:p>
+            <a:pPr marL="342900" marR="0" lvl="0" indent="-342900" algn="l" defTabSz="914400" rtl="0" eaLnBrk="1" fontAlgn="auto" latinLnBrk="0" hangingPunct="1">
+              <a:lnSpc>
+                <a:spcPct val="100000"/>
+              </a:lnSpc>
+              <a:spcBef>
+                <a:spcPct val="20000"/>
+              </a:spcBef>
+              <a:spcAft>
+                <a:spcPts val="0"/>
+              </a:spcAft>
+              <a:buClrTx/>
+              <a:buSzTx/>
+              <a:buFont typeface="Arial" pitchFamily="34" charset="0"/>
+              <a:buChar char="•"/>
+              <a:tabLst/>
+              <a:defRPr/>
+            </a:pPr>
+            <a:r>
+              <a:rPr kumimoji="0" lang="pl-PL" sz="3200" b="0" i="0" u="none" strike="noStrike" kern="1200" cap="none" spc="0" normalizeH="0" baseline="0" noProof="0" smtClean="0">
+                <a:ln>
+                  <a:noFill/>
+                </a:ln>
+                <a:solidFill>
+                  <a:schemeClr val="tx1"/>
+                </a:solidFill>
+                <a:effectLst/>
+                <a:uLnTx/>
+                <a:uFillTx/>
+                <a:latin typeface="+mn-lt"/>
+                <a:ea typeface="+mn-ea"/>
+                <a:cs typeface="+mn-cs"/>
+              </a:rPr>
+              <a:t>Indukcija – određivanje</a:t>
+            </a:r>
+            <a:r>
+              <a:rPr kumimoji="0" lang="pl-PL" sz="3200" b="0" i="0" u="none" strike="noStrike" kern="1200" cap="none" spc="0" normalizeH="0" noProof="0" smtClean="0">
+                <a:ln>
+                  <a:noFill/>
+                </a:ln>
+                <a:solidFill>
+                  <a:schemeClr val="tx1"/>
+                </a:solidFill>
+                <a:effectLst/>
+                <a:uLnTx/>
+                <a:uFillTx/>
+                <a:latin typeface="+mn-lt"/>
+                <a:ea typeface="+mn-ea"/>
+                <a:cs typeface="+mn-cs"/>
+              </a:rPr>
+              <a:t> niza redom po </a:t>
+            </a:r>
+            <a:r>
+              <a:rPr kumimoji="0" lang="pl-PL" sz="3200" b="0" i="1" u="none" strike="noStrike" kern="1200" cap="none" spc="0" normalizeH="0" noProof="0" smtClean="0">
+                <a:ln>
+                  <a:noFill/>
+                </a:ln>
+                <a:solidFill>
+                  <a:schemeClr val="tx1"/>
+                </a:solidFill>
+                <a:effectLst/>
+                <a:uLnTx/>
+                <a:uFillTx/>
+                <a:latin typeface="+mn-lt"/>
+                <a:ea typeface="+mn-ea"/>
+                <a:cs typeface="+mn-cs"/>
+              </a:rPr>
+              <a:t>LMS</a:t>
+            </a:r>
+            <a:r>
+              <a:rPr kumimoji="0" lang="pl-PL" sz="3200" b="0" i="0" u="none" strike="noStrike" kern="1200" cap="none" spc="0" normalizeH="0" noProof="0" smtClean="0">
+                <a:ln>
+                  <a:noFill/>
+                </a:ln>
+                <a:solidFill>
+                  <a:schemeClr val="tx1"/>
+                </a:solidFill>
+                <a:effectLst/>
+                <a:uLnTx/>
+                <a:uFillTx/>
+                <a:latin typeface="+mn-lt"/>
+                <a:ea typeface="+mn-ea"/>
+                <a:cs typeface="+mn-cs"/>
+              </a:rPr>
+              <a:t>, </a:t>
+            </a:r>
+            <a:r>
+              <a:rPr kumimoji="0" lang="pl-PL" sz="3200" b="0" i="1" u="none" strike="noStrike" kern="1200" cap="none" spc="0" normalizeH="0" noProof="0" smtClean="0">
+                <a:ln>
+                  <a:noFill/>
+                </a:ln>
+                <a:solidFill>
+                  <a:schemeClr val="tx1"/>
+                </a:solidFill>
+                <a:effectLst/>
+                <a:uLnTx/>
+                <a:uFillTx/>
+                <a:latin typeface="+mn-lt"/>
+                <a:ea typeface="+mn-ea"/>
+                <a:cs typeface="+mn-cs"/>
+              </a:rPr>
+              <a:t>L</a:t>
+            </a:r>
+            <a:r>
+              <a:rPr kumimoji="0" lang="pl-PL" sz="3200" b="0" i="0" u="none" strike="noStrike" kern="1200" cap="none" spc="0" normalizeH="0" noProof="0" smtClean="0">
+                <a:ln>
+                  <a:noFill/>
+                </a:ln>
+                <a:solidFill>
+                  <a:schemeClr val="tx1"/>
+                </a:solidFill>
+                <a:effectLst/>
+                <a:uLnTx/>
+                <a:uFillTx/>
+                <a:latin typeface="+mn-lt"/>
+                <a:ea typeface="+mn-ea"/>
+                <a:cs typeface="+mn-cs"/>
+              </a:rPr>
+              <a:t>, </a:t>
+            </a:r>
+            <a:r>
+              <a:rPr kumimoji="0" lang="pl-PL" sz="3200" b="0" i="1" u="none" strike="noStrike" kern="1200" cap="none" spc="0" normalizeH="0" noProof="0" smtClean="0">
+                <a:ln>
+                  <a:noFill/>
+                </a:ln>
+                <a:solidFill>
+                  <a:schemeClr val="tx1"/>
+                </a:solidFill>
+                <a:effectLst/>
+                <a:uLnTx/>
+                <a:uFillTx/>
+                <a:latin typeface="+mn-lt"/>
+                <a:ea typeface="+mn-ea"/>
+                <a:cs typeface="+mn-cs"/>
+              </a:rPr>
+              <a:t>S</a:t>
+            </a:r>
+            <a:endParaRPr kumimoji="0" lang="en-US" sz="3200" b="0" i="1" u="none" strike="noStrike" kern="1200" cap="none" spc="0" normalizeH="0" baseline="0" noProof="0">
+              <a:ln>
+                <a:noFill/>
+              </a:ln>
+              <a:solidFill>
+                <a:schemeClr val="tx1"/>
+              </a:solidFill>
+              <a:effectLst/>
+              <a:uLnTx/>
+              <a:uFillTx/>
+              <a:latin typeface="+mn-lt"/>
+              <a:ea typeface="+mn-ea"/>
+              <a:cs typeface="+mn-cs"/>
+            </a:endParaRPr>
+          </a:p>
+        </p:txBody>
+      </p:sp>
+    </p:spTree>
+  </p:cSld>
+  <p:clrMapOvr>
+    <a:masterClrMapping/>
+  </p:clrMapOvr>
+  <p:timing>
+    <p:tnLst>
+      <p:par>
+        <p:cTn id="1" dur="indefinite" restart="never" nodeType="tmRoot"/>
+      </p:par>
+    </p:tnLst>
+  </p:timing>
+</p:sld>
+</file>
+
+<file path=ppt/slides/slide17.xml><?xml version="1.0" encoding="utf-8"?>
+<p:sld xmlns:a="http://schemas.openxmlformats.org/drawingml/2006/main" xmlns:r="http://schemas.openxmlformats.org/officeDocument/2006/relationships" xmlns:p="http://schemas.openxmlformats.org/presentationml/2006/main">
+  <p:cSld>
+    <p:spTree>
+      <p:nvGrpSpPr>
+        <p:cNvPr id="1" name=""/>
+        <p:cNvGrpSpPr/>
+        <p:nvPr/>
+      </p:nvGrpSpPr>
+      <p:grpSpPr>
+        <a:xfrm>
+          <a:off x="0" y="0"/>
+          <a:ext cx="0" cy="0"/>
+          <a:chOff x="0" y="0"/>
+          <a:chExt cx="0" cy="0"/>
+        </a:xfrm>
+      </p:grpSpPr>
+      <p:sp>
+        <p:nvSpPr>
+          <p:cNvPr id="2" name="Title 1"/>
+          <p:cNvSpPr>
+            <a:spLocks noGrp="1"/>
+          </p:cNvSpPr>
+          <p:nvPr>
+            <p:ph type="title"/>
+          </p:nvPr>
+        </p:nvSpPr>
+        <p:spPr/>
+        <p:txBody>
+          <a:bodyPr/>
+          <a:lstStyle/>
+          <a:p>
+            <a:r>
+              <a:rPr lang="sr-Latn-RS" smtClean="0"/>
+              <a:t>Analiza algoritma </a:t>
+            </a:r>
+            <a:r>
+              <a:rPr lang="sr-Latn-RS" i="1" smtClean="0"/>
+              <a:t>SA–IS</a:t>
+            </a:r>
+            <a:endParaRPr lang="en-US"/>
+          </a:p>
+        </p:txBody>
+      </p:sp>
+      <p:sp>
+        <p:nvSpPr>
+          <p:cNvPr id="3" name="Content Placeholder 2"/>
+          <p:cNvSpPr>
+            <a:spLocks noGrp="1"/>
+          </p:cNvSpPr>
+          <p:nvPr>
+            <p:ph idx="1"/>
+          </p:nvPr>
+        </p:nvSpPr>
+        <p:spPr>
+          <a:xfrm>
+            <a:off x="457200" y="1600200"/>
+            <a:ext cx="8229600" cy="3962399"/>
+          </a:xfrm>
+        </p:spPr>
+        <p:txBody>
+          <a:bodyPr>
+            <a:normAutofit/>
+          </a:bodyPr>
+          <a:lstStyle/>
+          <a:p>
+            <a:r>
+              <a:rPr lang="en-US" smtClean="0"/>
+              <a:t>Priprema, redukcija, indukcija</a:t>
+            </a:r>
+            <a:r>
+              <a:rPr lang="sr-Latn-RS" smtClean="0"/>
+              <a:t> – </a:t>
+            </a:r>
+            <a:r>
+              <a:rPr lang="en-US" i="1" smtClean="0"/>
+              <a:t>O</a:t>
+            </a:r>
+            <a:r>
+              <a:rPr lang="en-US" smtClean="0"/>
+              <a:t>(</a:t>
+            </a:r>
+            <a:r>
+              <a:rPr lang="en-US" i="1" smtClean="0"/>
+              <a:t>n</a:t>
+            </a:r>
+            <a:r>
+              <a:rPr lang="en-US" smtClean="0"/>
+              <a:t>)</a:t>
+            </a:r>
+            <a:endParaRPr lang="sr-Latn-RS" smtClean="0"/>
+          </a:p>
+          <a:p>
+            <a:r>
+              <a:rPr lang="sr-Latn-RS" smtClean="0"/>
+              <a:t>Rekurzivni poziv – </a:t>
+            </a:r>
+            <a:r>
+              <a:rPr lang="sr-Latn-RS" smtClean="0"/>
+              <a:t>najviše polovina veličine</a:t>
+            </a:r>
+            <a:endParaRPr lang="sr-Latn-RS" smtClean="0"/>
+          </a:p>
+          <a:p>
+            <a:r>
+              <a:rPr lang="sr-Latn-RS" smtClean="0"/>
+              <a:t>Sveukupno – </a:t>
+            </a:r>
+            <a:r>
+              <a:rPr lang="sr-Latn-RS" i="1" smtClean="0"/>
+              <a:t>T</a:t>
+            </a:r>
+            <a:r>
+              <a:rPr lang="sr-Latn-RS" smtClean="0"/>
+              <a:t>(</a:t>
+            </a:r>
+            <a:r>
+              <a:rPr lang="sr-Latn-RS" i="1" smtClean="0"/>
+              <a:t>n</a:t>
+            </a:r>
+            <a:r>
+              <a:rPr lang="sr-Latn-RS" smtClean="0"/>
+              <a:t>) = </a:t>
+            </a:r>
+            <a:r>
+              <a:rPr lang="sr-Latn-RS" i="1" smtClean="0"/>
+              <a:t>T</a:t>
+            </a:r>
+            <a:r>
+              <a:rPr lang="sr-Latn-RS" smtClean="0"/>
+              <a:t>(½</a:t>
+            </a:r>
+            <a:r>
+              <a:rPr lang="sr-Latn-RS" i="1" smtClean="0"/>
+              <a:t>n</a:t>
+            </a:r>
+            <a:r>
+              <a:rPr lang="sr-Latn-RS" smtClean="0"/>
+              <a:t>) + </a:t>
+            </a:r>
+            <a:r>
+              <a:rPr lang="sr-Latn-RS" i="1" smtClean="0"/>
+              <a:t>O</a:t>
+            </a:r>
+            <a:r>
+              <a:rPr lang="sr-Latn-RS" smtClean="0"/>
+              <a:t>(</a:t>
+            </a:r>
+            <a:r>
+              <a:rPr lang="sr-Latn-RS" i="1" smtClean="0"/>
+              <a:t>n</a:t>
+            </a:r>
+            <a:r>
+              <a:rPr lang="sr-Latn-RS" smtClean="0"/>
+              <a:t>)</a:t>
+            </a:r>
+            <a:r>
+              <a:rPr lang="en-US" smtClean="0"/>
+              <a:t> </a:t>
+            </a:r>
+            <a:r>
+              <a:rPr lang="en-US" smtClean="0"/>
+              <a:t>= </a:t>
+            </a:r>
+            <a:r>
+              <a:rPr lang="en-US" i="1" smtClean="0"/>
+              <a:t>O</a:t>
+            </a:r>
+            <a:r>
+              <a:rPr lang="en-US" smtClean="0"/>
+              <a:t>(</a:t>
+            </a:r>
+            <a:r>
+              <a:rPr lang="en-US" i="1" smtClean="0"/>
+              <a:t>n</a:t>
+            </a:r>
+            <a:r>
+              <a:rPr lang="en-US" smtClean="0"/>
+              <a:t>)</a:t>
+            </a:r>
+            <a:endParaRPr lang="sr-Latn-RS" smtClean="0"/>
+          </a:p>
+          <a:p>
+            <a:r>
+              <a:rPr lang="sr-Latn-RS" smtClean="0"/>
+              <a:t>Autori – Nung (</a:t>
+            </a:r>
+            <a:r>
+              <a:rPr lang="sr-Latn-RS" i="1" smtClean="0"/>
+              <a:t>Nong</a:t>
+            </a:r>
+            <a:r>
+              <a:rPr lang="sr-Latn-RS" smtClean="0"/>
+              <a:t>), Džang (</a:t>
+            </a:r>
+            <a:r>
+              <a:rPr lang="sr-Latn-RS" i="1" smtClean="0"/>
+              <a:t>Zhang</a:t>
+            </a:r>
+            <a:r>
+              <a:rPr lang="sr-Latn-RS" smtClean="0"/>
+              <a:t>)</a:t>
+            </a:r>
+            <a:r>
+              <a:rPr lang="sr-Latn-RS" i="1" smtClean="0"/>
+              <a:t>,</a:t>
+            </a:r>
+            <a:r>
+              <a:rPr lang="sr-Latn-RS" smtClean="0"/>
+              <a:t> Čan (</a:t>
+            </a:r>
+            <a:r>
+              <a:rPr lang="sr-Latn-RS" i="1" smtClean="0"/>
+              <a:t>Chan</a:t>
+            </a:r>
+            <a:r>
+              <a:rPr lang="sr-Latn-RS" smtClean="0"/>
+              <a:t>), </a:t>
+            </a:r>
+            <a:r>
+              <a:rPr lang="sr-Latn-RS" smtClean="0"/>
+              <a:t>uveden 2009, dopunjen 2011.</a:t>
+            </a:r>
+            <a:endParaRPr lang="sr-Latn-RS" smtClean="0"/>
+          </a:p>
+          <a:p>
+            <a:r>
+              <a:rPr lang="sr-Latn-RS" smtClean="0"/>
+              <a:t>Naziv </a:t>
+            </a:r>
+            <a:r>
+              <a:rPr lang="sr-Latn-RS" smtClean="0"/>
+              <a:t>– </a:t>
+            </a:r>
+            <a:r>
+              <a:rPr lang="sr-Latn-RS" smtClean="0"/>
+              <a:t>sufiksni niz indukovanim sortiranjem (</a:t>
+            </a:r>
+            <a:r>
+              <a:rPr lang="sr-Latn-RS" i="1" smtClean="0"/>
+              <a:t>suffix array–induced sorting</a:t>
+            </a:r>
+            <a:r>
+              <a:rPr lang="sr-Latn-RS" smtClean="0"/>
+              <a:t>), </a:t>
+            </a:r>
+            <a:r>
+              <a:rPr lang="sr-Latn-RS" smtClean="0"/>
+              <a:t>može </a:t>
+            </a:r>
+            <a:r>
+              <a:rPr lang="sr-Latn-RS" smtClean="0"/>
+              <a:t>i </a:t>
+            </a:r>
+            <a:r>
+              <a:rPr lang="sr-Latn-RS" i="1" smtClean="0"/>
+              <a:t>SA–DS</a:t>
+            </a:r>
+            <a:endParaRPr lang="sr-Latn-RS" smtClean="0"/>
+          </a:p>
+        </p:txBody>
+      </p:sp>
+    </p:spTree>
+  </p:cSld>
+  <p:clrMapOvr>
+    <a:masterClrMapping/>
+  </p:clrMapOvr>
+  <p:timing>
+    <p:tnLst>
+      <p:par>
+        <p:cTn id="1" dur="indefinite" restart="never" nodeType="tmRoot"/>
+      </p:par>
+    </p:tnLst>
+  </p:timing>
+</p:sld>
+</file>
+
+<file path=ppt/slides/slide18.xml><?xml version="1.0" encoding="utf-8"?>
+<p:sld xmlns:a="http://schemas.openxmlformats.org/drawingml/2006/main" xmlns:r="http://schemas.openxmlformats.org/officeDocument/2006/relationships" xmlns:p="http://schemas.openxmlformats.org/presentationml/2006/main">
+  <p:cSld>
+    <p:spTree>
+      <p:nvGrpSpPr>
+        <p:cNvPr id="1" name=""/>
+        <p:cNvGrpSpPr/>
+        <p:nvPr/>
+      </p:nvGrpSpPr>
+      <p:grpSpPr>
+        <a:xfrm>
+          <a:off x="0" y="0"/>
+          <a:ext cx="0" cy="0"/>
+          <a:chOff x="0" y="0"/>
+          <a:chExt cx="0" cy="0"/>
+        </a:xfrm>
+      </p:grpSpPr>
+      <p:sp>
+        <p:nvSpPr>
+          <p:cNvPr id="2" name="Title 1"/>
+          <p:cNvSpPr>
+            <a:spLocks noGrp="1"/>
+          </p:cNvSpPr>
+          <p:nvPr>
+            <p:ph type="title"/>
+          </p:nvPr>
+        </p:nvSpPr>
+        <p:spPr/>
+        <p:txBody>
+          <a:bodyPr/>
+          <a:lstStyle/>
+          <a:p>
+            <a:r>
+              <a:rPr lang="sr-Latn-RS" smtClean="0"/>
+              <a:t>Implementacij</a:t>
+            </a:r>
+            <a:r>
+              <a:rPr lang="en-US" smtClean="0"/>
+              <a:t>a</a:t>
+            </a:r>
+            <a:r>
+              <a:rPr lang="sr-Latn-RS" smtClean="0"/>
+              <a:t> algoritama</a:t>
             </a:r>
             <a:endParaRPr lang="en-US"/>
           </a:p>
@@ -8110,11 +10138,7 @@
           <a:p>
             <a:r>
               <a:rPr lang="sr-Latn-RS" smtClean="0"/>
-              <a:t>Korišćeno – programski jezik C++, grafikon vremena rada Qt, histogrami matplotli</a:t>
-            </a:r>
-            <a:r>
-              <a:rPr lang="sr-Latn-RS" smtClean="0"/>
-              <a:t>b</a:t>
+              <a:t>Korišćeno – programski jezik C++, grafikon vremena rada Qt, histogrami matplotlib</a:t>
             </a:r>
           </a:p>
           <a:p>
@@ -8212,1706 +10236,6 @@
 </p:sld>
 </file>
 
-<file path=ppt/slides/slide17.xml><?xml version="1.0" encoding="utf-8"?>
-<p:sld xmlns:a="http://schemas.openxmlformats.org/drawingml/2006/main" xmlns:r="http://schemas.openxmlformats.org/officeDocument/2006/relationships" xmlns:p="http://schemas.openxmlformats.org/presentationml/2006/main">
-  <p:cSld>
-    <p:spTree>
-      <p:nvGrpSpPr>
-        <p:cNvPr id="1" name=""/>
-        <p:cNvGrpSpPr/>
-        <p:nvPr/>
-      </p:nvGrpSpPr>
-      <p:grpSpPr>
-        <a:xfrm>
-          <a:off x="0" y="0"/>
-          <a:ext cx="0" cy="0"/>
-          <a:chOff x="0" y="0"/>
-          <a:chExt cx="0" cy="0"/>
-        </a:xfrm>
-      </p:grpSpPr>
-      <p:sp>
-        <p:nvSpPr>
-          <p:cNvPr id="2" name="Title 1"/>
-          <p:cNvSpPr>
-            <a:spLocks noGrp="1"/>
-          </p:cNvSpPr>
-          <p:nvPr>
-            <p:ph type="title"/>
-          </p:nvPr>
-        </p:nvSpPr>
-        <p:spPr/>
-        <p:txBody>
-          <a:bodyPr/>
-          <a:lstStyle/>
-          <a:p>
-            <a:r>
-              <a:rPr lang="sr-Latn-RS" smtClean="0"/>
-              <a:t>Grafikon vremena rada</a:t>
-            </a:r>
-            <a:endParaRPr lang="en-US"/>
-          </a:p>
-        </p:txBody>
-      </p:sp>
-      <p:pic>
-        <p:nvPicPr>
-          <p:cNvPr id="6" name="Picture 5" descr="1024px-Proline-from-xtal-3D-bs-17-view-B.png"/>
-          <p:cNvPicPr>
-            <a:picLocks noChangeAspect="1"/>
-          </p:cNvPicPr>
-          <p:nvPr/>
-        </p:nvPicPr>
-        <p:blipFill>
-          <a:blip r:embed="rId2" cstate="print"/>
-          <a:stretch>
-            <a:fillRect/>
-          </a:stretch>
-        </p:blipFill>
-        <p:spPr>
-          <a:xfrm>
-            <a:off x="457200" y="1371600"/>
-            <a:ext cx="8305800" cy="5047992"/>
-          </a:xfrm>
-          <a:prstGeom prst="rect">
-            <a:avLst/>
-          </a:prstGeom>
-        </p:spPr>
-      </p:pic>
-    </p:spTree>
-  </p:cSld>
-  <p:clrMapOvr>
-    <a:masterClrMapping/>
-  </p:clrMapOvr>
-  <p:timing>
-    <p:tnLst>
-      <p:par>
-        <p:cTn id="1" dur="indefinite" restart="never" nodeType="tmRoot"/>
-      </p:par>
-    </p:tnLst>
-  </p:timing>
-</p:sld>
-</file>
-
-<file path=ppt/slides/slide18.xml><?xml version="1.0" encoding="utf-8"?>
-<p:sld xmlns:a="http://schemas.openxmlformats.org/drawingml/2006/main" xmlns:r="http://schemas.openxmlformats.org/officeDocument/2006/relationships" xmlns:p="http://schemas.openxmlformats.org/presentationml/2006/main">
-  <p:cSld>
-    <p:spTree>
-      <p:nvGrpSpPr>
-        <p:cNvPr id="1" name=""/>
-        <p:cNvGrpSpPr/>
-        <p:nvPr/>
-      </p:nvGrpSpPr>
-      <p:grpSpPr>
-        <a:xfrm>
-          <a:off x="0" y="0"/>
-          <a:ext cx="0" cy="0"/>
-          <a:chOff x="0" y="0"/>
-          <a:chExt cx="0" cy="0"/>
-        </a:xfrm>
-      </p:grpSpPr>
-      <p:sp>
-        <p:nvSpPr>
-          <p:cNvPr id="2" name="Title 1"/>
-          <p:cNvSpPr>
-            <a:spLocks noGrp="1"/>
-          </p:cNvSpPr>
-          <p:nvPr>
-            <p:ph type="title"/>
-          </p:nvPr>
-        </p:nvSpPr>
-        <p:spPr/>
-        <p:txBody>
-          <a:bodyPr/>
-          <a:lstStyle/>
-          <a:p>
-            <a:r>
-              <a:rPr lang="sr-Latn-RS" smtClean="0"/>
-              <a:t>Tabela vremena rada</a:t>
-            </a:r>
-            <a:endParaRPr lang="en-US"/>
-          </a:p>
-        </p:txBody>
-      </p:sp>
-      <p:graphicFrame>
-        <p:nvGraphicFramePr>
-          <p:cNvPr id="5" name="Table 4"/>
-          <p:cNvGraphicFramePr>
-            <a:graphicFrameLocks noGrp="1"/>
-          </p:cNvGraphicFramePr>
-          <p:nvPr/>
-        </p:nvGraphicFramePr>
-        <p:xfrm>
-          <a:off x="609600" y="1371600"/>
-          <a:ext cx="7924798" cy="3708400"/>
-        </p:xfrm>
-        <a:graphic>
-          <a:graphicData uri="http://schemas.openxmlformats.org/drawingml/2006/table">
-            <a:tbl>
-              <a:tblPr firstRow="1" bandRow="1">
-                <a:tableStyleId>{7DF18680-E054-41AD-8BC1-D1AEF772440D}</a:tableStyleId>
-              </a:tblPr>
-              <a:tblGrid>
-                <a:gridCol w="838200"/>
-                <a:gridCol w="922867"/>
-                <a:gridCol w="880533"/>
-                <a:gridCol w="880533"/>
-                <a:gridCol w="880533"/>
-                <a:gridCol w="880533"/>
-                <a:gridCol w="880533"/>
-                <a:gridCol w="880533"/>
-                <a:gridCol w="880533"/>
-              </a:tblGrid>
-              <a:tr h="370840">
-                <a:tc rowSpan="2">
-                  <a:txBody>
-                    <a:bodyPr/>
-                    <a:lstStyle/>
-                    <a:p>
-                      <a:pPr algn="ctr"/>
-                      <a:r>
-                        <a:rPr lang="sr-Latn-RS" baseline="0" smtClean="0"/>
-                        <a:t>n</a:t>
-                      </a:r>
-                      <a:endParaRPr lang="en-US"/>
-                    </a:p>
-                  </a:txBody>
-                  <a:tcPr anchor="ctr" anchorCtr="1"/>
-                </a:tc>
-                <a:tc gridSpan="2">
-                  <a:txBody>
-                    <a:bodyPr/>
-                    <a:lstStyle/>
-                    <a:p>
-                      <a:pPr algn="ctr"/>
-                      <a:r>
-                        <a:rPr lang="sr-Latn-RS" smtClean="0"/>
-                        <a:t>Naivno</a:t>
-                      </a:r>
-                      <a:endParaRPr lang="en-US"/>
-                    </a:p>
-                  </a:txBody>
-                  <a:tcPr anchor="ctr" anchorCtr="1"/>
-                </a:tc>
-                <a:tc hMerge="1">
-                  <a:txBody>
-                    <a:bodyPr/>
-                    <a:lstStyle/>
-                    <a:p>
-                      <a:pPr algn="ctr"/>
-                      <a:endParaRPr lang="en-US"/>
-                    </a:p>
-                  </a:txBody>
-                  <a:tcPr anchor="ctr" anchorCtr="1"/>
-                </a:tc>
-                <a:tc gridSpan="2">
-                  <a:txBody>
-                    <a:bodyPr/>
-                    <a:lstStyle/>
-                    <a:p>
-                      <a:pPr algn="ctr"/>
-                      <a:r>
-                        <a:rPr lang="sr-Latn-RS" smtClean="0"/>
-                        <a:t>Dupliranje</a:t>
-                      </a:r>
-                      <a:endParaRPr lang="en-US"/>
-                    </a:p>
-                  </a:txBody>
-                  <a:tcPr anchor="ctr" anchorCtr="1"/>
-                </a:tc>
-                <a:tc hMerge="1">
-                  <a:txBody>
-                    <a:bodyPr/>
-                    <a:lstStyle/>
-                    <a:p>
-                      <a:pPr algn="ctr"/>
-                      <a:endParaRPr lang="en-US"/>
-                    </a:p>
-                  </a:txBody>
-                  <a:tcPr anchor="ctr" anchorCtr="1"/>
-                </a:tc>
-                <a:tc gridSpan="2">
-                  <a:txBody>
-                    <a:bodyPr/>
-                    <a:lstStyle/>
-                    <a:p>
-                      <a:pPr algn="ctr"/>
-                      <a:r>
-                        <a:rPr lang="sr-Latn-RS" smtClean="0"/>
-                        <a:t>DC3 / skew</a:t>
-                      </a:r>
-                      <a:endParaRPr lang="en-US"/>
-                    </a:p>
-                  </a:txBody>
-                  <a:tcPr anchor="ctr" anchorCtr="1"/>
-                </a:tc>
-                <a:tc hMerge="1">
-                  <a:txBody>
-                    <a:bodyPr/>
-                    <a:lstStyle/>
-                    <a:p>
-                      <a:pPr algn="ctr"/>
-                      <a:endParaRPr lang="en-US"/>
-                    </a:p>
-                  </a:txBody>
-                  <a:tcPr anchor="ctr" anchorCtr="1"/>
-                </a:tc>
-                <a:tc gridSpan="2">
-                  <a:txBody>
-                    <a:bodyPr/>
-                    <a:lstStyle/>
-                    <a:p>
-                      <a:pPr algn="ctr"/>
-                      <a:r>
-                        <a:rPr lang="sr-Latn-RS" smtClean="0"/>
-                        <a:t>SA-IS</a:t>
-                      </a:r>
-                      <a:endParaRPr lang="en-US"/>
-                    </a:p>
-                  </a:txBody>
-                  <a:tcPr anchor="ctr" anchorCtr="1"/>
-                </a:tc>
-                <a:tc hMerge="1">
-                  <a:txBody>
-                    <a:bodyPr/>
-                    <a:lstStyle/>
-                    <a:p>
-                      <a:pPr algn="ctr"/>
-                      <a:endParaRPr lang="en-US"/>
-                    </a:p>
-                  </a:txBody>
-                  <a:tcPr anchor="ctr" anchorCtr="1"/>
-                </a:tc>
-              </a:tr>
-              <a:tr h="370840">
-                <a:tc vMerge="1">
-                  <a:txBody>
-                    <a:bodyPr/>
-                    <a:lstStyle/>
-                    <a:p>
-                      <a:pPr algn="ctr"/>
-                      <a:endParaRPr lang="en-US"/>
-                    </a:p>
-                  </a:txBody>
-                  <a:tcPr anchor="ctr" anchorCtr="1"/>
-                </a:tc>
-                <a:tc>
-                  <a:txBody>
-                    <a:bodyPr/>
-                    <a:lstStyle/>
-                    <a:p>
-                      <a:pPr algn="ctr"/>
-                      <a:r>
-                        <a:rPr lang="sr-Latn-RS" smtClean="0"/>
-                        <a:t>mean</a:t>
-                      </a:r>
-                      <a:endParaRPr lang="en-US"/>
-                    </a:p>
-                  </a:txBody>
-                  <a:tcPr anchor="ctr" anchorCtr="1"/>
-                </a:tc>
-                <a:tc>
-                  <a:txBody>
-                    <a:bodyPr/>
-                    <a:lstStyle/>
-                    <a:p>
-                      <a:pPr algn="ctr"/>
-                      <a:r>
-                        <a:rPr lang="sr-Latn-RS" smtClean="0"/>
-                        <a:t>std</a:t>
-                      </a:r>
-                      <a:endParaRPr lang="en-US"/>
-                    </a:p>
-                  </a:txBody>
-                  <a:tcPr anchor="ctr" anchorCtr="1"/>
-                </a:tc>
-                <a:tc>
-                  <a:txBody>
-                    <a:bodyPr/>
-                    <a:lstStyle/>
-                    <a:p>
-                      <a:pPr marL="0" marR="0" indent="0" algn="ctr" defTabSz="914400" rtl="0" eaLnBrk="1" fontAlgn="auto" latinLnBrk="0" hangingPunct="1">
-                        <a:lnSpc>
-                          <a:spcPct val="100000"/>
-                        </a:lnSpc>
-                        <a:spcBef>
-                          <a:spcPts val="0"/>
-                        </a:spcBef>
-                        <a:spcAft>
-                          <a:spcPts val="0"/>
-                        </a:spcAft>
-                        <a:buClrTx/>
-                        <a:buSzTx/>
-                        <a:buFontTx/>
-                        <a:buNone/>
-                        <a:tabLst/>
-                        <a:defRPr/>
-                      </a:pPr>
-                      <a:r>
-                        <a:rPr lang="sr-Latn-RS" smtClean="0"/>
-                        <a:t>mean</a:t>
-                      </a:r>
-                      <a:endParaRPr lang="en-US" smtClean="0"/>
-                    </a:p>
-                  </a:txBody>
-                  <a:tcPr anchor="ctr" anchorCtr="1"/>
-                </a:tc>
-                <a:tc>
-                  <a:txBody>
-                    <a:bodyPr/>
-                    <a:lstStyle/>
-                    <a:p>
-                      <a:pPr marL="0" marR="0" indent="0" algn="ctr" defTabSz="914400" rtl="0" eaLnBrk="1" fontAlgn="auto" latinLnBrk="0" hangingPunct="1">
-                        <a:lnSpc>
-                          <a:spcPct val="100000"/>
-                        </a:lnSpc>
-                        <a:spcBef>
-                          <a:spcPts val="0"/>
-                        </a:spcBef>
-                        <a:spcAft>
-                          <a:spcPts val="0"/>
-                        </a:spcAft>
-                        <a:buClrTx/>
-                        <a:buSzTx/>
-                        <a:buFontTx/>
-                        <a:buNone/>
-                        <a:tabLst/>
-                        <a:defRPr/>
-                      </a:pPr>
-                      <a:r>
-                        <a:rPr lang="sr-Latn-RS" smtClean="0"/>
-                        <a:t>std</a:t>
-                      </a:r>
-                      <a:endParaRPr lang="en-US"/>
-                    </a:p>
-                  </a:txBody>
-                  <a:tcPr anchor="ctr" anchorCtr="1"/>
-                </a:tc>
-                <a:tc>
-                  <a:txBody>
-                    <a:bodyPr/>
-                    <a:lstStyle/>
-                    <a:p>
-                      <a:pPr marL="0" marR="0" indent="0" algn="ctr" defTabSz="914400" rtl="0" eaLnBrk="1" fontAlgn="auto" latinLnBrk="0" hangingPunct="1">
-                        <a:lnSpc>
-                          <a:spcPct val="100000"/>
-                        </a:lnSpc>
-                        <a:spcBef>
-                          <a:spcPts val="0"/>
-                        </a:spcBef>
-                        <a:spcAft>
-                          <a:spcPts val="0"/>
-                        </a:spcAft>
-                        <a:buClrTx/>
-                        <a:buSzTx/>
-                        <a:buFontTx/>
-                        <a:buNone/>
-                        <a:tabLst/>
-                        <a:defRPr/>
-                      </a:pPr>
-                      <a:r>
-                        <a:rPr lang="sr-Latn-RS" smtClean="0"/>
-                        <a:t>mean</a:t>
-                      </a:r>
-                      <a:endParaRPr lang="en-US"/>
-                    </a:p>
-                  </a:txBody>
-                  <a:tcPr anchor="ctr" anchorCtr="1"/>
-                </a:tc>
-                <a:tc>
-                  <a:txBody>
-                    <a:bodyPr/>
-                    <a:lstStyle/>
-                    <a:p>
-                      <a:pPr marL="0" marR="0" indent="0" algn="ctr" defTabSz="914400" rtl="0" eaLnBrk="1" fontAlgn="auto" latinLnBrk="0" hangingPunct="1">
-                        <a:lnSpc>
-                          <a:spcPct val="100000"/>
-                        </a:lnSpc>
-                        <a:spcBef>
-                          <a:spcPts val="0"/>
-                        </a:spcBef>
-                        <a:spcAft>
-                          <a:spcPts val="0"/>
-                        </a:spcAft>
-                        <a:buClrTx/>
-                        <a:buSzTx/>
-                        <a:buFontTx/>
-                        <a:buNone/>
-                        <a:tabLst/>
-                        <a:defRPr/>
-                      </a:pPr>
-                      <a:r>
-                        <a:rPr lang="sr-Latn-RS" smtClean="0"/>
-                        <a:t>std</a:t>
-                      </a:r>
-                      <a:endParaRPr lang="en-US"/>
-                    </a:p>
-                  </a:txBody>
-                  <a:tcPr anchor="ctr" anchorCtr="1"/>
-                </a:tc>
-                <a:tc>
-                  <a:txBody>
-                    <a:bodyPr/>
-                    <a:lstStyle/>
-                    <a:p>
-                      <a:pPr marL="0" marR="0" indent="0" algn="ctr" defTabSz="914400" rtl="0" eaLnBrk="1" fontAlgn="auto" latinLnBrk="0" hangingPunct="1">
-                        <a:lnSpc>
-                          <a:spcPct val="100000"/>
-                        </a:lnSpc>
-                        <a:spcBef>
-                          <a:spcPts val="0"/>
-                        </a:spcBef>
-                        <a:spcAft>
-                          <a:spcPts val="0"/>
-                        </a:spcAft>
-                        <a:buClrTx/>
-                        <a:buSzTx/>
-                        <a:buFontTx/>
-                        <a:buNone/>
-                        <a:tabLst/>
-                        <a:defRPr/>
-                      </a:pPr>
-                      <a:r>
-                        <a:rPr lang="sr-Latn-RS" smtClean="0"/>
-                        <a:t>mean</a:t>
-                      </a:r>
-                      <a:endParaRPr lang="en-US"/>
-                    </a:p>
-                  </a:txBody>
-                  <a:tcPr anchor="ctr" anchorCtr="1"/>
-                </a:tc>
-                <a:tc>
-                  <a:txBody>
-                    <a:bodyPr/>
-                    <a:lstStyle/>
-                    <a:p>
-                      <a:pPr marL="0" marR="0" indent="0" algn="ctr" defTabSz="914400" rtl="0" eaLnBrk="1" fontAlgn="auto" latinLnBrk="0" hangingPunct="1">
-                        <a:lnSpc>
-                          <a:spcPct val="100000"/>
-                        </a:lnSpc>
-                        <a:spcBef>
-                          <a:spcPts val="0"/>
-                        </a:spcBef>
-                        <a:spcAft>
-                          <a:spcPts val="0"/>
-                        </a:spcAft>
-                        <a:buClrTx/>
-                        <a:buSzTx/>
-                        <a:buFontTx/>
-                        <a:buNone/>
-                        <a:tabLst/>
-                        <a:defRPr/>
-                      </a:pPr>
-                      <a:r>
-                        <a:rPr lang="sr-Latn-RS" smtClean="0"/>
-                        <a:t>std</a:t>
-                      </a:r>
-                      <a:endParaRPr lang="en-US"/>
-                    </a:p>
-                  </a:txBody>
-                  <a:tcPr anchor="ctr" anchorCtr="1"/>
-                </a:tc>
-              </a:tr>
-              <a:tr h="370840">
-                <a:tc>
-                  <a:txBody>
-                    <a:bodyPr/>
-                    <a:lstStyle/>
-                    <a:p>
-                      <a:pPr algn="ctr"/>
-                      <a:r>
-                        <a:rPr lang="sr-Latn-RS" smtClean="0"/>
-                        <a:t>10</a:t>
-                      </a:r>
-                      <a:endParaRPr lang="en-US"/>
-                    </a:p>
-                  </a:txBody>
-                  <a:tcPr anchor="ctr" anchorCtr="1"/>
-                </a:tc>
-                <a:tc>
-                  <a:txBody>
-                    <a:bodyPr/>
-                    <a:lstStyle/>
-                    <a:p>
-                      <a:pPr algn="ctr"/>
-                      <a:r>
-                        <a:rPr lang="sr-Latn-RS" smtClean="0"/>
-                        <a:t>17,50</a:t>
-                      </a:r>
-                      <a:endParaRPr lang="en-US"/>
-                    </a:p>
-                  </a:txBody>
-                  <a:tcPr anchor="ctr" anchorCtr="1"/>
-                </a:tc>
-                <a:tc>
-                  <a:txBody>
-                    <a:bodyPr/>
-                    <a:lstStyle/>
-                    <a:p>
-                      <a:pPr algn="ctr"/>
-                      <a:r>
-                        <a:rPr lang="sr-Latn-RS" smtClean="0"/>
-                        <a:t>0,06</a:t>
-                      </a:r>
-                      <a:endParaRPr lang="en-US"/>
-                    </a:p>
-                  </a:txBody>
-                  <a:tcPr anchor="ctr" anchorCtr="1"/>
-                </a:tc>
-                <a:tc>
-                  <a:txBody>
-                    <a:bodyPr/>
-                    <a:lstStyle/>
-                    <a:p>
-                      <a:pPr algn="ctr"/>
-                      <a:r>
-                        <a:rPr lang="en-US" smtClean="0"/>
-                        <a:t>15,77</a:t>
-                      </a:r>
-                      <a:endParaRPr lang="en-US"/>
-                    </a:p>
-                  </a:txBody>
-                  <a:tcPr anchor="ctr" anchorCtr="1"/>
-                </a:tc>
-                <a:tc>
-                  <a:txBody>
-                    <a:bodyPr/>
-                    <a:lstStyle/>
-                    <a:p>
-                      <a:pPr algn="ctr"/>
-                      <a:r>
-                        <a:rPr lang="en-US" smtClean="0"/>
-                        <a:t>0,15</a:t>
-                      </a:r>
-                      <a:endParaRPr lang="en-US"/>
-                    </a:p>
-                  </a:txBody>
-                  <a:tcPr anchor="ctr" anchorCtr="1"/>
-                </a:tc>
-                <a:tc>
-                  <a:txBody>
-                    <a:bodyPr/>
-                    <a:lstStyle/>
-                    <a:p>
-                      <a:pPr algn="ctr"/>
-                      <a:r>
-                        <a:rPr lang="en-US" smtClean="0"/>
-                        <a:t>15,52</a:t>
-                      </a:r>
-                      <a:endParaRPr lang="en-US"/>
-                    </a:p>
-                  </a:txBody>
-                  <a:tcPr anchor="ctr" anchorCtr="1"/>
-                </a:tc>
-                <a:tc>
-                  <a:txBody>
-                    <a:bodyPr/>
-                    <a:lstStyle/>
-                    <a:p>
-                      <a:pPr algn="ctr"/>
-                      <a:r>
-                        <a:rPr lang="en-US" smtClean="0"/>
-                        <a:t>0,12</a:t>
-                      </a:r>
-                      <a:endParaRPr lang="en-US"/>
-                    </a:p>
-                  </a:txBody>
-                  <a:tcPr anchor="ctr" anchorCtr="1"/>
-                </a:tc>
-                <a:tc>
-                  <a:txBody>
-                    <a:bodyPr/>
-                    <a:lstStyle/>
-                    <a:p>
-                      <a:pPr algn="ctr"/>
-                      <a:r>
-                        <a:rPr lang="en-US" smtClean="0"/>
-                        <a:t>15,08</a:t>
-                      </a:r>
-                      <a:endParaRPr lang="en-US"/>
-                    </a:p>
-                  </a:txBody>
-                  <a:tcPr anchor="ctr" anchorCtr="1"/>
-                </a:tc>
-                <a:tc>
-                  <a:txBody>
-                    <a:bodyPr/>
-                    <a:lstStyle/>
-                    <a:p>
-                      <a:pPr algn="ctr"/>
-                      <a:r>
-                        <a:rPr lang="en-US" smtClean="0"/>
-                        <a:t>0,09</a:t>
-                      </a:r>
-                      <a:endParaRPr lang="en-US"/>
-                    </a:p>
-                  </a:txBody>
-                  <a:tcPr anchor="ctr" anchorCtr="1"/>
-                </a:tc>
-              </a:tr>
-              <a:tr h="370840">
-                <a:tc>
-                  <a:txBody>
-                    <a:bodyPr/>
-                    <a:lstStyle/>
-                    <a:p>
-                      <a:pPr algn="ctr"/>
-                      <a:r>
-                        <a:rPr lang="sr-Latn-RS" smtClean="0"/>
-                        <a:t>11</a:t>
-                      </a:r>
-                      <a:endParaRPr lang="en-US"/>
-                    </a:p>
-                  </a:txBody>
-                  <a:tcPr anchor="ctr" anchorCtr="1"/>
-                </a:tc>
-                <a:tc>
-                  <a:txBody>
-                    <a:bodyPr/>
-                    <a:lstStyle/>
-                    <a:p>
-                      <a:pPr algn="ctr"/>
-                      <a:r>
-                        <a:rPr lang="sr-Latn-RS" smtClean="0"/>
-                        <a:t>19,88</a:t>
-                      </a:r>
-                      <a:endParaRPr lang="en-US"/>
-                    </a:p>
-                  </a:txBody>
-                  <a:tcPr anchor="ctr" anchorCtr="1"/>
-                </a:tc>
-                <a:tc>
-                  <a:txBody>
-                    <a:bodyPr/>
-                    <a:lstStyle/>
-                    <a:p>
-                      <a:pPr algn="ctr"/>
-                      <a:r>
-                        <a:rPr lang="sr-Latn-RS" smtClean="0"/>
-                        <a:t>0,15</a:t>
-                      </a:r>
-                      <a:endParaRPr lang="en-US"/>
-                    </a:p>
-                  </a:txBody>
-                  <a:tcPr anchor="ctr" anchorCtr="1"/>
-                </a:tc>
-                <a:tc>
-                  <a:txBody>
-                    <a:bodyPr/>
-                    <a:lstStyle/>
-                    <a:p>
-                      <a:pPr algn="ctr"/>
-                      <a:r>
-                        <a:rPr lang="en-US" smtClean="0"/>
-                        <a:t>16,86</a:t>
-                      </a:r>
-                      <a:endParaRPr lang="en-US"/>
-                    </a:p>
-                  </a:txBody>
-                  <a:tcPr anchor="ctr" anchorCtr="1"/>
-                </a:tc>
-                <a:tc>
-                  <a:txBody>
-                    <a:bodyPr/>
-                    <a:lstStyle/>
-                    <a:p>
-                      <a:pPr algn="ctr"/>
-                      <a:r>
-                        <a:rPr lang="en-US" smtClean="0"/>
-                        <a:t>0,10</a:t>
-                      </a:r>
-                      <a:endParaRPr lang="en-US"/>
-                    </a:p>
-                  </a:txBody>
-                  <a:tcPr anchor="ctr" anchorCtr="1"/>
-                </a:tc>
-                <a:tc>
-                  <a:txBody>
-                    <a:bodyPr/>
-                    <a:lstStyle/>
-                    <a:p>
-                      <a:pPr algn="ctr"/>
-                      <a:r>
-                        <a:rPr lang="en-US" smtClean="0"/>
-                        <a:t>16,50</a:t>
-                      </a:r>
-                      <a:endParaRPr lang="en-US"/>
-                    </a:p>
-                  </a:txBody>
-                  <a:tcPr anchor="ctr" anchorCtr="1"/>
-                </a:tc>
-                <a:tc>
-                  <a:txBody>
-                    <a:bodyPr/>
-                    <a:lstStyle/>
-                    <a:p>
-                      <a:pPr algn="ctr"/>
-                      <a:r>
-                        <a:rPr lang="en-US" smtClean="0"/>
-                        <a:t>0,12</a:t>
-                      </a:r>
-                      <a:endParaRPr lang="en-US"/>
-                    </a:p>
-                  </a:txBody>
-                  <a:tcPr anchor="ctr" anchorCtr="1"/>
-                </a:tc>
-                <a:tc>
-                  <a:txBody>
-                    <a:bodyPr/>
-                    <a:lstStyle/>
-                    <a:p>
-                      <a:pPr algn="ctr"/>
-                      <a:r>
-                        <a:rPr lang="en-US" smtClean="0"/>
-                        <a:t>16,07</a:t>
-                      </a:r>
-                      <a:endParaRPr lang="en-US"/>
-                    </a:p>
-                  </a:txBody>
-                  <a:tcPr anchor="ctr" anchorCtr="1"/>
-                </a:tc>
-                <a:tc>
-                  <a:txBody>
-                    <a:bodyPr/>
-                    <a:lstStyle/>
-                    <a:p>
-                      <a:pPr algn="ctr"/>
-                      <a:r>
-                        <a:rPr lang="en-US" smtClean="0"/>
-                        <a:t>0,07</a:t>
-                      </a:r>
-                      <a:endParaRPr lang="en-US"/>
-                    </a:p>
-                  </a:txBody>
-                  <a:tcPr anchor="ctr" anchorCtr="1"/>
-                </a:tc>
-              </a:tr>
-              <a:tr h="370840">
-                <a:tc>
-                  <a:txBody>
-                    <a:bodyPr/>
-                    <a:lstStyle/>
-                    <a:p>
-                      <a:pPr algn="ctr"/>
-                      <a:r>
-                        <a:rPr lang="sr-Latn-RS" smtClean="0"/>
-                        <a:t>12</a:t>
-                      </a:r>
-                      <a:endParaRPr lang="en-US"/>
-                    </a:p>
-                  </a:txBody>
-                  <a:tcPr anchor="ctr" anchorCtr="1"/>
-                </a:tc>
-                <a:tc>
-                  <a:txBody>
-                    <a:bodyPr/>
-                    <a:lstStyle/>
-                    <a:p>
-                      <a:pPr algn="ctr"/>
-                      <a:r>
-                        <a:rPr lang="sr-Latn-RS" smtClean="0"/>
-                        <a:t>21,42</a:t>
-                      </a:r>
-                      <a:endParaRPr lang="en-US"/>
-                    </a:p>
-                  </a:txBody>
-                  <a:tcPr anchor="ctr" anchorCtr="1"/>
-                </a:tc>
-                <a:tc>
-                  <a:txBody>
-                    <a:bodyPr/>
-                    <a:lstStyle/>
-                    <a:p>
-                      <a:pPr algn="ctr"/>
-                      <a:r>
-                        <a:rPr lang="sr-Latn-RS" smtClean="0"/>
-                        <a:t>0,11</a:t>
-                      </a:r>
-                      <a:endParaRPr lang="en-US"/>
-                    </a:p>
-                  </a:txBody>
-                  <a:tcPr anchor="ctr" anchorCtr="1"/>
-                </a:tc>
-                <a:tc>
-                  <a:txBody>
-                    <a:bodyPr/>
-                    <a:lstStyle/>
-                    <a:p>
-                      <a:pPr algn="ctr"/>
-                      <a:r>
-                        <a:rPr lang="en-US" smtClean="0"/>
-                        <a:t>17,96</a:t>
-                      </a:r>
-                      <a:endParaRPr lang="en-US"/>
-                    </a:p>
-                  </a:txBody>
-                  <a:tcPr anchor="ctr" anchorCtr="1"/>
-                </a:tc>
-                <a:tc>
-                  <a:txBody>
-                    <a:bodyPr/>
-                    <a:lstStyle/>
-                    <a:p>
-                      <a:pPr algn="ctr"/>
-                      <a:r>
-                        <a:rPr lang="en-US" smtClean="0"/>
-                        <a:t>0,06</a:t>
-                      </a:r>
-                      <a:endParaRPr lang="en-US"/>
-                    </a:p>
-                  </a:txBody>
-                  <a:tcPr anchor="ctr" anchorCtr="1"/>
-                </a:tc>
-                <a:tc>
-                  <a:txBody>
-                    <a:bodyPr/>
-                    <a:lstStyle/>
-                    <a:p>
-                      <a:pPr algn="ctr"/>
-                      <a:r>
-                        <a:rPr lang="en-US" smtClean="0"/>
-                        <a:t>17,57</a:t>
-                      </a:r>
-                      <a:endParaRPr lang="en-US"/>
-                    </a:p>
-                  </a:txBody>
-                  <a:tcPr anchor="ctr" anchorCtr="1"/>
-                </a:tc>
-                <a:tc>
-                  <a:txBody>
-                    <a:bodyPr/>
-                    <a:lstStyle/>
-                    <a:p>
-                      <a:pPr algn="ctr"/>
-                      <a:r>
-                        <a:rPr lang="en-US" smtClean="0"/>
-                        <a:t>0,40</a:t>
-                      </a:r>
-                      <a:endParaRPr lang="en-US"/>
-                    </a:p>
-                  </a:txBody>
-                  <a:tcPr anchor="ctr" anchorCtr="1"/>
-                </a:tc>
-                <a:tc>
-                  <a:txBody>
-                    <a:bodyPr/>
-                    <a:lstStyle/>
-                    <a:p>
-                      <a:pPr algn="ctr"/>
-                      <a:r>
-                        <a:rPr lang="en-US" smtClean="0"/>
-                        <a:t>17,07</a:t>
-                      </a:r>
-                      <a:endParaRPr lang="en-US"/>
-                    </a:p>
-                  </a:txBody>
-                  <a:tcPr anchor="ctr" anchorCtr="1"/>
-                </a:tc>
-                <a:tc>
-                  <a:txBody>
-                    <a:bodyPr/>
-                    <a:lstStyle/>
-                    <a:p>
-                      <a:pPr algn="ctr"/>
-                      <a:r>
-                        <a:rPr lang="en-US" smtClean="0"/>
-                        <a:t>0,09</a:t>
-                      </a:r>
-                      <a:endParaRPr lang="en-US"/>
-                    </a:p>
-                  </a:txBody>
-                  <a:tcPr anchor="ctr" anchorCtr="1"/>
-                </a:tc>
-              </a:tr>
-              <a:tr h="370840">
-                <a:tc>
-                  <a:txBody>
-                    <a:bodyPr/>
-                    <a:lstStyle/>
-                    <a:p>
-                      <a:pPr algn="ctr"/>
-                      <a:r>
-                        <a:rPr lang="sr-Latn-RS" smtClean="0"/>
-                        <a:t>13</a:t>
-                      </a:r>
-                      <a:endParaRPr lang="en-US"/>
-                    </a:p>
-                  </a:txBody>
-                  <a:tcPr anchor="ctr" anchorCtr="1"/>
-                </a:tc>
-                <a:tc>
-                  <a:txBody>
-                    <a:bodyPr/>
-                    <a:lstStyle/>
-                    <a:p>
-                      <a:pPr algn="ctr"/>
-                      <a:r>
-                        <a:rPr lang="en-US" smtClean="0"/>
-                        <a:t>23</a:t>
-                      </a:r>
-                      <a:r>
-                        <a:rPr lang="sr-Latn-RS" smtClean="0"/>
-                        <a:t>,</a:t>
-                      </a:r>
-                      <a:r>
-                        <a:rPr lang="en-US" smtClean="0"/>
-                        <a:t>35</a:t>
-                      </a:r>
-                      <a:endParaRPr lang="en-US"/>
-                    </a:p>
-                  </a:txBody>
-                  <a:tcPr anchor="ctr" anchorCtr="1"/>
-                </a:tc>
-                <a:tc>
-                  <a:txBody>
-                    <a:bodyPr/>
-                    <a:lstStyle/>
-                    <a:p>
-                      <a:pPr algn="ctr"/>
-                      <a:r>
-                        <a:rPr lang="sr-Latn-RS" smtClean="0"/>
-                        <a:t>0,15</a:t>
-                      </a:r>
-                      <a:endParaRPr lang="en-US"/>
-                    </a:p>
-                  </a:txBody>
-                  <a:tcPr anchor="ctr" anchorCtr="1"/>
-                </a:tc>
-                <a:tc>
-                  <a:txBody>
-                    <a:bodyPr/>
-                    <a:lstStyle/>
-                    <a:p>
-                      <a:pPr algn="ctr"/>
-                      <a:r>
-                        <a:rPr lang="en-US" smtClean="0"/>
-                        <a:t>19,90</a:t>
-                      </a:r>
-                      <a:endParaRPr lang="en-US"/>
-                    </a:p>
-                  </a:txBody>
-                  <a:tcPr anchor="ctr" anchorCtr="1"/>
-                </a:tc>
-                <a:tc>
-                  <a:txBody>
-                    <a:bodyPr/>
-                    <a:lstStyle/>
-                    <a:p>
-                      <a:pPr algn="ctr"/>
-                      <a:r>
-                        <a:rPr lang="en-US" smtClean="0"/>
-                        <a:t>1,76</a:t>
-                      </a:r>
-                      <a:endParaRPr lang="en-US"/>
-                    </a:p>
-                  </a:txBody>
-                  <a:tcPr anchor="ctr" anchorCtr="1"/>
-                </a:tc>
-                <a:tc>
-                  <a:txBody>
-                    <a:bodyPr/>
-                    <a:lstStyle/>
-                    <a:p>
-                      <a:pPr algn="ctr"/>
-                      <a:r>
-                        <a:rPr lang="en-US" smtClean="0"/>
-                        <a:t>18,53</a:t>
-                      </a:r>
-                      <a:endParaRPr lang="en-US"/>
-                    </a:p>
-                  </a:txBody>
-                  <a:tcPr anchor="ctr" anchorCtr="1"/>
-                </a:tc>
-                <a:tc>
-                  <a:txBody>
-                    <a:bodyPr/>
-                    <a:lstStyle/>
-                    <a:p>
-                      <a:pPr algn="ctr"/>
-                      <a:r>
-                        <a:rPr lang="en-US" smtClean="0"/>
-                        <a:t>0,06</a:t>
-                      </a:r>
-                      <a:endParaRPr lang="en-US"/>
-                    </a:p>
-                  </a:txBody>
-                  <a:tcPr anchor="ctr" anchorCtr="1"/>
-                </a:tc>
-                <a:tc>
-                  <a:txBody>
-                    <a:bodyPr/>
-                    <a:lstStyle/>
-                    <a:p>
-                      <a:pPr algn="ctr"/>
-                      <a:r>
-                        <a:rPr lang="en-US" smtClean="0"/>
-                        <a:t>18,07</a:t>
-                      </a:r>
-                      <a:endParaRPr lang="en-US"/>
-                    </a:p>
-                  </a:txBody>
-                  <a:tcPr anchor="ctr" anchorCtr="1"/>
-                </a:tc>
-                <a:tc>
-                  <a:txBody>
-                    <a:bodyPr/>
-                    <a:lstStyle/>
-                    <a:p>
-                      <a:pPr algn="ctr"/>
-                      <a:r>
-                        <a:rPr lang="en-US" smtClean="0"/>
-                        <a:t>0,04</a:t>
-                      </a:r>
-                      <a:endParaRPr lang="en-US"/>
-                    </a:p>
-                  </a:txBody>
-                  <a:tcPr anchor="ctr" anchorCtr="1"/>
-                </a:tc>
-              </a:tr>
-              <a:tr h="370840">
-                <a:tc>
-                  <a:txBody>
-                    <a:bodyPr/>
-                    <a:lstStyle/>
-                    <a:p>
-                      <a:pPr algn="ctr"/>
-                      <a:r>
-                        <a:rPr lang="sr-Latn-RS" smtClean="0"/>
-                        <a:t>1</a:t>
-                      </a:r>
-                      <a:r>
-                        <a:rPr lang="en-US" smtClean="0"/>
-                        <a:t>4</a:t>
-                      </a:r>
-                      <a:endParaRPr lang="en-US"/>
-                    </a:p>
-                  </a:txBody>
-                  <a:tcPr anchor="ctr" anchorCtr="1"/>
-                </a:tc>
-                <a:tc>
-                  <a:txBody>
-                    <a:bodyPr/>
-                    <a:lstStyle/>
-                    <a:p>
-                      <a:pPr algn="ctr"/>
-                      <a:r>
-                        <a:rPr lang="en-US" smtClean="0"/>
-                        <a:t>25</a:t>
-                      </a:r>
-                      <a:r>
-                        <a:rPr lang="sr-Latn-RS" smtClean="0"/>
-                        <a:t>,</a:t>
-                      </a:r>
-                      <a:r>
-                        <a:rPr lang="en-US" smtClean="0"/>
-                        <a:t>3</a:t>
-                      </a:r>
-                      <a:r>
-                        <a:rPr lang="sr-Latn-RS" smtClean="0"/>
-                        <a:t>9</a:t>
-                      </a:r>
-                      <a:endParaRPr lang="en-US"/>
-                    </a:p>
-                  </a:txBody>
-                  <a:tcPr anchor="ctr" anchorCtr="1"/>
-                </a:tc>
-                <a:tc>
-                  <a:txBody>
-                    <a:bodyPr/>
-                    <a:lstStyle/>
-                    <a:p>
-                      <a:pPr algn="ctr"/>
-                      <a:r>
-                        <a:rPr lang="sr-Latn-RS" smtClean="0"/>
-                        <a:t>0,28</a:t>
-                      </a:r>
-                      <a:endParaRPr lang="en-US"/>
-                    </a:p>
-                  </a:txBody>
-                  <a:tcPr anchor="ctr" anchorCtr="1"/>
-                </a:tc>
-                <a:tc>
-                  <a:txBody>
-                    <a:bodyPr/>
-                    <a:lstStyle/>
-                    <a:p>
-                      <a:pPr algn="ctr"/>
-                      <a:r>
-                        <a:rPr lang="en-US" smtClean="0"/>
-                        <a:t>21,10</a:t>
-                      </a:r>
-                      <a:endParaRPr lang="en-US"/>
-                    </a:p>
-                  </a:txBody>
-                  <a:tcPr anchor="ctr" anchorCtr="1"/>
-                </a:tc>
-                <a:tc>
-                  <a:txBody>
-                    <a:bodyPr/>
-                    <a:lstStyle/>
-                    <a:p>
-                      <a:pPr algn="ctr"/>
-                      <a:r>
-                        <a:rPr lang="en-US" smtClean="0"/>
-                        <a:t>0,63</a:t>
-                      </a:r>
-                      <a:endParaRPr lang="en-US"/>
-                    </a:p>
-                  </a:txBody>
-                  <a:tcPr anchor="ctr" anchorCtr="1"/>
-                </a:tc>
-                <a:tc>
-                  <a:txBody>
-                    <a:bodyPr/>
-                    <a:lstStyle/>
-                    <a:p>
-                      <a:pPr algn="ctr"/>
-                      <a:r>
-                        <a:rPr lang="en-US" smtClean="0"/>
-                        <a:t>19,53</a:t>
-                      </a:r>
-                      <a:endParaRPr lang="en-US"/>
-                    </a:p>
-                  </a:txBody>
-                  <a:tcPr anchor="ctr" anchorCtr="1"/>
-                </a:tc>
-                <a:tc>
-                  <a:txBody>
-                    <a:bodyPr/>
-                    <a:lstStyle/>
-                    <a:p>
-                      <a:pPr algn="ctr"/>
-                      <a:r>
-                        <a:rPr lang="en-US" smtClean="0"/>
-                        <a:t>0,06</a:t>
-                      </a:r>
-                      <a:endParaRPr lang="en-US"/>
-                    </a:p>
-                  </a:txBody>
-                  <a:tcPr anchor="ctr" anchorCtr="1"/>
-                </a:tc>
-                <a:tc>
-                  <a:txBody>
-                    <a:bodyPr/>
-                    <a:lstStyle/>
-                    <a:p>
-                      <a:pPr algn="ctr"/>
-                      <a:r>
-                        <a:rPr lang="en-US" smtClean="0"/>
-                        <a:t>19,22</a:t>
-                      </a:r>
-                      <a:endParaRPr lang="en-US"/>
-                    </a:p>
-                  </a:txBody>
-                  <a:tcPr anchor="ctr" anchorCtr="1"/>
-                </a:tc>
-                <a:tc>
-                  <a:txBody>
-                    <a:bodyPr/>
-                    <a:lstStyle/>
-                    <a:p>
-                      <a:pPr algn="ctr"/>
-                      <a:r>
-                        <a:rPr lang="en-US" smtClean="0"/>
-                        <a:t>0,66</a:t>
-                      </a:r>
-                      <a:endParaRPr lang="en-US"/>
-                    </a:p>
-                  </a:txBody>
-                  <a:tcPr anchor="ctr" anchorCtr="1"/>
-                </a:tc>
-              </a:tr>
-              <a:tr h="370840">
-                <a:tc>
-                  <a:txBody>
-                    <a:bodyPr/>
-                    <a:lstStyle/>
-                    <a:p>
-                      <a:pPr algn="ctr"/>
-                      <a:r>
-                        <a:rPr lang="sr-Latn-RS" smtClean="0"/>
-                        <a:t>15</a:t>
-                      </a:r>
-                      <a:endParaRPr lang="en-US"/>
-                    </a:p>
-                  </a:txBody>
-                  <a:tcPr anchor="ctr" anchorCtr="1"/>
-                </a:tc>
-                <a:tc>
-                  <a:txBody>
-                    <a:bodyPr/>
-                    <a:lstStyle/>
-                    <a:p>
-                      <a:pPr algn="ctr"/>
-                      <a:r>
-                        <a:rPr lang="en-US" smtClean="0"/>
-                        <a:t>27</a:t>
-                      </a:r>
-                      <a:r>
-                        <a:rPr lang="sr-Latn-RS" smtClean="0"/>
-                        <a:t>,40</a:t>
-                      </a:r>
-                      <a:endParaRPr lang="en-US"/>
-                    </a:p>
-                  </a:txBody>
-                  <a:tcPr anchor="ctr" anchorCtr="1"/>
-                </a:tc>
-                <a:tc>
-                  <a:txBody>
-                    <a:bodyPr/>
-                    <a:lstStyle/>
-                    <a:p>
-                      <a:pPr algn="ctr"/>
-                      <a:r>
-                        <a:rPr lang="sr-Latn-RS" smtClean="0"/>
-                        <a:t>0,05</a:t>
-                      </a:r>
-                      <a:endParaRPr lang="en-US"/>
-                    </a:p>
-                  </a:txBody>
-                  <a:tcPr anchor="ctr" anchorCtr="1"/>
-                </a:tc>
-                <a:tc>
-                  <a:txBody>
-                    <a:bodyPr/>
-                    <a:lstStyle/>
-                    <a:p>
-                      <a:pPr algn="ctr"/>
-                      <a:r>
-                        <a:rPr lang="en-US" smtClean="0"/>
-                        <a:t>21,40</a:t>
-                      </a:r>
-                      <a:endParaRPr lang="en-US"/>
-                    </a:p>
-                  </a:txBody>
-                  <a:tcPr anchor="ctr" anchorCtr="1"/>
-                </a:tc>
-                <a:tc>
-                  <a:txBody>
-                    <a:bodyPr/>
-                    <a:lstStyle/>
-                    <a:p>
-                      <a:pPr algn="ctr"/>
-                      <a:r>
-                        <a:rPr lang="en-US" smtClean="0"/>
-                        <a:t>0,48</a:t>
-                      </a:r>
-                      <a:endParaRPr lang="en-US"/>
-                    </a:p>
-                  </a:txBody>
-                  <a:tcPr anchor="ctr" anchorCtr="1"/>
-                </a:tc>
-                <a:tc>
-                  <a:txBody>
-                    <a:bodyPr/>
-                    <a:lstStyle/>
-                    <a:p>
-                      <a:pPr algn="ctr"/>
-                      <a:r>
-                        <a:rPr lang="en-US" smtClean="0"/>
-                        <a:t>20,56</a:t>
-                      </a:r>
-                      <a:endParaRPr lang="en-US"/>
-                    </a:p>
-                  </a:txBody>
-                  <a:tcPr anchor="ctr" anchorCtr="1"/>
-                </a:tc>
-                <a:tc>
-                  <a:txBody>
-                    <a:bodyPr/>
-                    <a:lstStyle/>
-                    <a:p>
-                      <a:pPr algn="ctr"/>
-                      <a:r>
-                        <a:rPr lang="en-US" smtClean="0"/>
-                        <a:t>0,10</a:t>
-                      </a:r>
-                      <a:endParaRPr lang="en-US"/>
-                    </a:p>
-                  </a:txBody>
-                  <a:tcPr anchor="ctr" anchorCtr="1"/>
-                </a:tc>
-                <a:tc>
-                  <a:txBody>
-                    <a:bodyPr/>
-                    <a:lstStyle/>
-                    <a:p>
-                      <a:pPr algn="ctr"/>
-                      <a:r>
-                        <a:rPr lang="en-US" smtClean="0"/>
-                        <a:t>20,07</a:t>
-                      </a:r>
-                      <a:endParaRPr lang="en-US"/>
-                    </a:p>
-                  </a:txBody>
-                  <a:tcPr anchor="ctr" anchorCtr="1"/>
-                </a:tc>
-                <a:tc>
-                  <a:txBody>
-                    <a:bodyPr/>
-                    <a:lstStyle/>
-                    <a:p>
-                      <a:pPr algn="ctr"/>
-                      <a:r>
-                        <a:rPr lang="en-US" smtClean="0"/>
-                        <a:t>0,04</a:t>
-                      </a:r>
-                      <a:endParaRPr lang="en-US"/>
-                    </a:p>
-                  </a:txBody>
-                  <a:tcPr anchor="ctr" anchorCtr="1"/>
-                </a:tc>
-              </a:tr>
-              <a:tr h="370840">
-                <a:tc>
-                  <a:txBody>
-                    <a:bodyPr/>
-                    <a:lstStyle/>
-                    <a:p>
-                      <a:pPr algn="ctr"/>
-                      <a:r>
-                        <a:rPr lang="sr-Latn-RS" smtClean="0"/>
-                        <a:t>16</a:t>
-                      </a:r>
-                      <a:endParaRPr lang="en-US"/>
-                    </a:p>
-                  </a:txBody>
-                  <a:tcPr anchor="ctr" anchorCtr="1"/>
-                </a:tc>
-                <a:tc>
-                  <a:txBody>
-                    <a:bodyPr/>
-                    <a:lstStyle/>
-                    <a:p>
-                      <a:pPr algn="ctr"/>
-                      <a:r>
-                        <a:rPr lang="en-US" smtClean="0"/>
-                        <a:t>29</a:t>
-                      </a:r>
-                      <a:r>
-                        <a:rPr lang="sr-Latn-RS" smtClean="0"/>
-                        <a:t>,</a:t>
-                      </a:r>
-                      <a:r>
-                        <a:rPr lang="en-US" smtClean="0"/>
-                        <a:t>58</a:t>
-                      </a:r>
-                      <a:endParaRPr lang="en-US"/>
-                    </a:p>
-                  </a:txBody>
-                  <a:tcPr anchor="ctr" anchorCtr="1"/>
-                </a:tc>
-                <a:tc>
-                  <a:txBody>
-                    <a:bodyPr/>
-                    <a:lstStyle/>
-                    <a:p>
-                      <a:pPr algn="ctr"/>
-                      <a:r>
-                        <a:rPr lang="sr-Latn-RS" smtClean="0"/>
-                        <a:t>0,04</a:t>
-                      </a:r>
-                      <a:endParaRPr lang="en-US"/>
-                    </a:p>
-                  </a:txBody>
-                  <a:tcPr anchor="ctr" anchorCtr="1"/>
-                </a:tc>
-                <a:tc>
-                  <a:txBody>
-                    <a:bodyPr/>
-                    <a:lstStyle/>
-                    <a:p>
-                      <a:pPr algn="ctr"/>
-                      <a:r>
-                        <a:rPr lang="en-US" smtClean="0"/>
-                        <a:t>23,21</a:t>
-                      </a:r>
-                      <a:endParaRPr lang="en-US"/>
-                    </a:p>
-                  </a:txBody>
-                  <a:tcPr anchor="ctr" anchorCtr="1"/>
-                </a:tc>
-                <a:tc>
-                  <a:txBody>
-                    <a:bodyPr/>
-                    <a:lstStyle/>
-                    <a:p>
-                      <a:pPr algn="ctr"/>
-                      <a:r>
-                        <a:rPr lang="en-US" smtClean="0"/>
-                        <a:t>0,15</a:t>
-                      </a:r>
-                      <a:endParaRPr lang="en-US"/>
-                    </a:p>
-                  </a:txBody>
-                  <a:tcPr anchor="ctr" anchorCtr="1"/>
-                </a:tc>
-                <a:tc>
-                  <a:txBody>
-                    <a:bodyPr/>
-                    <a:lstStyle/>
-                    <a:p>
-                      <a:pPr algn="ctr"/>
-                      <a:r>
-                        <a:rPr lang="en-US" smtClean="0"/>
-                        <a:t>21,89</a:t>
-                      </a:r>
-                      <a:endParaRPr lang="en-US"/>
-                    </a:p>
-                  </a:txBody>
-                  <a:tcPr anchor="ctr" anchorCtr="1"/>
-                </a:tc>
-                <a:tc>
-                  <a:txBody>
-                    <a:bodyPr/>
-                    <a:lstStyle/>
-                    <a:p>
-                      <a:pPr algn="ctr"/>
-                      <a:r>
-                        <a:rPr lang="en-US" smtClean="0"/>
-                        <a:t>0,11</a:t>
-                      </a:r>
-                      <a:endParaRPr lang="en-US"/>
-                    </a:p>
-                  </a:txBody>
-                  <a:tcPr anchor="ctr" anchorCtr="1"/>
-                </a:tc>
-                <a:tc>
-                  <a:txBody>
-                    <a:bodyPr/>
-                    <a:lstStyle/>
-                    <a:p>
-                      <a:pPr algn="ctr"/>
-                      <a:r>
-                        <a:rPr lang="en-US" smtClean="0"/>
-                        <a:t>21,08</a:t>
-                      </a:r>
-                      <a:endParaRPr lang="en-US"/>
-                    </a:p>
-                  </a:txBody>
-                  <a:tcPr anchor="ctr" anchorCtr="1"/>
-                </a:tc>
-                <a:tc>
-                  <a:txBody>
-                    <a:bodyPr/>
-                    <a:lstStyle/>
-                    <a:p>
-                      <a:pPr algn="ctr"/>
-                      <a:r>
-                        <a:rPr lang="en-US" smtClean="0"/>
-                        <a:t>0,10</a:t>
-                      </a:r>
-                      <a:endParaRPr lang="en-US"/>
-                    </a:p>
-                  </a:txBody>
-                  <a:tcPr anchor="ctr" anchorCtr="1"/>
-                </a:tc>
-              </a:tr>
-              <a:tr h="370840">
-                <a:tc>
-                  <a:txBody>
-                    <a:bodyPr/>
-                    <a:lstStyle/>
-                    <a:p>
-                      <a:pPr algn="ctr"/>
-                      <a:r>
-                        <a:rPr lang="sr-Latn-RS" smtClean="0"/>
-                        <a:t>17</a:t>
-                      </a:r>
-                      <a:endParaRPr lang="en-US"/>
-                    </a:p>
-                  </a:txBody>
-                  <a:tcPr anchor="ctr" anchorCtr="1"/>
-                </a:tc>
-                <a:tc>
-                  <a:txBody>
-                    <a:bodyPr/>
-                    <a:lstStyle/>
-                    <a:p>
-                      <a:pPr algn="ctr"/>
-                      <a:r>
-                        <a:rPr lang="en-US" smtClean="0"/>
-                        <a:t>31</a:t>
-                      </a:r>
-                      <a:r>
-                        <a:rPr lang="sr-Latn-RS" smtClean="0"/>
-                        <a:t>,</a:t>
-                      </a:r>
-                      <a:r>
-                        <a:rPr lang="en-US" smtClean="0"/>
-                        <a:t>69</a:t>
-                      </a:r>
-                      <a:endParaRPr lang="en-US"/>
-                    </a:p>
-                  </a:txBody>
-                  <a:tcPr anchor="ctr" anchorCtr="1"/>
-                </a:tc>
-                <a:tc>
-                  <a:txBody>
-                    <a:bodyPr/>
-                    <a:lstStyle/>
-                    <a:p>
-                      <a:pPr algn="ctr"/>
-                      <a:r>
-                        <a:rPr lang="sr-Latn-RS" smtClean="0"/>
-                        <a:t>0,05</a:t>
-                      </a:r>
-                      <a:endParaRPr lang="en-US"/>
-                    </a:p>
-                  </a:txBody>
-                  <a:tcPr anchor="ctr" anchorCtr="1"/>
-                </a:tc>
-                <a:tc>
-                  <a:txBody>
-                    <a:bodyPr/>
-                    <a:lstStyle/>
-                    <a:p>
-                      <a:pPr algn="ctr"/>
-                      <a:r>
-                        <a:rPr lang="en-US" smtClean="0"/>
-                        <a:t>25,00</a:t>
-                      </a:r>
-                      <a:endParaRPr lang="en-US"/>
-                    </a:p>
-                  </a:txBody>
-                  <a:tcPr anchor="ctr" anchorCtr="1"/>
-                </a:tc>
-                <a:tc>
-                  <a:txBody>
-                    <a:bodyPr/>
-                    <a:lstStyle/>
-                    <a:p>
-                      <a:pPr algn="ctr"/>
-                      <a:r>
-                        <a:rPr lang="en-US" smtClean="0"/>
-                        <a:t>0,28</a:t>
-                      </a:r>
-                      <a:endParaRPr lang="en-US"/>
-                    </a:p>
-                  </a:txBody>
-                  <a:tcPr anchor="ctr" anchorCtr="1"/>
-                </a:tc>
-                <a:tc>
-                  <a:txBody>
-                    <a:bodyPr/>
-                    <a:lstStyle/>
-                    <a:p>
-                      <a:pPr algn="ctr"/>
-                      <a:r>
-                        <a:rPr lang="en-US" smtClean="0"/>
-                        <a:t>23,00</a:t>
-                      </a:r>
-                      <a:endParaRPr lang="en-US"/>
-                    </a:p>
-                  </a:txBody>
-                  <a:tcPr anchor="ctr" anchorCtr="1"/>
-                </a:tc>
-                <a:tc>
-                  <a:txBody>
-                    <a:bodyPr/>
-                    <a:lstStyle/>
-                    <a:p>
-                      <a:pPr algn="ctr"/>
-                      <a:r>
-                        <a:rPr lang="en-US" smtClean="0"/>
-                        <a:t>0,05</a:t>
-                      </a:r>
-                      <a:endParaRPr lang="en-US"/>
-                    </a:p>
-                  </a:txBody>
-                  <a:tcPr anchor="ctr" anchorCtr="1"/>
-                </a:tc>
-                <a:tc>
-                  <a:txBody>
-                    <a:bodyPr/>
-                    <a:lstStyle/>
-                    <a:p>
-                      <a:pPr algn="ctr"/>
-                      <a:r>
-                        <a:rPr lang="en-US" smtClean="0"/>
-                        <a:t>22,08</a:t>
-                      </a:r>
-                      <a:endParaRPr lang="en-US"/>
-                    </a:p>
-                  </a:txBody>
-                  <a:tcPr anchor="ctr" anchorCtr="1"/>
-                </a:tc>
-                <a:tc>
-                  <a:txBody>
-                    <a:bodyPr/>
-                    <a:lstStyle/>
-                    <a:p>
-                      <a:pPr algn="ctr"/>
-                      <a:r>
-                        <a:rPr lang="en-US" smtClean="0"/>
-                        <a:t>0,02</a:t>
-                      </a:r>
-                      <a:endParaRPr lang="en-US"/>
-                    </a:p>
-                  </a:txBody>
-                  <a:tcPr anchor="ctr" anchorCtr="1"/>
-                </a:tc>
-              </a:tr>
-            </a:tbl>
-          </a:graphicData>
-        </a:graphic>
-      </p:graphicFrame>
-      <p:sp>
-        <p:nvSpPr>
-          <p:cNvPr id="7" name="Content Placeholder 2"/>
-          <p:cNvSpPr>
-            <a:spLocks noGrp="1"/>
-          </p:cNvSpPr>
-          <p:nvPr>
-            <p:ph idx="1"/>
-          </p:nvPr>
-        </p:nvSpPr>
-        <p:spPr>
-          <a:xfrm>
-            <a:off x="1219200" y="5334000"/>
-            <a:ext cx="7010400" cy="1143000"/>
-          </a:xfrm>
-        </p:spPr>
-        <p:txBody>
-          <a:bodyPr>
-            <a:normAutofit lnSpcReduction="10000"/>
-          </a:bodyPr>
-          <a:lstStyle/>
-          <a:p>
-            <a:r>
-              <a:rPr lang="sr-Latn-RS" smtClean="0"/>
-              <a:t>Svugde logaritam – npr. log</a:t>
-            </a:r>
-            <a:r>
-              <a:rPr lang="sr-Latn-RS" baseline="-25000" smtClean="0"/>
-              <a:t>2</a:t>
-            </a:r>
-            <a:r>
-              <a:rPr lang="sr-Latn-RS" smtClean="0"/>
-              <a:t>n umesto n</a:t>
-            </a:r>
-          </a:p>
-          <a:p>
-            <a:r>
-              <a:rPr lang="sr-Latn-RS" smtClean="0"/>
-              <a:t>Svaki eksperiment ponovljen sto puta</a:t>
-            </a:r>
-          </a:p>
-        </p:txBody>
-      </p:sp>
-    </p:spTree>
-  </p:cSld>
-  <p:clrMapOvr>
-    <a:masterClrMapping/>
-  </p:clrMapOvr>
-  <p:timing>
-    <p:tnLst>
-      <p:par>
-        <p:cTn id="1" dur="indefinite" restart="never" nodeType="tmRoot"/>
-      </p:par>
-    </p:tnLst>
-  </p:timing>
-</p:sld>
-</file>
-
 <file path=ppt/slides/slide19.xml><?xml version="1.0" encoding="utf-8"?>
 <p:sld xmlns:a="http://schemas.openxmlformats.org/drawingml/2006/main" xmlns:r="http://schemas.openxmlformats.org/officeDocument/2006/relationships" xmlns:p="http://schemas.openxmlformats.org/presentationml/2006/main">
   <p:cSld>
@@ -9945,12 +10269,8 @@
           <a:lstStyle/>
           <a:p>
             <a:r>
-              <a:rPr lang="en-US" smtClean="0"/>
-              <a:t>Histogram </a:t>
-            </a:r>
-            <a:r>
               <a:rPr lang="sr-Latn-RS" smtClean="0"/>
-              <a:t>najvećeg ulaza</a:t>
+              <a:t>Grafikon vremena rada</a:t>
             </a:r>
             <a:endParaRPr lang="en-US"/>
           </a:p>
@@ -9972,8 +10292,8 @@
         </p:blipFill>
         <p:spPr>
           <a:xfrm>
-            <a:off x="1218220" y="1371600"/>
-            <a:ext cx="6783762" cy="5047992"/>
+            <a:off x="457200" y="1371600"/>
+            <a:ext cx="8305800" cy="5047992"/>
           </a:xfrm>
           <a:prstGeom prst="rect">
             <a:avLst/>
@@ -10155,6 +10475,1710 @@
             <p:ph type="title"/>
           </p:nvPr>
         </p:nvSpPr>
+        <p:spPr/>
+        <p:txBody>
+          <a:bodyPr/>
+          <a:lstStyle/>
+          <a:p>
+            <a:r>
+              <a:rPr lang="sr-Latn-RS" smtClean="0"/>
+              <a:t>Tabela vremena rada</a:t>
+            </a:r>
+            <a:endParaRPr lang="en-US"/>
+          </a:p>
+        </p:txBody>
+      </p:sp>
+      <p:graphicFrame>
+        <p:nvGraphicFramePr>
+          <p:cNvPr id="5" name="Table 4"/>
+          <p:cNvGraphicFramePr>
+            <a:graphicFrameLocks noGrp="1"/>
+          </p:cNvGraphicFramePr>
+          <p:nvPr/>
+        </p:nvGraphicFramePr>
+        <p:xfrm>
+          <a:off x="609600" y="1371600"/>
+          <a:ext cx="7924798" cy="3708400"/>
+        </p:xfrm>
+        <a:graphic>
+          <a:graphicData uri="http://schemas.openxmlformats.org/drawingml/2006/table">
+            <a:tbl>
+              <a:tblPr firstRow="1" bandRow="1">
+                <a:tableStyleId>{7DF18680-E054-41AD-8BC1-D1AEF772440D}</a:tableStyleId>
+              </a:tblPr>
+              <a:tblGrid>
+                <a:gridCol w="838200"/>
+                <a:gridCol w="922867"/>
+                <a:gridCol w="880533"/>
+                <a:gridCol w="880533"/>
+                <a:gridCol w="880533"/>
+                <a:gridCol w="880533"/>
+                <a:gridCol w="880533"/>
+                <a:gridCol w="880533"/>
+                <a:gridCol w="880533"/>
+              </a:tblGrid>
+              <a:tr h="370840">
+                <a:tc rowSpan="2">
+                  <a:txBody>
+                    <a:bodyPr/>
+                    <a:lstStyle/>
+                    <a:p>
+                      <a:pPr algn="ctr"/>
+                      <a:r>
+                        <a:rPr lang="sr-Latn-RS" baseline="0" smtClean="0"/>
+                        <a:t>n</a:t>
+                      </a:r>
+                      <a:endParaRPr lang="en-US"/>
+                    </a:p>
+                  </a:txBody>
+                  <a:tcPr anchor="ctr" anchorCtr="1"/>
+                </a:tc>
+                <a:tc gridSpan="2">
+                  <a:txBody>
+                    <a:bodyPr/>
+                    <a:lstStyle/>
+                    <a:p>
+                      <a:pPr algn="ctr"/>
+                      <a:r>
+                        <a:rPr lang="sr-Latn-RS" smtClean="0"/>
+                        <a:t>Naivno</a:t>
+                      </a:r>
+                      <a:endParaRPr lang="en-US"/>
+                    </a:p>
+                  </a:txBody>
+                  <a:tcPr anchor="ctr" anchorCtr="1"/>
+                </a:tc>
+                <a:tc hMerge="1">
+                  <a:txBody>
+                    <a:bodyPr/>
+                    <a:lstStyle/>
+                    <a:p>
+                      <a:pPr algn="ctr"/>
+                      <a:endParaRPr lang="en-US"/>
+                    </a:p>
+                  </a:txBody>
+                  <a:tcPr anchor="ctr" anchorCtr="1"/>
+                </a:tc>
+                <a:tc gridSpan="2">
+                  <a:txBody>
+                    <a:bodyPr/>
+                    <a:lstStyle/>
+                    <a:p>
+                      <a:pPr algn="ctr"/>
+                      <a:r>
+                        <a:rPr lang="sr-Latn-RS" smtClean="0"/>
+                        <a:t>Dupliranje</a:t>
+                      </a:r>
+                      <a:endParaRPr lang="en-US"/>
+                    </a:p>
+                  </a:txBody>
+                  <a:tcPr anchor="ctr" anchorCtr="1"/>
+                </a:tc>
+                <a:tc hMerge="1">
+                  <a:txBody>
+                    <a:bodyPr/>
+                    <a:lstStyle/>
+                    <a:p>
+                      <a:pPr algn="ctr"/>
+                      <a:endParaRPr lang="en-US"/>
+                    </a:p>
+                  </a:txBody>
+                  <a:tcPr anchor="ctr" anchorCtr="1"/>
+                </a:tc>
+                <a:tc gridSpan="2">
+                  <a:txBody>
+                    <a:bodyPr/>
+                    <a:lstStyle/>
+                    <a:p>
+                      <a:pPr algn="ctr"/>
+                      <a:r>
+                        <a:rPr lang="sr-Latn-RS" smtClean="0"/>
+                        <a:t>DC3 / skew</a:t>
+                      </a:r>
+                      <a:endParaRPr lang="en-US"/>
+                    </a:p>
+                  </a:txBody>
+                  <a:tcPr anchor="ctr" anchorCtr="1"/>
+                </a:tc>
+                <a:tc hMerge="1">
+                  <a:txBody>
+                    <a:bodyPr/>
+                    <a:lstStyle/>
+                    <a:p>
+                      <a:pPr algn="ctr"/>
+                      <a:endParaRPr lang="en-US"/>
+                    </a:p>
+                  </a:txBody>
+                  <a:tcPr anchor="ctr" anchorCtr="1"/>
+                </a:tc>
+                <a:tc gridSpan="2">
+                  <a:txBody>
+                    <a:bodyPr/>
+                    <a:lstStyle/>
+                    <a:p>
+                      <a:pPr algn="ctr"/>
+                      <a:r>
+                        <a:rPr lang="sr-Latn-RS" smtClean="0"/>
+                        <a:t>SA-IS</a:t>
+                      </a:r>
+                      <a:endParaRPr lang="en-US"/>
+                    </a:p>
+                  </a:txBody>
+                  <a:tcPr anchor="ctr" anchorCtr="1"/>
+                </a:tc>
+                <a:tc hMerge="1">
+                  <a:txBody>
+                    <a:bodyPr/>
+                    <a:lstStyle/>
+                    <a:p>
+                      <a:pPr algn="ctr"/>
+                      <a:endParaRPr lang="en-US"/>
+                    </a:p>
+                  </a:txBody>
+                  <a:tcPr anchor="ctr" anchorCtr="1"/>
+                </a:tc>
+              </a:tr>
+              <a:tr h="370840">
+                <a:tc vMerge="1">
+                  <a:txBody>
+                    <a:bodyPr/>
+                    <a:lstStyle/>
+                    <a:p>
+                      <a:pPr algn="ctr"/>
+                      <a:endParaRPr lang="en-US"/>
+                    </a:p>
+                  </a:txBody>
+                  <a:tcPr anchor="ctr" anchorCtr="1"/>
+                </a:tc>
+                <a:tc>
+                  <a:txBody>
+                    <a:bodyPr/>
+                    <a:lstStyle/>
+                    <a:p>
+                      <a:pPr algn="ctr"/>
+                      <a:r>
+                        <a:rPr lang="sr-Latn-RS" smtClean="0"/>
+                        <a:t>mean</a:t>
+                      </a:r>
+                      <a:endParaRPr lang="en-US"/>
+                    </a:p>
+                  </a:txBody>
+                  <a:tcPr anchor="ctr" anchorCtr="1"/>
+                </a:tc>
+                <a:tc>
+                  <a:txBody>
+                    <a:bodyPr/>
+                    <a:lstStyle/>
+                    <a:p>
+                      <a:pPr algn="ctr"/>
+                      <a:r>
+                        <a:rPr lang="sr-Latn-RS" smtClean="0"/>
+                        <a:t>std</a:t>
+                      </a:r>
+                      <a:endParaRPr lang="en-US"/>
+                    </a:p>
+                  </a:txBody>
+                  <a:tcPr anchor="ctr" anchorCtr="1"/>
+                </a:tc>
+                <a:tc>
+                  <a:txBody>
+                    <a:bodyPr/>
+                    <a:lstStyle/>
+                    <a:p>
+                      <a:pPr marL="0" marR="0" indent="0" algn="ctr" defTabSz="914400" rtl="0" eaLnBrk="1" fontAlgn="auto" latinLnBrk="0" hangingPunct="1">
+                        <a:lnSpc>
+                          <a:spcPct val="100000"/>
+                        </a:lnSpc>
+                        <a:spcBef>
+                          <a:spcPts val="0"/>
+                        </a:spcBef>
+                        <a:spcAft>
+                          <a:spcPts val="0"/>
+                        </a:spcAft>
+                        <a:buClrTx/>
+                        <a:buSzTx/>
+                        <a:buFontTx/>
+                        <a:buNone/>
+                        <a:tabLst/>
+                        <a:defRPr/>
+                      </a:pPr>
+                      <a:r>
+                        <a:rPr lang="sr-Latn-RS" smtClean="0"/>
+                        <a:t>mean</a:t>
+                      </a:r>
+                      <a:endParaRPr lang="en-US" smtClean="0"/>
+                    </a:p>
+                  </a:txBody>
+                  <a:tcPr anchor="ctr" anchorCtr="1"/>
+                </a:tc>
+                <a:tc>
+                  <a:txBody>
+                    <a:bodyPr/>
+                    <a:lstStyle/>
+                    <a:p>
+                      <a:pPr marL="0" marR="0" indent="0" algn="ctr" defTabSz="914400" rtl="0" eaLnBrk="1" fontAlgn="auto" latinLnBrk="0" hangingPunct="1">
+                        <a:lnSpc>
+                          <a:spcPct val="100000"/>
+                        </a:lnSpc>
+                        <a:spcBef>
+                          <a:spcPts val="0"/>
+                        </a:spcBef>
+                        <a:spcAft>
+                          <a:spcPts val="0"/>
+                        </a:spcAft>
+                        <a:buClrTx/>
+                        <a:buSzTx/>
+                        <a:buFontTx/>
+                        <a:buNone/>
+                        <a:tabLst/>
+                        <a:defRPr/>
+                      </a:pPr>
+                      <a:r>
+                        <a:rPr lang="sr-Latn-RS" smtClean="0"/>
+                        <a:t>std</a:t>
+                      </a:r>
+                      <a:endParaRPr lang="en-US"/>
+                    </a:p>
+                  </a:txBody>
+                  <a:tcPr anchor="ctr" anchorCtr="1"/>
+                </a:tc>
+                <a:tc>
+                  <a:txBody>
+                    <a:bodyPr/>
+                    <a:lstStyle/>
+                    <a:p>
+                      <a:pPr marL="0" marR="0" indent="0" algn="ctr" defTabSz="914400" rtl="0" eaLnBrk="1" fontAlgn="auto" latinLnBrk="0" hangingPunct="1">
+                        <a:lnSpc>
+                          <a:spcPct val="100000"/>
+                        </a:lnSpc>
+                        <a:spcBef>
+                          <a:spcPts val="0"/>
+                        </a:spcBef>
+                        <a:spcAft>
+                          <a:spcPts val="0"/>
+                        </a:spcAft>
+                        <a:buClrTx/>
+                        <a:buSzTx/>
+                        <a:buFontTx/>
+                        <a:buNone/>
+                        <a:tabLst/>
+                        <a:defRPr/>
+                      </a:pPr>
+                      <a:r>
+                        <a:rPr lang="sr-Latn-RS" smtClean="0"/>
+                        <a:t>mean</a:t>
+                      </a:r>
+                      <a:endParaRPr lang="en-US"/>
+                    </a:p>
+                  </a:txBody>
+                  <a:tcPr anchor="ctr" anchorCtr="1"/>
+                </a:tc>
+                <a:tc>
+                  <a:txBody>
+                    <a:bodyPr/>
+                    <a:lstStyle/>
+                    <a:p>
+                      <a:pPr marL="0" marR="0" indent="0" algn="ctr" defTabSz="914400" rtl="0" eaLnBrk="1" fontAlgn="auto" latinLnBrk="0" hangingPunct="1">
+                        <a:lnSpc>
+                          <a:spcPct val="100000"/>
+                        </a:lnSpc>
+                        <a:spcBef>
+                          <a:spcPts val="0"/>
+                        </a:spcBef>
+                        <a:spcAft>
+                          <a:spcPts val="0"/>
+                        </a:spcAft>
+                        <a:buClrTx/>
+                        <a:buSzTx/>
+                        <a:buFontTx/>
+                        <a:buNone/>
+                        <a:tabLst/>
+                        <a:defRPr/>
+                      </a:pPr>
+                      <a:r>
+                        <a:rPr lang="sr-Latn-RS" smtClean="0"/>
+                        <a:t>std</a:t>
+                      </a:r>
+                      <a:endParaRPr lang="en-US"/>
+                    </a:p>
+                  </a:txBody>
+                  <a:tcPr anchor="ctr" anchorCtr="1"/>
+                </a:tc>
+                <a:tc>
+                  <a:txBody>
+                    <a:bodyPr/>
+                    <a:lstStyle/>
+                    <a:p>
+                      <a:pPr marL="0" marR="0" indent="0" algn="ctr" defTabSz="914400" rtl="0" eaLnBrk="1" fontAlgn="auto" latinLnBrk="0" hangingPunct="1">
+                        <a:lnSpc>
+                          <a:spcPct val="100000"/>
+                        </a:lnSpc>
+                        <a:spcBef>
+                          <a:spcPts val="0"/>
+                        </a:spcBef>
+                        <a:spcAft>
+                          <a:spcPts val="0"/>
+                        </a:spcAft>
+                        <a:buClrTx/>
+                        <a:buSzTx/>
+                        <a:buFontTx/>
+                        <a:buNone/>
+                        <a:tabLst/>
+                        <a:defRPr/>
+                      </a:pPr>
+                      <a:r>
+                        <a:rPr lang="sr-Latn-RS" smtClean="0"/>
+                        <a:t>mean</a:t>
+                      </a:r>
+                      <a:endParaRPr lang="en-US"/>
+                    </a:p>
+                  </a:txBody>
+                  <a:tcPr anchor="ctr" anchorCtr="1"/>
+                </a:tc>
+                <a:tc>
+                  <a:txBody>
+                    <a:bodyPr/>
+                    <a:lstStyle/>
+                    <a:p>
+                      <a:pPr marL="0" marR="0" indent="0" algn="ctr" defTabSz="914400" rtl="0" eaLnBrk="1" fontAlgn="auto" latinLnBrk="0" hangingPunct="1">
+                        <a:lnSpc>
+                          <a:spcPct val="100000"/>
+                        </a:lnSpc>
+                        <a:spcBef>
+                          <a:spcPts val="0"/>
+                        </a:spcBef>
+                        <a:spcAft>
+                          <a:spcPts val="0"/>
+                        </a:spcAft>
+                        <a:buClrTx/>
+                        <a:buSzTx/>
+                        <a:buFontTx/>
+                        <a:buNone/>
+                        <a:tabLst/>
+                        <a:defRPr/>
+                      </a:pPr>
+                      <a:r>
+                        <a:rPr lang="sr-Latn-RS" smtClean="0"/>
+                        <a:t>std</a:t>
+                      </a:r>
+                      <a:endParaRPr lang="en-US"/>
+                    </a:p>
+                  </a:txBody>
+                  <a:tcPr anchor="ctr" anchorCtr="1"/>
+                </a:tc>
+              </a:tr>
+              <a:tr h="370840">
+                <a:tc>
+                  <a:txBody>
+                    <a:bodyPr/>
+                    <a:lstStyle/>
+                    <a:p>
+                      <a:pPr algn="ctr"/>
+                      <a:r>
+                        <a:rPr lang="sr-Latn-RS" smtClean="0"/>
+                        <a:t>10</a:t>
+                      </a:r>
+                      <a:endParaRPr lang="en-US"/>
+                    </a:p>
+                  </a:txBody>
+                  <a:tcPr anchor="ctr" anchorCtr="1"/>
+                </a:tc>
+                <a:tc>
+                  <a:txBody>
+                    <a:bodyPr/>
+                    <a:lstStyle/>
+                    <a:p>
+                      <a:pPr algn="ctr"/>
+                      <a:r>
+                        <a:rPr lang="sr-Latn-RS" smtClean="0"/>
+                        <a:t>17,50</a:t>
+                      </a:r>
+                      <a:endParaRPr lang="en-US"/>
+                    </a:p>
+                  </a:txBody>
+                  <a:tcPr anchor="ctr" anchorCtr="1"/>
+                </a:tc>
+                <a:tc>
+                  <a:txBody>
+                    <a:bodyPr/>
+                    <a:lstStyle/>
+                    <a:p>
+                      <a:pPr algn="ctr"/>
+                      <a:r>
+                        <a:rPr lang="sr-Latn-RS" smtClean="0"/>
+                        <a:t>0,06</a:t>
+                      </a:r>
+                      <a:endParaRPr lang="en-US"/>
+                    </a:p>
+                  </a:txBody>
+                  <a:tcPr anchor="ctr" anchorCtr="1"/>
+                </a:tc>
+                <a:tc>
+                  <a:txBody>
+                    <a:bodyPr/>
+                    <a:lstStyle/>
+                    <a:p>
+                      <a:pPr algn="ctr"/>
+                      <a:r>
+                        <a:rPr lang="en-US" smtClean="0"/>
+                        <a:t>15,77</a:t>
+                      </a:r>
+                      <a:endParaRPr lang="en-US"/>
+                    </a:p>
+                  </a:txBody>
+                  <a:tcPr anchor="ctr" anchorCtr="1"/>
+                </a:tc>
+                <a:tc>
+                  <a:txBody>
+                    <a:bodyPr/>
+                    <a:lstStyle/>
+                    <a:p>
+                      <a:pPr algn="ctr"/>
+                      <a:r>
+                        <a:rPr lang="en-US" smtClean="0"/>
+                        <a:t>0,15</a:t>
+                      </a:r>
+                      <a:endParaRPr lang="en-US"/>
+                    </a:p>
+                  </a:txBody>
+                  <a:tcPr anchor="ctr" anchorCtr="1"/>
+                </a:tc>
+                <a:tc>
+                  <a:txBody>
+                    <a:bodyPr/>
+                    <a:lstStyle/>
+                    <a:p>
+                      <a:pPr algn="ctr"/>
+                      <a:r>
+                        <a:rPr lang="en-US" smtClean="0"/>
+                        <a:t>15,52</a:t>
+                      </a:r>
+                      <a:endParaRPr lang="en-US"/>
+                    </a:p>
+                  </a:txBody>
+                  <a:tcPr anchor="ctr" anchorCtr="1"/>
+                </a:tc>
+                <a:tc>
+                  <a:txBody>
+                    <a:bodyPr/>
+                    <a:lstStyle/>
+                    <a:p>
+                      <a:pPr algn="ctr"/>
+                      <a:r>
+                        <a:rPr lang="en-US" smtClean="0"/>
+                        <a:t>0,12</a:t>
+                      </a:r>
+                      <a:endParaRPr lang="en-US"/>
+                    </a:p>
+                  </a:txBody>
+                  <a:tcPr anchor="ctr" anchorCtr="1"/>
+                </a:tc>
+                <a:tc>
+                  <a:txBody>
+                    <a:bodyPr/>
+                    <a:lstStyle/>
+                    <a:p>
+                      <a:pPr algn="ctr"/>
+                      <a:r>
+                        <a:rPr lang="en-US" smtClean="0"/>
+                        <a:t>15,08</a:t>
+                      </a:r>
+                      <a:endParaRPr lang="en-US"/>
+                    </a:p>
+                  </a:txBody>
+                  <a:tcPr anchor="ctr" anchorCtr="1"/>
+                </a:tc>
+                <a:tc>
+                  <a:txBody>
+                    <a:bodyPr/>
+                    <a:lstStyle/>
+                    <a:p>
+                      <a:pPr algn="ctr"/>
+                      <a:r>
+                        <a:rPr lang="en-US" smtClean="0"/>
+                        <a:t>0,09</a:t>
+                      </a:r>
+                      <a:endParaRPr lang="en-US"/>
+                    </a:p>
+                  </a:txBody>
+                  <a:tcPr anchor="ctr" anchorCtr="1"/>
+                </a:tc>
+              </a:tr>
+              <a:tr h="370840">
+                <a:tc>
+                  <a:txBody>
+                    <a:bodyPr/>
+                    <a:lstStyle/>
+                    <a:p>
+                      <a:pPr algn="ctr"/>
+                      <a:r>
+                        <a:rPr lang="sr-Latn-RS" smtClean="0"/>
+                        <a:t>11</a:t>
+                      </a:r>
+                      <a:endParaRPr lang="en-US"/>
+                    </a:p>
+                  </a:txBody>
+                  <a:tcPr anchor="ctr" anchorCtr="1"/>
+                </a:tc>
+                <a:tc>
+                  <a:txBody>
+                    <a:bodyPr/>
+                    <a:lstStyle/>
+                    <a:p>
+                      <a:pPr algn="ctr"/>
+                      <a:r>
+                        <a:rPr lang="sr-Latn-RS" smtClean="0"/>
+                        <a:t>19,88</a:t>
+                      </a:r>
+                      <a:endParaRPr lang="en-US"/>
+                    </a:p>
+                  </a:txBody>
+                  <a:tcPr anchor="ctr" anchorCtr="1"/>
+                </a:tc>
+                <a:tc>
+                  <a:txBody>
+                    <a:bodyPr/>
+                    <a:lstStyle/>
+                    <a:p>
+                      <a:pPr algn="ctr"/>
+                      <a:r>
+                        <a:rPr lang="sr-Latn-RS" smtClean="0"/>
+                        <a:t>0,15</a:t>
+                      </a:r>
+                      <a:endParaRPr lang="en-US"/>
+                    </a:p>
+                  </a:txBody>
+                  <a:tcPr anchor="ctr" anchorCtr="1"/>
+                </a:tc>
+                <a:tc>
+                  <a:txBody>
+                    <a:bodyPr/>
+                    <a:lstStyle/>
+                    <a:p>
+                      <a:pPr algn="ctr"/>
+                      <a:r>
+                        <a:rPr lang="en-US" smtClean="0"/>
+                        <a:t>16,86</a:t>
+                      </a:r>
+                      <a:endParaRPr lang="en-US"/>
+                    </a:p>
+                  </a:txBody>
+                  <a:tcPr anchor="ctr" anchorCtr="1"/>
+                </a:tc>
+                <a:tc>
+                  <a:txBody>
+                    <a:bodyPr/>
+                    <a:lstStyle/>
+                    <a:p>
+                      <a:pPr algn="ctr"/>
+                      <a:r>
+                        <a:rPr lang="en-US" smtClean="0"/>
+                        <a:t>0,10</a:t>
+                      </a:r>
+                      <a:endParaRPr lang="en-US"/>
+                    </a:p>
+                  </a:txBody>
+                  <a:tcPr anchor="ctr" anchorCtr="1"/>
+                </a:tc>
+                <a:tc>
+                  <a:txBody>
+                    <a:bodyPr/>
+                    <a:lstStyle/>
+                    <a:p>
+                      <a:pPr algn="ctr"/>
+                      <a:r>
+                        <a:rPr lang="en-US" smtClean="0"/>
+                        <a:t>16,50</a:t>
+                      </a:r>
+                      <a:endParaRPr lang="en-US"/>
+                    </a:p>
+                  </a:txBody>
+                  <a:tcPr anchor="ctr" anchorCtr="1"/>
+                </a:tc>
+                <a:tc>
+                  <a:txBody>
+                    <a:bodyPr/>
+                    <a:lstStyle/>
+                    <a:p>
+                      <a:pPr algn="ctr"/>
+                      <a:r>
+                        <a:rPr lang="en-US" smtClean="0"/>
+                        <a:t>0,12</a:t>
+                      </a:r>
+                      <a:endParaRPr lang="en-US"/>
+                    </a:p>
+                  </a:txBody>
+                  <a:tcPr anchor="ctr" anchorCtr="1"/>
+                </a:tc>
+                <a:tc>
+                  <a:txBody>
+                    <a:bodyPr/>
+                    <a:lstStyle/>
+                    <a:p>
+                      <a:pPr algn="ctr"/>
+                      <a:r>
+                        <a:rPr lang="en-US" smtClean="0"/>
+                        <a:t>16,07</a:t>
+                      </a:r>
+                      <a:endParaRPr lang="en-US"/>
+                    </a:p>
+                  </a:txBody>
+                  <a:tcPr anchor="ctr" anchorCtr="1"/>
+                </a:tc>
+                <a:tc>
+                  <a:txBody>
+                    <a:bodyPr/>
+                    <a:lstStyle/>
+                    <a:p>
+                      <a:pPr algn="ctr"/>
+                      <a:r>
+                        <a:rPr lang="en-US" smtClean="0"/>
+                        <a:t>0,07</a:t>
+                      </a:r>
+                      <a:endParaRPr lang="en-US"/>
+                    </a:p>
+                  </a:txBody>
+                  <a:tcPr anchor="ctr" anchorCtr="1"/>
+                </a:tc>
+              </a:tr>
+              <a:tr h="370840">
+                <a:tc>
+                  <a:txBody>
+                    <a:bodyPr/>
+                    <a:lstStyle/>
+                    <a:p>
+                      <a:pPr algn="ctr"/>
+                      <a:r>
+                        <a:rPr lang="sr-Latn-RS" smtClean="0"/>
+                        <a:t>12</a:t>
+                      </a:r>
+                      <a:endParaRPr lang="en-US"/>
+                    </a:p>
+                  </a:txBody>
+                  <a:tcPr anchor="ctr" anchorCtr="1"/>
+                </a:tc>
+                <a:tc>
+                  <a:txBody>
+                    <a:bodyPr/>
+                    <a:lstStyle/>
+                    <a:p>
+                      <a:pPr algn="ctr"/>
+                      <a:r>
+                        <a:rPr lang="sr-Latn-RS" smtClean="0"/>
+                        <a:t>21,42</a:t>
+                      </a:r>
+                      <a:endParaRPr lang="en-US"/>
+                    </a:p>
+                  </a:txBody>
+                  <a:tcPr anchor="ctr" anchorCtr="1"/>
+                </a:tc>
+                <a:tc>
+                  <a:txBody>
+                    <a:bodyPr/>
+                    <a:lstStyle/>
+                    <a:p>
+                      <a:pPr algn="ctr"/>
+                      <a:r>
+                        <a:rPr lang="sr-Latn-RS" smtClean="0"/>
+                        <a:t>0,11</a:t>
+                      </a:r>
+                      <a:endParaRPr lang="en-US"/>
+                    </a:p>
+                  </a:txBody>
+                  <a:tcPr anchor="ctr" anchorCtr="1"/>
+                </a:tc>
+                <a:tc>
+                  <a:txBody>
+                    <a:bodyPr/>
+                    <a:lstStyle/>
+                    <a:p>
+                      <a:pPr algn="ctr"/>
+                      <a:r>
+                        <a:rPr lang="en-US" smtClean="0"/>
+                        <a:t>17,96</a:t>
+                      </a:r>
+                      <a:endParaRPr lang="en-US"/>
+                    </a:p>
+                  </a:txBody>
+                  <a:tcPr anchor="ctr" anchorCtr="1"/>
+                </a:tc>
+                <a:tc>
+                  <a:txBody>
+                    <a:bodyPr/>
+                    <a:lstStyle/>
+                    <a:p>
+                      <a:pPr algn="ctr"/>
+                      <a:r>
+                        <a:rPr lang="en-US" smtClean="0"/>
+                        <a:t>0,06</a:t>
+                      </a:r>
+                      <a:endParaRPr lang="en-US"/>
+                    </a:p>
+                  </a:txBody>
+                  <a:tcPr anchor="ctr" anchorCtr="1"/>
+                </a:tc>
+                <a:tc>
+                  <a:txBody>
+                    <a:bodyPr/>
+                    <a:lstStyle/>
+                    <a:p>
+                      <a:pPr algn="ctr"/>
+                      <a:r>
+                        <a:rPr lang="en-US" smtClean="0"/>
+                        <a:t>17,57</a:t>
+                      </a:r>
+                      <a:endParaRPr lang="en-US"/>
+                    </a:p>
+                  </a:txBody>
+                  <a:tcPr anchor="ctr" anchorCtr="1"/>
+                </a:tc>
+                <a:tc>
+                  <a:txBody>
+                    <a:bodyPr/>
+                    <a:lstStyle/>
+                    <a:p>
+                      <a:pPr algn="ctr"/>
+                      <a:r>
+                        <a:rPr lang="en-US" smtClean="0"/>
+                        <a:t>0,40</a:t>
+                      </a:r>
+                      <a:endParaRPr lang="en-US"/>
+                    </a:p>
+                  </a:txBody>
+                  <a:tcPr anchor="ctr" anchorCtr="1"/>
+                </a:tc>
+                <a:tc>
+                  <a:txBody>
+                    <a:bodyPr/>
+                    <a:lstStyle/>
+                    <a:p>
+                      <a:pPr algn="ctr"/>
+                      <a:r>
+                        <a:rPr lang="en-US" smtClean="0"/>
+                        <a:t>17,07</a:t>
+                      </a:r>
+                      <a:endParaRPr lang="en-US"/>
+                    </a:p>
+                  </a:txBody>
+                  <a:tcPr anchor="ctr" anchorCtr="1"/>
+                </a:tc>
+                <a:tc>
+                  <a:txBody>
+                    <a:bodyPr/>
+                    <a:lstStyle/>
+                    <a:p>
+                      <a:pPr algn="ctr"/>
+                      <a:r>
+                        <a:rPr lang="en-US" smtClean="0"/>
+                        <a:t>0,09</a:t>
+                      </a:r>
+                      <a:endParaRPr lang="en-US"/>
+                    </a:p>
+                  </a:txBody>
+                  <a:tcPr anchor="ctr" anchorCtr="1"/>
+                </a:tc>
+              </a:tr>
+              <a:tr h="370840">
+                <a:tc>
+                  <a:txBody>
+                    <a:bodyPr/>
+                    <a:lstStyle/>
+                    <a:p>
+                      <a:pPr algn="ctr"/>
+                      <a:r>
+                        <a:rPr lang="sr-Latn-RS" smtClean="0"/>
+                        <a:t>13</a:t>
+                      </a:r>
+                      <a:endParaRPr lang="en-US"/>
+                    </a:p>
+                  </a:txBody>
+                  <a:tcPr anchor="ctr" anchorCtr="1"/>
+                </a:tc>
+                <a:tc>
+                  <a:txBody>
+                    <a:bodyPr/>
+                    <a:lstStyle/>
+                    <a:p>
+                      <a:pPr algn="ctr"/>
+                      <a:r>
+                        <a:rPr lang="en-US" smtClean="0"/>
+                        <a:t>23</a:t>
+                      </a:r>
+                      <a:r>
+                        <a:rPr lang="sr-Latn-RS" smtClean="0"/>
+                        <a:t>,</a:t>
+                      </a:r>
+                      <a:r>
+                        <a:rPr lang="en-US" smtClean="0"/>
+                        <a:t>35</a:t>
+                      </a:r>
+                      <a:endParaRPr lang="en-US"/>
+                    </a:p>
+                  </a:txBody>
+                  <a:tcPr anchor="ctr" anchorCtr="1"/>
+                </a:tc>
+                <a:tc>
+                  <a:txBody>
+                    <a:bodyPr/>
+                    <a:lstStyle/>
+                    <a:p>
+                      <a:pPr algn="ctr"/>
+                      <a:r>
+                        <a:rPr lang="sr-Latn-RS" smtClean="0"/>
+                        <a:t>0,15</a:t>
+                      </a:r>
+                      <a:endParaRPr lang="en-US"/>
+                    </a:p>
+                  </a:txBody>
+                  <a:tcPr anchor="ctr" anchorCtr="1"/>
+                </a:tc>
+                <a:tc>
+                  <a:txBody>
+                    <a:bodyPr/>
+                    <a:lstStyle/>
+                    <a:p>
+                      <a:pPr algn="ctr"/>
+                      <a:r>
+                        <a:rPr lang="en-US" smtClean="0"/>
+                        <a:t>19,90</a:t>
+                      </a:r>
+                      <a:endParaRPr lang="en-US"/>
+                    </a:p>
+                  </a:txBody>
+                  <a:tcPr anchor="ctr" anchorCtr="1"/>
+                </a:tc>
+                <a:tc>
+                  <a:txBody>
+                    <a:bodyPr/>
+                    <a:lstStyle/>
+                    <a:p>
+                      <a:pPr algn="ctr"/>
+                      <a:r>
+                        <a:rPr lang="en-US" smtClean="0"/>
+                        <a:t>1,76</a:t>
+                      </a:r>
+                      <a:endParaRPr lang="en-US"/>
+                    </a:p>
+                  </a:txBody>
+                  <a:tcPr anchor="ctr" anchorCtr="1"/>
+                </a:tc>
+                <a:tc>
+                  <a:txBody>
+                    <a:bodyPr/>
+                    <a:lstStyle/>
+                    <a:p>
+                      <a:pPr algn="ctr"/>
+                      <a:r>
+                        <a:rPr lang="en-US" smtClean="0"/>
+                        <a:t>18,53</a:t>
+                      </a:r>
+                      <a:endParaRPr lang="en-US"/>
+                    </a:p>
+                  </a:txBody>
+                  <a:tcPr anchor="ctr" anchorCtr="1"/>
+                </a:tc>
+                <a:tc>
+                  <a:txBody>
+                    <a:bodyPr/>
+                    <a:lstStyle/>
+                    <a:p>
+                      <a:pPr algn="ctr"/>
+                      <a:r>
+                        <a:rPr lang="en-US" smtClean="0"/>
+                        <a:t>0,06</a:t>
+                      </a:r>
+                      <a:endParaRPr lang="en-US"/>
+                    </a:p>
+                  </a:txBody>
+                  <a:tcPr anchor="ctr" anchorCtr="1"/>
+                </a:tc>
+                <a:tc>
+                  <a:txBody>
+                    <a:bodyPr/>
+                    <a:lstStyle/>
+                    <a:p>
+                      <a:pPr algn="ctr"/>
+                      <a:r>
+                        <a:rPr lang="en-US" smtClean="0"/>
+                        <a:t>18,07</a:t>
+                      </a:r>
+                      <a:endParaRPr lang="en-US"/>
+                    </a:p>
+                  </a:txBody>
+                  <a:tcPr anchor="ctr" anchorCtr="1"/>
+                </a:tc>
+                <a:tc>
+                  <a:txBody>
+                    <a:bodyPr/>
+                    <a:lstStyle/>
+                    <a:p>
+                      <a:pPr algn="ctr"/>
+                      <a:r>
+                        <a:rPr lang="en-US" smtClean="0"/>
+                        <a:t>0,04</a:t>
+                      </a:r>
+                      <a:endParaRPr lang="en-US"/>
+                    </a:p>
+                  </a:txBody>
+                  <a:tcPr anchor="ctr" anchorCtr="1"/>
+                </a:tc>
+              </a:tr>
+              <a:tr h="370840">
+                <a:tc>
+                  <a:txBody>
+                    <a:bodyPr/>
+                    <a:lstStyle/>
+                    <a:p>
+                      <a:pPr algn="ctr"/>
+                      <a:r>
+                        <a:rPr lang="sr-Latn-RS" smtClean="0"/>
+                        <a:t>1</a:t>
+                      </a:r>
+                      <a:r>
+                        <a:rPr lang="en-US" smtClean="0"/>
+                        <a:t>4</a:t>
+                      </a:r>
+                      <a:endParaRPr lang="en-US"/>
+                    </a:p>
+                  </a:txBody>
+                  <a:tcPr anchor="ctr" anchorCtr="1"/>
+                </a:tc>
+                <a:tc>
+                  <a:txBody>
+                    <a:bodyPr/>
+                    <a:lstStyle/>
+                    <a:p>
+                      <a:pPr algn="ctr"/>
+                      <a:r>
+                        <a:rPr lang="en-US" smtClean="0"/>
+                        <a:t>25</a:t>
+                      </a:r>
+                      <a:r>
+                        <a:rPr lang="sr-Latn-RS" smtClean="0"/>
+                        <a:t>,</a:t>
+                      </a:r>
+                      <a:r>
+                        <a:rPr lang="en-US" smtClean="0"/>
+                        <a:t>3</a:t>
+                      </a:r>
+                      <a:r>
+                        <a:rPr lang="sr-Latn-RS" smtClean="0"/>
+                        <a:t>9</a:t>
+                      </a:r>
+                      <a:endParaRPr lang="en-US"/>
+                    </a:p>
+                  </a:txBody>
+                  <a:tcPr anchor="ctr" anchorCtr="1"/>
+                </a:tc>
+                <a:tc>
+                  <a:txBody>
+                    <a:bodyPr/>
+                    <a:lstStyle/>
+                    <a:p>
+                      <a:pPr algn="ctr"/>
+                      <a:r>
+                        <a:rPr lang="sr-Latn-RS" smtClean="0"/>
+                        <a:t>0,28</a:t>
+                      </a:r>
+                      <a:endParaRPr lang="en-US"/>
+                    </a:p>
+                  </a:txBody>
+                  <a:tcPr anchor="ctr" anchorCtr="1"/>
+                </a:tc>
+                <a:tc>
+                  <a:txBody>
+                    <a:bodyPr/>
+                    <a:lstStyle/>
+                    <a:p>
+                      <a:pPr algn="ctr"/>
+                      <a:r>
+                        <a:rPr lang="en-US" smtClean="0"/>
+                        <a:t>21,10</a:t>
+                      </a:r>
+                      <a:endParaRPr lang="en-US"/>
+                    </a:p>
+                  </a:txBody>
+                  <a:tcPr anchor="ctr" anchorCtr="1"/>
+                </a:tc>
+                <a:tc>
+                  <a:txBody>
+                    <a:bodyPr/>
+                    <a:lstStyle/>
+                    <a:p>
+                      <a:pPr algn="ctr"/>
+                      <a:r>
+                        <a:rPr lang="en-US" smtClean="0"/>
+                        <a:t>0,63</a:t>
+                      </a:r>
+                      <a:endParaRPr lang="en-US"/>
+                    </a:p>
+                  </a:txBody>
+                  <a:tcPr anchor="ctr" anchorCtr="1"/>
+                </a:tc>
+                <a:tc>
+                  <a:txBody>
+                    <a:bodyPr/>
+                    <a:lstStyle/>
+                    <a:p>
+                      <a:pPr algn="ctr"/>
+                      <a:r>
+                        <a:rPr lang="en-US" smtClean="0"/>
+                        <a:t>19,53</a:t>
+                      </a:r>
+                      <a:endParaRPr lang="en-US"/>
+                    </a:p>
+                  </a:txBody>
+                  <a:tcPr anchor="ctr" anchorCtr="1"/>
+                </a:tc>
+                <a:tc>
+                  <a:txBody>
+                    <a:bodyPr/>
+                    <a:lstStyle/>
+                    <a:p>
+                      <a:pPr algn="ctr"/>
+                      <a:r>
+                        <a:rPr lang="en-US" smtClean="0"/>
+                        <a:t>0,06</a:t>
+                      </a:r>
+                      <a:endParaRPr lang="en-US"/>
+                    </a:p>
+                  </a:txBody>
+                  <a:tcPr anchor="ctr" anchorCtr="1"/>
+                </a:tc>
+                <a:tc>
+                  <a:txBody>
+                    <a:bodyPr/>
+                    <a:lstStyle/>
+                    <a:p>
+                      <a:pPr algn="ctr"/>
+                      <a:r>
+                        <a:rPr lang="en-US" smtClean="0"/>
+                        <a:t>19,22</a:t>
+                      </a:r>
+                      <a:endParaRPr lang="en-US"/>
+                    </a:p>
+                  </a:txBody>
+                  <a:tcPr anchor="ctr" anchorCtr="1"/>
+                </a:tc>
+                <a:tc>
+                  <a:txBody>
+                    <a:bodyPr/>
+                    <a:lstStyle/>
+                    <a:p>
+                      <a:pPr algn="ctr"/>
+                      <a:r>
+                        <a:rPr lang="en-US" smtClean="0"/>
+                        <a:t>0,66</a:t>
+                      </a:r>
+                      <a:endParaRPr lang="en-US"/>
+                    </a:p>
+                  </a:txBody>
+                  <a:tcPr anchor="ctr" anchorCtr="1"/>
+                </a:tc>
+              </a:tr>
+              <a:tr h="370840">
+                <a:tc>
+                  <a:txBody>
+                    <a:bodyPr/>
+                    <a:lstStyle/>
+                    <a:p>
+                      <a:pPr algn="ctr"/>
+                      <a:r>
+                        <a:rPr lang="sr-Latn-RS" smtClean="0"/>
+                        <a:t>15</a:t>
+                      </a:r>
+                      <a:endParaRPr lang="en-US"/>
+                    </a:p>
+                  </a:txBody>
+                  <a:tcPr anchor="ctr" anchorCtr="1"/>
+                </a:tc>
+                <a:tc>
+                  <a:txBody>
+                    <a:bodyPr/>
+                    <a:lstStyle/>
+                    <a:p>
+                      <a:pPr algn="ctr"/>
+                      <a:r>
+                        <a:rPr lang="en-US" smtClean="0"/>
+                        <a:t>27</a:t>
+                      </a:r>
+                      <a:r>
+                        <a:rPr lang="sr-Latn-RS" smtClean="0"/>
+                        <a:t>,40</a:t>
+                      </a:r>
+                      <a:endParaRPr lang="en-US"/>
+                    </a:p>
+                  </a:txBody>
+                  <a:tcPr anchor="ctr" anchorCtr="1"/>
+                </a:tc>
+                <a:tc>
+                  <a:txBody>
+                    <a:bodyPr/>
+                    <a:lstStyle/>
+                    <a:p>
+                      <a:pPr algn="ctr"/>
+                      <a:r>
+                        <a:rPr lang="sr-Latn-RS" smtClean="0"/>
+                        <a:t>0,05</a:t>
+                      </a:r>
+                      <a:endParaRPr lang="en-US"/>
+                    </a:p>
+                  </a:txBody>
+                  <a:tcPr anchor="ctr" anchorCtr="1"/>
+                </a:tc>
+                <a:tc>
+                  <a:txBody>
+                    <a:bodyPr/>
+                    <a:lstStyle/>
+                    <a:p>
+                      <a:pPr algn="ctr"/>
+                      <a:r>
+                        <a:rPr lang="en-US" smtClean="0"/>
+                        <a:t>21,40</a:t>
+                      </a:r>
+                      <a:endParaRPr lang="en-US"/>
+                    </a:p>
+                  </a:txBody>
+                  <a:tcPr anchor="ctr" anchorCtr="1"/>
+                </a:tc>
+                <a:tc>
+                  <a:txBody>
+                    <a:bodyPr/>
+                    <a:lstStyle/>
+                    <a:p>
+                      <a:pPr algn="ctr"/>
+                      <a:r>
+                        <a:rPr lang="en-US" smtClean="0"/>
+                        <a:t>0,48</a:t>
+                      </a:r>
+                      <a:endParaRPr lang="en-US"/>
+                    </a:p>
+                  </a:txBody>
+                  <a:tcPr anchor="ctr" anchorCtr="1"/>
+                </a:tc>
+                <a:tc>
+                  <a:txBody>
+                    <a:bodyPr/>
+                    <a:lstStyle/>
+                    <a:p>
+                      <a:pPr algn="ctr"/>
+                      <a:r>
+                        <a:rPr lang="en-US" smtClean="0"/>
+                        <a:t>20,56</a:t>
+                      </a:r>
+                      <a:endParaRPr lang="en-US"/>
+                    </a:p>
+                  </a:txBody>
+                  <a:tcPr anchor="ctr" anchorCtr="1"/>
+                </a:tc>
+                <a:tc>
+                  <a:txBody>
+                    <a:bodyPr/>
+                    <a:lstStyle/>
+                    <a:p>
+                      <a:pPr algn="ctr"/>
+                      <a:r>
+                        <a:rPr lang="en-US" smtClean="0"/>
+                        <a:t>0,10</a:t>
+                      </a:r>
+                      <a:endParaRPr lang="en-US"/>
+                    </a:p>
+                  </a:txBody>
+                  <a:tcPr anchor="ctr" anchorCtr="1"/>
+                </a:tc>
+                <a:tc>
+                  <a:txBody>
+                    <a:bodyPr/>
+                    <a:lstStyle/>
+                    <a:p>
+                      <a:pPr algn="ctr"/>
+                      <a:r>
+                        <a:rPr lang="en-US" smtClean="0"/>
+                        <a:t>20,07</a:t>
+                      </a:r>
+                      <a:endParaRPr lang="en-US"/>
+                    </a:p>
+                  </a:txBody>
+                  <a:tcPr anchor="ctr" anchorCtr="1"/>
+                </a:tc>
+                <a:tc>
+                  <a:txBody>
+                    <a:bodyPr/>
+                    <a:lstStyle/>
+                    <a:p>
+                      <a:pPr algn="ctr"/>
+                      <a:r>
+                        <a:rPr lang="en-US" smtClean="0"/>
+                        <a:t>0,04</a:t>
+                      </a:r>
+                      <a:endParaRPr lang="en-US"/>
+                    </a:p>
+                  </a:txBody>
+                  <a:tcPr anchor="ctr" anchorCtr="1"/>
+                </a:tc>
+              </a:tr>
+              <a:tr h="370840">
+                <a:tc>
+                  <a:txBody>
+                    <a:bodyPr/>
+                    <a:lstStyle/>
+                    <a:p>
+                      <a:pPr algn="ctr"/>
+                      <a:r>
+                        <a:rPr lang="sr-Latn-RS" smtClean="0"/>
+                        <a:t>16</a:t>
+                      </a:r>
+                      <a:endParaRPr lang="en-US"/>
+                    </a:p>
+                  </a:txBody>
+                  <a:tcPr anchor="ctr" anchorCtr="1"/>
+                </a:tc>
+                <a:tc>
+                  <a:txBody>
+                    <a:bodyPr/>
+                    <a:lstStyle/>
+                    <a:p>
+                      <a:pPr algn="ctr"/>
+                      <a:r>
+                        <a:rPr lang="en-US" smtClean="0"/>
+                        <a:t>29</a:t>
+                      </a:r>
+                      <a:r>
+                        <a:rPr lang="sr-Latn-RS" smtClean="0"/>
+                        <a:t>,</a:t>
+                      </a:r>
+                      <a:r>
+                        <a:rPr lang="en-US" smtClean="0"/>
+                        <a:t>58</a:t>
+                      </a:r>
+                      <a:endParaRPr lang="en-US"/>
+                    </a:p>
+                  </a:txBody>
+                  <a:tcPr anchor="ctr" anchorCtr="1"/>
+                </a:tc>
+                <a:tc>
+                  <a:txBody>
+                    <a:bodyPr/>
+                    <a:lstStyle/>
+                    <a:p>
+                      <a:pPr algn="ctr"/>
+                      <a:r>
+                        <a:rPr lang="sr-Latn-RS" smtClean="0"/>
+                        <a:t>0,04</a:t>
+                      </a:r>
+                      <a:endParaRPr lang="en-US"/>
+                    </a:p>
+                  </a:txBody>
+                  <a:tcPr anchor="ctr" anchorCtr="1"/>
+                </a:tc>
+                <a:tc>
+                  <a:txBody>
+                    <a:bodyPr/>
+                    <a:lstStyle/>
+                    <a:p>
+                      <a:pPr algn="ctr"/>
+                      <a:r>
+                        <a:rPr lang="en-US" smtClean="0"/>
+                        <a:t>23,21</a:t>
+                      </a:r>
+                      <a:endParaRPr lang="en-US"/>
+                    </a:p>
+                  </a:txBody>
+                  <a:tcPr anchor="ctr" anchorCtr="1"/>
+                </a:tc>
+                <a:tc>
+                  <a:txBody>
+                    <a:bodyPr/>
+                    <a:lstStyle/>
+                    <a:p>
+                      <a:pPr algn="ctr"/>
+                      <a:r>
+                        <a:rPr lang="en-US" smtClean="0"/>
+                        <a:t>0,15</a:t>
+                      </a:r>
+                      <a:endParaRPr lang="en-US"/>
+                    </a:p>
+                  </a:txBody>
+                  <a:tcPr anchor="ctr" anchorCtr="1"/>
+                </a:tc>
+                <a:tc>
+                  <a:txBody>
+                    <a:bodyPr/>
+                    <a:lstStyle/>
+                    <a:p>
+                      <a:pPr algn="ctr"/>
+                      <a:r>
+                        <a:rPr lang="en-US" smtClean="0"/>
+                        <a:t>21,89</a:t>
+                      </a:r>
+                      <a:endParaRPr lang="en-US"/>
+                    </a:p>
+                  </a:txBody>
+                  <a:tcPr anchor="ctr" anchorCtr="1"/>
+                </a:tc>
+                <a:tc>
+                  <a:txBody>
+                    <a:bodyPr/>
+                    <a:lstStyle/>
+                    <a:p>
+                      <a:pPr algn="ctr"/>
+                      <a:r>
+                        <a:rPr lang="en-US" smtClean="0"/>
+                        <a:t>0,11</a:t>
+                      </a:r>
+                      <a:endParaRPr lang="en-US"/>
+                    </a:p>
+                  </a:txBody>
+                  <a:tcPr anchor="ctr" anchorCtr="1"/>
+                </a:tc>
+                <a:tc>
+                  <a:txBody>
+                    <a:bodyPr/>
+                    <a:lstStyle/>
+                    <a:p>
+                      <a:pPr algn="ctr"/>
+                      <a:r>
+                        <a:rPr lang="en-US" smtClean="0"/>
+                        <a:t>21,08</a:t>
+                      </a:r>
+                      <a:endParaRPr lang="en-US"/>
+                    </a:p>
+                  </a:txBody>
+                  <a:tcPr anchor="ctr" anchorCtr="1"/>
+                </a:tc>
+                <a:tc>
+                  <a:txBody>
+                    <a:bodyPr/>
+                    <a:lstStyle/>
+                    <a:p>
+                      <a:pPr algn="ctr"/>
+                      <a:r>
+                        <a:rPr lang="en-US" smtClean="0"/>
+                        <a:t>0,10</a:t>
+                      </a:r>
+                      <a:endParaRPr lang="en-US"/>
+                    </a:p>
+                  </a:txBody>
+                  <a:tcPr anchor="ctr" anchorCtr="1"/>
+                </a:tc>
+              </a:tr>
+              <a:tr h="370840">
+                <a:tc>
+                  <a:txBody>
+                    <a:bodyPr/>
+                    <a:lstStyle/>
+                    <a:p>
+                      <a:pPr algn="ctr"/>
+                      <a:r>
+                        <a:rPr lang="sr-Latn-RS" smtClean="0"/>
+                        <a:t>17</a:t>
+                      </a:r>
+                      <a:endParaRPr lang="en-US"/>
+                    </a:p>
+                  </a:txBody>
+                  <a:tcPr anchor="ctr" anchorCtr="1"/>
+                </a:tc>
+                <a:tc>
+                  <a:txBody>
+                    <a:bodyPr/>
+                    <a:lstStyle/>
+                    <a:p>
+                      <a:pPr algn="ctr"/>
+                      <a:r>
+                        <a:rPr lang="en-US" smtClean="0"/>
+                        <a:t>31</a:t>
+                      </a:r>
+                      <a:r>
+                        <a:rPr lang="sr-Latn-RS" smtClean="0"/>
+                        <a:t>,</a:t>
+                      </a:r>
+                      <a:r>
+                        <a:rPr lang="en-US" smtClean="0"/>
+                        <a:t>69</a:t>
+                      </a:r>
+                      <a:endParaRPr lang="en-US"/>
+                    </a:p>
+                  </a:txBody>
+                  <a:tcPr anchor="ctr" anchorCtr="1"/>
+                </a:tc>
+                <a:tc>
+                  <a:txBody>
+                    <a:bodyPr/>
+                    <a:lstStyle/>
+                    <a:p>
+                      <a:pPr algn="ctr"/>
+                      <a:r>
+                        <a:rPr lang="sr-Latn-RS" smtClean="0"/>
+                        <a:t>0,05</a:t>
+                      </a:r>
+                      <a:endParaRPr lang="en-US"/>
+                    </a:p>
+                  </a:txBody>
+                  <a:tcPr anchor="ctr" anchorCtr="1"/>
+                </a:tc>
+                <a:tc>
+                  <a:txBody>
+                    <a:bodyPr/>
+                    <a:lstStyle/>
+                    <a:p>
+                      <a:pPr algn="ctr"/>
+                      <a:r>
+                        <a:rPr lang="en-US" smtClean="0"/>
+                        <a:t>25,00</a:t>
+                      </a:r>
+                      <a:endParaRPr lang="en-US"/>
+                    </a:p>
+                  </a:txBody>
+                  <a:tcPr anchor="ctr" anchorCtr="1"/>
+                </a:tc>
+                <a:tc>
+                  <a:txBody>
+                    <a:bodyPr/>
+                    <a:lstStyle/>
+                    <a:p>
+                      <a:pPr algn="ctr"/>
+                      <a:r>
+                        <a:rPr lang="en-US" smtClean="0"/>
+                        <a:t>0,28</a:t>
+                      </a:r>
+                      <a:endParaRPr lang="en-US"/>
+                    </a:p>
+                  </a:txBody>
+                  <a:tcPr anchor="ctr" anchorCtr="1"/>
+                </a:tc>
+                <a:tc>
+                  <a:txBody>
+                    <a:bodyPr/>
+                    <a:lstStyle/>
+                    <a:p>
+                      <a:pPr algn="ctr"/>
+                      <a:r>
+                        <a:rPr lang="en-US" smtClean="0"/>
+                        <a:t>23,00</a:t>
+                      </a:r>
+                      <a:endParaRPr lang="en-US"/>
+                    </a:p>
+                  </a:txBody>
+                  <a:tcPr anchor="ctr" anchorCtr="1"/>
+                </a:tc>
+                <a:tc>
+                  <a:txBody>
+                    <a:bodyPr/>
+                    <a:lstStyle/>
+                    <a:p>
+                      <a:pPr algn="ctr"/>
+                      <a:r>
+                        <a:rPr lang="en-US" smtClean="0"/>
+                        <a:t>0,05</a:t>
+                      </a:r>
+                      <a:endParaRPr lang="en-US"/>
+                    </a:p>
+                  </a:txBody>
+                  <a:tcPr anchor="ctr" anchorCtr="1"/>
+                </a:tc>
+                <a:tc>
+                  <a:txBody>
+                    <a:bodyPr/>
+                    <a:lstStyle/>
+                    <a:p>
+                      <a:pPr algn="ctr"/>
+                      <a:r>
+                        <a:rPr lang="en-US" smtClean="0"/>
+                        <a:t>22,08</a:t>
+                      </a:r>
+                      <a:endParaRPr lang="en-US"/>
+                    </a:p>
+                  </a:txBody>
+                  <a:tcPr anchor="ctr" anchorCtr="1"/>
+                </a:tc>
+                <a:tc>
+                  <a:txBody>
+                    <a:bodyPr/>
+                    <a:lstStyle/>
+                    <a:p>
+                      <a:pPr algn="ctr"/>
+                      <a:r>
+                        <a:rPr lang="en-US" smtClean="0"/>
+                        <a:t>0,02</a:t>
+                      </a:r>
+                      <a:endParaRPr lang="en-US"/>
+                    </a:p>
+                  </a:txBody>
+                  <a:tcPr anchor="ctr" anchorCtr="1"/>
+                </a:tc>
+              </a:tr>
+            </a:tbl>
+          </a:graphicData>
+        </a:graphic>
+      </p:graphicFrame>
+      <p:sp>
+        <p:nvSpPr>
+          <p:cNvPr id="7" name="Content Placeholder 2"/>
+          <p:cNvSpPr>
+            <a:spLocks noGrp="1"/>
+          </p:cNvSpPr>
+          <p:nvPr>
+            <p:ph idx="1"/>
+          </p:nvPr>
+        </p:nvSpPr>
+        <p:spPr>
+          <a:xfrm>
+            <a:off x="1219200" y="5334000"/>
+            <a:ext cx="7010400" cy="1143000"/>
+          </a:xfrm>
+        </p:spPr>
+        <p:txBody>
+          <a:bodyPr>
+            <a:normAutofit lnSpcReduction="10000"/>
+          </a:bodyPr>
+          <a:lstStyle/>
+          <a:p>
+            <a:r>
+              <a:rPr lang="sr-Latn-RS" smtClean="0"/>
+              <a:t>Svugde logaritam – npr. log</a:t>
+            </a:r>
+            <a:r>
+              <a:rPr lang="sr-Latn-RS" baseline="-25000" smtClean="0"/>
+              <a:t>2</a:t>
+            </a:r>
+            <a:r>
+              <a:rPr lang="sr-Latn-RS" smtClean="0"/>
+              <a:t>n umesto n</a:t>
+            </a:r>
+          </a:p>
+          <a:p>
+            <a:r>
+              <a:rPr lang="sr-Latn-RS" smtClean="0"/>
+              <a:t>Svaki eksperiment ponovljen sto puta</a:t>
+            </a:r>
+          </a:p>
+        </p:txBody>
+      </p:sp>
+    </p:spTree>
+  </p:cSld>
+  <p:clrMapOvr>
+    <a:masterClrMapping/>
+  </p:clrMapOvr>
+  <p:timing>
+    <p:tnLst>
+      <p:par>
+        <p:cTn id="1" dur="indefinite" restart="never" nodeType="tmRoot"/>
+      </p:par>
+    </p:tnLst>
+  </p:timing>
+</p:sld>
+</file>
+
+<file path=ppt/slides/slide21.xml><?xml version="1.0" encoding="utf-8"?>
+<p:sld xmlns:a="http://schemas.openxmlformats.org/drawingml/2006/main" xmlns:r="http://schemas.openxmlformats.org/officeDocument/2006/relationships" xmlns:p="http://schemas.openxmlformats.org/presentationml/2006/main">
+  <p:cSld>
+    <p:spTree>
+      <p:nvGrpSpPr>
+        <p:cNvPr id="1" name=""/>
+        <p:cNvGrpSpPr/>
+        <p:nvPr/>
+      </p:nvGrpSpPr>
+      <p:grpSpPr>
+        <a:xfrm>
+          <a:off x="0" y="0"/>
+          <a:ext cx="0" cy="0"/>
+          <a:chOff x="0" y="0"/>
+          <a:chExt cx="0" cy="0"/>
+        </a:xfrm>
+      </p:grpSpPr>
+      <p:sp>
+        <p:nvSpPr>
+          <p:cNvPr id="2" name="Title 1"/>
+          <p:cNvSpPr>
+            <a:spLocks noGrp="1"/>
+          </p:cNvSpPr>
+          <p:nvPr>
+            <p:ph type="title"/>
+          </p:nvPr>
+        </p:nvSpPr>
+        <p:spPr/>
+        <p:txBody>
+          <a:bodyPr/>
+          <a:lstStyle/>
+          <a:p>
+            <a:r>
+              <a:rPr lang="en-US" smtClean="0"/>
+              <a:t>Histogram </a:t>
+            </a:r>
+            <a:r>
+              <a:rPr lang="sr-Latn-RS" smtClean="0"/>
+              <a:t>najvećeg ulaza</a:t>
+            </a:r>
+            <a:endParaRPr lang="en-US"/>
+          </a:p>
+        </p:txBody>
+      </p:sp>
+      <p:pic>
+        <p:nvPicPr>
+          <p:cNvPr id="6" name="Picture 5" descr="1024px-Proline-from-xtal-3D-bs-17-view-B.png"/>
+          <p:cNvPicPr>
+            <a:picLocks noChangeAspect="1"/>
+          </p:cNvPicPr>
+          <p:nvPr/>
+        </p:nvPicPr>
+        <p:blipFill>
+          <a:blip r:embed="rId2" cstate="print"/>
+          <a:stretch>
+            <a:fillRect/>
+          </a:stretch>
+        </p:blipFill>
+        <p:spPr>
+          <a:xfrm>
+            <a:off x="1218220" y="1371600"/>
+            <a:ext cx="6783762" cy="5047992"/>
+          </a:xfrm>
+          <a:prstGeom prst="rect">
+            <a:avLst/>
+          </a:prstGeom>
+        </p:spPr>
+      </p:pic>
+    </p:spTree>
+  </p:cSld>
+  <p:clrMapOvr>
+    <a:masterClrMapping/>
+  </p:clrMapOvr>
+  <p:timing>
+    <p:tnLst>
+      <p:par>
+        <p:cTn id="1" dur="indefinite" restart="never" nodeType="tmRoot"/>
+      </p:par>
+    </p:tnLst>
+  </p:timing>
+</p:sld>
+</file>
+
+<file path=ppt/slides/slide22.xml><?xml version="1.0" encoding="utf-8"?>
+<p:sld xmlns:a="http://schemas.openxmlformats.org/drawingml/2006/main" xmlns:r="http://schemas.openxmlformats.org/officeDocument/2006/relationships" xmlns:p="http://schemas.openxmlformats.org/presentationml/2006/main">
+  <p:cSld>
+    <p:spTree>
+      <p:nvGrpSpPr>
+        <p:cNvPr id="1" name=""/>
+        <p:cNvGrpSpPr/>
+        <p:nvPr/>
+      </p:nvGrpSpPr>
+      <p:grpSpPr>
+        <a:xfrm>
+          <a:off x="0" y="0"/>
+          <a:ext cx="0" cy="0"/>
+          <a:chOff x="0" y="0"/>
+          <a:chExt cx="0" cy="0"/>
+        </a:xfrm>
+      </p:grpSpPr>
+      <p:sp>
+        <p:nvSpPr>
+          <p:cNvPr id="2" name="Title 1"/>
+          <p:cNvSpPr>
+            <a:spLocks noGrp="1"/>
+          </p:cNvSpPr>
+          <p:nvPr>
+            <p:ph type="title"/>
+          </p:nvPr>
+        </p:nvSpPr>
         <p:spPr>
           <a:xfrm>
             <a:off x="457200" y="274638"/>
@@ -10183,7 +12207,12 @@
             <p:ph idx="1"/>
           </p:nvPr>
         </p:nvSpPr>
-        <p:spPr/>
+        <p:spPr>
+          <a:xfrm>
+            <a:off x="457200" y="1600201"/>
+            <a:ext cx="8229600" cy="4114800"/>
+          </a:xfrm>
+        </p:spPr>
         <p:txBody>
           <a:bodyPr>
             <a:normAutofit/>
@@ -10335,7 +12364,7 @@
 </p:sld>
 </file>
 
-<file path=ppt/slides/slide21.xml><?xml version="1.0" encoding="utf-8"?>
+<file path=ppt/slides/slide23.xml><?xml version="1.0" encoding="utf-8"?>
 <p:sld xmlns:a="http://schemas.openxmlformats.org/drawingml/2006/main" xmlns:r="http://schemas.openxmlformats.org/officeDocument/2006/relationships" xmlns:p="http://schemas.openxmlformats.org/presentationml/2006/main">
   <p:cSld>
     <p:spTree>
@@ -10405,25 +12434,12 @@
           <a:p>
             <a:r>
               <a:rPr lang="sr-Latn-RS" smtClean="0"/>
-              <a:t>Rezultati – </a:t>
-            </a:r>
-            <a:r>
-              <a:rPr lang="sr-Latn-RS" smtClean="0"/>
-              <a:t>očekivano ponašanje implementacija na osnovu teorijske analize, najbolji </a:t>
+              <a:t>Rezultati – očekivano ponašanje implementacija na osnovu teorijske analize, najbolji </a:t>
             </a:r>
             <a:r>
               <a:rPr lang="sr-Latn-RS" i="1" smtClean="0"/>
-              <a:t>SA</a:t>
-            </a:r>
-            <a:r>
-              <a:rPr lang="sr-Latn-RS" i="1" smtClean="0"/>
-              <a:t>–</a:t>
-            </a:r>
-            <a:r>
-              <a:rPr lang="sr-Latn-RS" i="1" smtClean="0"/>
-              <a:t>IS</a:t>
-            </a:r>
-            <a:endParaRPr lang="sr-Latn-RS" i="1" smtClean="0"/>
+              <a:t>SA–IS</a:t>
+            </a:r>
           </a:p>
         </p:txBody>
       </p:sp>
@@ -10516,7 +12532,7 @@
 </p:sld>
 </file>
 
-<file path=ppt/slides/slide22.xml><?xml version="1.0" encoding="utf-8"?>
+<file path=ppt/slides/slide24.xml><?xml version="1.0" encoding="utf-8"?>
 <p:sld xmlns:a="http://schemas.openxmlformats.org/drawingml/2006/main" xmlns:r="http://schemas.openxmlformats.org/officeDocument/2006/relationships" xmlns:p="http://schemas.openxmlformats.org/presentationml/2006/main">
   <p:cSld>
     <p:spTree>
@@ -10566,7 +12582,12 @@
             <p:ph idx="1"/>
           </p:nvPr>
         </p:nvSpPr>
-        <p:spPr/>
+        <p:spPr>
+          <a:xfrm>
+            <a:off x="457200" y="1600201"/>
+            <a:ext cx="8229600" cy="4343400"/>
+          </a:xfrm>
+        </p:spPr>
         <p:txBody>
           <a:bodyPr>
             <a:normAutofit fontScale="92500" lnSpcReduction="20000"/>
@@ -11435,27 +13456,14 @@
           <a:p>
             <a:r>
               <a:rPr lang="pl-PL" smtClean="0"/>
-              <a:t>Prost obilazak </a:t>
-            </a:r>
+              <a:t>Prost obilazak stabla u dubinu leksikografskim poretkom</a:t>
+            </a:r>
+          </a:p>
+          <a:p>
             <a:r>
               <a:rPr lang="pl-PL" smtClean="0"/>
-              <a:t>stabla u dubinu leksikografskim </a:t>
-            </a:r>
-            <a:r>
-              <a:rPr lang="pl-PL" smtClean="0"/>
-              <a:t>poretkom</a:t>
-            </a:r>
-          </a:p>
-          <a:p>
-            <a:r>
-              <a:rPr lang="pl-PL" smtClean="0"/>
-              <a:t>Vremenski efikasno, ali suštinski ne </a:t>
-            </a:r>
-            <a:r>
-              <a:rPr lang="pl-PL" smtClean="0"/>
-              <a:t>popravlja prostor</a:t>
-            </a:r>
-            <a:endParaRPr lang="pl-PL" smtClean="0"/>
+              <a:t>Vremenski efikasno, ali suštinski ne popravlja prostor</a:t>
+            </a:r>
           </a:p>
         </p:txBody>
       </p:sp>

--- a/seminar/sufiksni.pptx
+++ b/seminar/sufiksni.pptx
@@ -312,7 +312,7 @@
             <a:fld id="{1D8BD707-D9CF-40AE-B4C6-C98DA3205C09}" type="datetimeFigureOut">
               <a:rPr lang="en-US" smtClean="0"/>
               <a:pPr/>
-              <a:t>9/11/2022</a:t>
+              <a:t>9/18/2022</a:t>
             </a:fld>
             <a:endParaRPr lang="en-US"/>
           </a:p>
@@ -479,7 +479,7 @@
             <a:fld id="{1D8BD707-D9CF-40AE-B4C6-C98DA3205C09}" type="datetimeFigureOut">
               <a:rPr lang="en-US" smtClean="0"/>
               <a:pPr/>
-              <a:t>9/11/2022</a:t>
+              <a:t>9/18/2022</a:t>
             </a:fld>
             <a:endParaRPr lang="en-US"/>
           </a:p>
@@ -656,7 +656,7 @@
             <a:fld id="{1D8BD707-D9CF-40AE-B4C6-C98DA3205C09}" type="datetimeFigureOut">
               <a:rPr lang="en-US" smtClean="0"/>
               <a:pPr/>
-              <a:t>9/11/2022</a:t>
+              <a:t>9/18/2022</a:t>
             </a:fld>
             <a:endParaRPr lang="en-US"/>
           </a:p>
@@ -823,7 +823,7 @@
             <a:fld id="{1D8BD707-D9CF-40AE-B4C6-C98DA3205C09}" type="datetimeFigureOut">
               <a:rPr lang="en-US" smtClean="0"/>
               <a:pPr/>
-              <a:t>9/11/2022</a:t>
+              <a:t>9/18/2022</a:t>
             </a:fld>
             <a:endParaRPr lang="en-US"/>
           </a:p>
@@ -1066,7 +1066,7 @@
             <a:fld id="{1D8BD707-D9CF-40AE-B4C6-C98DA3205C09}" type="datetimeFigureOut">
               <a:rPr lang="en-US" smtClean="0"/>
               <a:pPr/>
-              <a:t>9/11/2022</a:t>
+              <a:t>9/18/2022</a:t>
             </a:fld>
             <a:endParaRPr lang="en-US"/>
           </a:p>
@@ -1351,7 +1351,7 @@
             <a:fld id="{1D8BD707-D9CF-40AE-B4C6-C98DA3205C09}" type="datetimeFigureOut">
               <a:rPr lang="en-US" smtClean="0"/>
               <a:pPr/>
-              <a:t>9/11/2022</a:t>
+              <a:t>9/18/2022</a:t>
             </a:fld>
             <a:endParaRPr lang="en-US"/>
           </a:p>
@@ -1770,7 +1770,7 @@
             <a:fld id="{1D8BD707-D9CF-40AE-B4C6-C98DA3205C09}" type="datetimeFigureOut">
               <a:rPr lang="en-US" smtClean="0"/>
               <a:pPr/>
-              <a:t>9/11/2022</a:t>
+              <a:t>9/18/2022</a:t>
             </a:fld>
             <a:endParaRPr lang="en-US"/>
           </a:p>
@@ -1885,7 +1885,7 @@
             <a:fld id="{1D8BD707-D9CF-40AE-B4C6-C98DA3205C09}" type="datetimeFigureOut">
               <a:rPr lang="en-US" smtClean="0"/>
               <a:pPr/>
-              <a:t>9/11/2022</a:t>
+              <a:t>9/18/2022</a:t>
             </a:fld>
             <a:endParaRPr lang="en-US"/>
           </a:p>
@@ -1977,7 +1977,7 @@
             <a:fld id="{1D8BD707-D9CF-40AE-B4C6-C98DA3205C09}" type="datetimeFigureOut">
               <a:rPr lang="en-US" smtClean="0"/>
               <a:pPr/>
-              <a:t>9/11/2022</a:t>
+              <a:t>9/18/2022</a:t>
             </a:fld>
             <a:endParaRPr lang="en-US"/>
           </a:p>
@@ -2251,7 +2251,7 @@
             <a:fld id="{1D8BD707-D9CF-40AE-B4C6-C98DA3205C09}" type="datetimeFigureOut">
               <a:rPr lang="en-US" smtClean="0"/>
               <a:pPr/>
-              <a:t>9/11/2022</a:t>
+              <a:t>9/18/2022</a:t>
             </a:fld>
             <a:endParaRPr lang="en-US"/>
           </a:p>
@@ -2501,7 +2501,7 @@
             <a:fld id="{1D8BD707-D9CF-40AE-B4C6-C98DA3205C09}" type="datetimeFigureOut">
               <a:rPr lang="en-US" smtClean="0"/>
               <a:pPr/>
-              <a:t>9/11/2022</a:t>
+              <a:t>9/18/2022</a:t>
             </a:fld>
             <a:endParaRPr lang="en-US"/>
           </a:p>
@@ -2711,7 +2711,7 @@
             <a:fld id="{1D8BD707-D9CF-40AE-B4C6-C98DA3205C09}" type="datetimeFigureOut">
               <a:rPr lang="en-US" smtClean="0"/>
               <a:pPr/>
-              <a:t>9/11/2022</a:t>
+              <a:t>9/18/2022</a:t>
             </a:fld>
             <a:endParaRPr lang="en-US"/>
           </a:p>
@@ -7932,11 +7932,7 @@
             </a:r>
             <a:r>
               <a:rPr lang="sr-Latn-RS" smtClean="0"/>
-              <a:t>) </a:t>
-            </a:r>
-            <a:r>
-              <a:rPr lang="sr-Latn-RS" smtClean="0"/>
-              <a:t>+ </a:t>
+              <a:t>) + </a:t>
             </a:r>
             <a:r>
               <a:rPr lang="sr-Latn-RS" i="1" smtClean="0"/>
@@ -7956,11 +7952,7 @@
             </a:r>
             <a:r>
               <a:rPr lang="en-US" smtClean="0"/>
-              <a:t> </a:t>
-            </a:r>
-            <a:r>
-              <a:rPr lang="en-US" smtClean="0"/>
-              <a:t>= </a:t>
+              <a:t> = </a:t>
             </a:r>
             <a:r>
               <a:rPr lang="en-US" i="1" smtClean="0"/>
@@ -8011,11 +8003,7 @@
             </a:r>
             <a:r>
               <a:rPr lang="sr-Latn-RS" smtClean="0"/>
-              <a:t>), </a:t>
-            </a:r>
-            <a:r>
-              <a:rPr lang="sr-Latn-RS" smtClean="0"/>
-              <a:t>može</a:t>
+              <a:t>), može</a:t>
             </a:r>
             <a:r>
               <a:rPr lang="en-US" smtClean="0"/>
@@ -9884,13 +9872,8 @@
           <a:p>
             <a:r>
               <a:rPr lang="sr-Latn-RS" smtClean="0"/>
-              <a:t>Rekurzivni poziv – </a:t>
-            </a:r>
-            <a:r>
-              <a:rPr lang="sr-Latn-RS" smtClean="0"/>
-              <a:t>najviše polovina veličine</a:t>
-            </a:r>
-            <a:endParaRPr lang="sr-Latn-RS" smtClean="0"/>
+              <a:t>Rekurzivni poziv – najviše polovina veličine</a:t>
+            </a:r>
           </a:p>
           <a:p>
             <a:r>
@@ -9947,11 +9930,7 @@
             </a:r>
             <a:r>
               <a:rPr lang="en-US" smtClean="0"/>
-              <a:t> </a:t>
-            </a:r>
-            <a:r>
-              <a:rPr lang="en-US" smtClean="0"/>
-              <a:t>= </a:t>
+              <a:t> = </a:t>
             </a:r>
             <a:r>
               <a:rPr lang="en-US" i="1" smtClean="0"/>
@@ -9998,7 +9977,23 @@
             </a:r>
             <a:r>
               <a:rPr lang="sr-Latn-RS" smtClean="0"/>
-              <a:t> Čan (</a:t>
+              <a:t> </a:t>
+            </a:r>
+            <a:r>
+              <a:rPr lang="sr-Latn-RS" smtClean="0"/>
+              <a:t>Č</a:t>
+            </a:r>
+            <a:r>
+              <a:rPr lang="en-US" smtClean="0"/>
+              <a:t>e</a:t>
+            </a:r>
+            <a:r>
+              <a:rPr lang="sr-Latn-RS" smtClean="0"/>
+              <a:t>n </a:t>
+            </a:r>
+            <a:r>
+              <a:rPr lang="sr-Latn-RS" smtClean="0"/>
+              <a:t>(</a:t>
             </a:r>
             <a:r>
               <a:rPr lang="sr-Latn-RS" i="1" smtClean="0"/>
@@ -10006,26 +10001,13 @@
             </a:r>
             <a:r>
               <a:rPr lang="sr-Latn-RS" smtClean="0"/>
-              <a:t>), </a:t>
-            </a:r>
+              <a:t>), uveden 2009, dopunjen 2011.</a:t>
+            </a:r>
+          </a:p>
+          <a:p>
             <a:r>
               <a:rPr lang="sr-Latn-RS" smtClean="0"/>
-              <a:t>uveden 2009, dopunjen 2011.</a:t>
-            </a:r>
-            <a:endParaRPr lang="sr-Latn-RS" smtClean="0"/>
-          </a:p>
-          <a:p>
-            <a:r>
-              <a:rPr lang="sr-Latn-RS" smtClean="0"/>
-              <a:t>Naziv </a:t>
-            </a:r>
-            <a:r>
-              <a:rPr lang="sr-Latn-RS" smtClean="0"/>
-              <a:t>– </a:t>
-            </a:r>
-            <a:r>
-              <a:rPr lang="sr-Latn-RS" smtClean="0"/>
-              <a:t>sufiksni niz indukovanim sortiranjem (</a:t>
+              <a:t>Naziv – sufiksni niz indukovanim sortiranjem (</a:t>
             </a:r>
             <a:r>
               <a:rPr lang="sr-Latn-RS" i="1" smtClean="0"/>
@@ -10033,15 +10015,7 @@
             </a:r>
             <a:r>
               <a:rPr lang="sr-Latn-RS" smtClean="0"/>
-              <a:t>), </a:t>
-            </a:r>
-            <a:r>
-              <a:rPr lang="sr-Latn-RS" smtClean="0"/>
-              <a:t>može </a:t>
-            </a:r>
-            <a:r>
-              <a:rPr lang="sr-Latn-RS" smtClean="0"/>
-              <a:t>i </a:t>
+              <a:t>), može i </a:t>
             </a:r>
             <a:r>
               <a:rPr lang="sr-Latn-RS" i="1" smtClean="0"/>
